--- a/final-proposal/img/img.pptx
+++ b/final-proposal/img/img.pptx
@@ -5,14 +5,16 @@
     <p:sldMasterId id="2147483660" r:id="rId1"/>
   </p:sldMasterIdLst>
   <p:notesMasterIdLst>
-    <p:notesMasterId r:id="rId7"/>
+    <p:notesMasterId r:id="rId9"/>
   </p:notesMasterIdLst>
   <p:sldIdLst>
-    <p:sldId id="341" r:id="rId2"/>
-    <p:sldId id="352" r:id="rId3"/>
-    <p:sldId id="353" r:id="rId4"/>
-    <p:sldId id="355" r:id="rId5"/>
-    <p:sldId id="354" r:id="rId6"/>
+    <p:sldId id="358" r:id="rId2"/>
+    <p:sldId id="341" r:id="rId3"/>
+    <p:sldId id="356" r:id="rId4"/>
+    <p:sldId id="352" r:id="rId5"/>
+    <p:sldId id="353" r:id="rId6"/>
+    <p:sldId id="355" r:id="rId7"/>
+    <p:sldId id="354" r:id="rId8"/>
   </p:sldIdLst>
   <p:sldSz cx="21599525" cy="21599525"/>
   <p:notesSz cx="6858000" cy="9144000"/>
@@ -201,7 +203,7 @@
           <a:p>
             <a:fld id="{5DF3E262-87A9-4FD0-801D-11C30F528353}" type="datetimeFigureOut">
               <a:rPr lang="zh-TW" altLang="en-US" smtClean="0"/>
-              <a:t>2021/5/26</a:t>
+              <a:t>2021/5/27</a:t>
             </a:fld>
             <a:endParaRPr lang="zh-TW" altLang="en-US"/>
           </a:p>
@@ -543,7 +545,7 @@
     </p:spTree>
     <p:extLst>
       <p:ext uri="{BB962C8B-B14F-4D97-AF65-F5344CB8AC3E}">
-        <p14:creationId xmlns:p14="http://schemas.microsoft.com/office/powerpoint/2010/main" val="3980613629"/>
+        <p14:creationId xmlns:p14="http://schemas.microsoft.com/office/powerpoint/2010/main" val="541581690"/>
       </p:ext>
     </p:extLst>
   </p:cSld>
@@ -627,7 +629,7 @@
     </p:spTree>
     <p:extLst>
       <p:ext uri="{BB962C8B-B14F-4D97-AF65-F5344CB8AC3E}">
-        <p14:creationId xmlns:p14="http://schemas.microsoft.com/office/powerpoint/2010/main" val="417677652"/>
+        <p14:creationId xmlns:p14="http://schemas.microsoft.com/office/powerpoint/2010/main" val="3980613629"/>
       </p:ext>
     </p:extLst>
   </p:cSld>
@@ -711,7 +713,7 @@
     </p:spTree>
     <p:extLst>
       <p:ext uri="{BB962C8B-B14F-4D97-AF65-F5344CB8AC3E}">
-        <p14:creationId xmlns:p14="http://schemas.microsoft.com/office/powerpoint/2010/main" val="710299623"/>
+        <p14:creationId xmlns:p14="http://schemas.microsoft.com/office/powerpoint/2010/main" val="2199717820"/>
       </p:ext>
     </p:extLst>
   </p:cSld>
@@ -795,7 +797,7 @@
     </p:spTree>
     <p:extLst>
       <p:ext uri="{BB962C8B-B14F-4D97-AF65-F5344CB8AC3E}">
-        <p14:creationId xmlns:p14="http://schemas.microsoft.com/office/powerpoint/2010/main" val="1318061315"/>
+        <p14:creationId xmlns:p14="http://schemas.microsoft.com/office/powerpoint/2010/main" val="417677652"/>
       </p:ext>
     </p:extLst>
   </p:cSld>
@@ -871,6 +873,174 @@
             <a:fld id="{6E1C9CAC-9358-49DD-9977-4B7D28ACBE36}" type="slidenum">
               <a:rPr lang="zh-TW" altLang="en-US" smtClean="0"/>
               <a:t>5</a:t>
+            </a:fld>
+            <a:endParaRPr lang="zh-TW" altLang="en-US"/>
+          </a:p>
+        </p:txBody>
+      </p:sp>
+    </p:spTree>
+    <p:extLst>
+      <p:ext uri="{BB962C8B-B14F-4D97-AF65-F5344CB8AC3E}">
+        <p14:creationId xmlns:p14="http://schemas.microsoft.com/office/powerpoint/2010/main" val="710299623"/>
+      </p:ext>
+    </p:extLst>
+  </p:cSld>
+  <p:clrMapOvr>
+    <a:masterClrMapping/>
+  </p:clrMapOvr>
+</p:notes>
+</file>
+
+<file path=ppt/notesSlides/notesSlide6.xml><?xml version="1.0" encoding="utf-8"?>
+<p:notes xmlns:a="http://schemas.openxmlformats.org/drawingml/2006/main" xmlns:r="http://schemas.openxmlformats.org/officeDocument/2006/relationships" xmlns:p="http://schemas.openxmlformats.org/presentationml/2006/main">
+  <p:cSld>
+    <p:spTree>
+      <p:nvGrpSpPr>
+        <p:cNvPr id="1" name=""/>
+        <p:cNvGrpSpPr/>
+        <p:nvPr/>
+      </p:nvGrpSpPr>
+      <p:grpSpPr>
+        <a:xfrm>
+          <a:off x="0" y="0"/>
+          <a:ext cx="0" cy="0"/>
+          <a:chOff x="0" y="0"/>
+          <a:chExt cx="0" cy="0"/>
+        </a:xfrm>
+      </p:grpSpPr>
+      <p:sp>
+        <p:nvSpPr>
+          <p:cNvPr id="2" name="投影片圖像版面配置區 1"/>
+          <p:cNvSpPr>
+            <a:spLocks noGrp="1" noRot="1" noChangeAspect="1"/>
+          </p:cNvSpPr>
+          <p:nvPr>
+            <p:ph type="sldImg"/>
+          </p:nvPr>
+        </p:nvSpPr>
+        <p:spPr/>
+      </p:sp>
+      <p:sp>
+        <p:nvSpPr>
+          <p:cNvPr id="3" name="備忘稿版面配置區 2"/>
+          <p:cNvSpPr>
+            <a:spLocks noGrp="1"/>
+          </p:cNvSpPr>
+          <p:nvPr>
+            <p:ph type="body" idx="1"/>
+          </p:nvPr>
+        </p:nvSpPr>
+        <p:spPr/>
+        <p:txBody>
+          <a:bodyPr/>
+          <a:lstStyle/>
+          <a:p>
+            <a:endParaRPr lang="zh-TW" altLang="en-US" dirty="0"/>
+          </a:p>
+        </p:txBody>
+      </p:sp>
+      <p:sp>
+        <p:nvSpPr>
+          <p:cNvPr id="4" name="投影片編號版面配置區 3"/>
+          <p:cNvSpPr>
+            <a:spLocks noGrp="1"/>
+          </p:cNvSpPr>
+          <p:nvPr>
+            <p:ph type="sldNum" sz="quarter" idx="10"/>
+          </p:nvPr>
+        </p:nvSpPr>
+        <p:spPr/>
+        <p:txBody>
+          <a:bodyPr/>
+          <a:lstStyle/>
+          <a:p>
+            <a:fld id="{6E1C9CAC-9358-49DD-9977-4B7D28ACBE36}" type="slidenum">
+              <a:rPr lang="zh-TW" altLang="en-US" smtClean="0"/>
+              <a:t>6</a:t>
+            </a:fld>
+            <a:endParaRPr lang="zh-TW" altLang="en-US"/>
+          </a:p>
+        </p:txBody>
+      </p:sp>
+    </p:spTree>
+    <p:extLst>
+      <p:ext uri="{BB962C8B-B14F-4D97-AF65-F5344CB8AC3E}">
+        <p14:creationId xmlns:p14="http://schemas.microsoft.com/office/powerpoint/2010/main" val="1318061315"/>
+      </p:ext>
+    </p:extLst>
+  </p:cSld>
+  <p:clrMapOvr>
+    <a:masterClrMapping/>
+  </p:clrMapOvr>
+</p:notes>
+</file>
+
+<file path=ppt/notesSlides/notesSlide7.xml><?xml version="1.0" encoding="utf-8"?>
+<p:notes xmlns:a="http://schemas.openxmlformats.org/drawingml/2006/main" xmlns:r="http://schemas.openxmlformats.org/officeDocument/2006/relationships" xmlns:p="http://schemas.openxmlformats.org/presentationml/2006/main">
+  <p:cSld>
+    <p:spTree>
+      <p:nvGrpSpPr>
+        <p:cNvPr id="1" name=""/>
+        <p:cNvGrpSpPr/>
+        <p:nvPr/>
+      </p:nvGrpSpPr>
+      <p:grpSpPr>
+        <a:xfrm>
+          <a:off x="0" y="0"/>
+          <a:ext cx="0" cy="0"/>
+          <a:chOff x="0" y="0"/>
+          <a:chExt cx="0" cy="0"/>
+        </a:xfrm>
+      </p:grpSpPr>
+      <p:sp>
+        <p:nvSpPr>
+          <p:cNvPr id="2" name="投影片圖像版面配置區 1"/>
+          <p:cNvSpPr>
+            <a:spLocks noGrp="1" noRot="1" noChangeAspect="1"/>
+          </p:cNvSpPr>
+          <p:nvPr>
+            <p:ph type="sldImg"/>
+          </p:nvPr>
+        </p:nvSpPr>
+        <p:spPr/>
+      </p:sp>
+      <p:sp>
+        <p:nvSpPr>
+          <p:cNvPr id="3" name="備忘稿版面配置區 2"/>
+          <p:cNvSpPr>
+            <a:spLocks noGrp="1"/>
+          </p:cNvSpPr>
+          <p:nvPr>
+            <p:ph type="body" idx="1"/>
+          </p:nvPr>
+        </p:nvSpPr>
+        <p:spPr/>
+        <p:txBody>
+          <a:bodyPr/>
+          <a:lstStyle/>
+          <a:p>
+            <a:endParaRPr lang="zh-TW" altLang="en-US" dirty="0"/>
+          </a:p>
+        </p:txBody>
+      </p:sp>
+      <p:sp>
+        <p:nvSpPr>
+          <p:cNvPr id="4" name="投影片編號版面配置區 3"/>
+          <p:cNvSpPr>
+            <a:spLocks noGrp="1"/>
+          </p:cNvSpPr>
+          <p:nvPr>
+            <p:ph type="sldNum" sz="quarter" idx="10"/>
+          </p:nvPr>
+        </p:nvSpPr>
+        <p:spPr/>
+        <p:txBody>
+          <a:bodyPr/>
+          <a:lstStyle/>
+          <a:p>
+            <a:fld id="{6E1C9CAC-9358-49DD-9977-4B7D28ACBE36}" type="slidenum">
+              <a:rPr lang="zh-TW" altLang="en-US" smtClean="0"/>
+              <a:t>7</a:t>
             </a:fld>
             <a:endParaRPr lang="zh-TW" altLang="en-US"/>
           </a:p>
@@ -1020,7 +1190,7 @@
           <a:p>
             <a:fld id="{3E906AA8-AB23-40FA-BFDB-6A33FBF1CFF0}" type="datetimeFigureOut">
               <a:rPr lang="zh-TW" altLang="en-US" smtClean="0"/>
-              <a:t>2021/5/26</a:t>
+              <a:t>2021/5/27</a:t>
             </a:fld>
             <a:endParaRPr lang="zh-TW" altLang="en-US"/>
           </a:p>
@@ -1190,7 +1360,7 @@
           <a:p>
             <a:fld id="{3E906AA8-AB23-40FA-BFDB-6A33FBF1CFF0}" type="datetimeFigureOut">
               <a:rPr lang="zh-TW" altLang="en-US" smtClean="0"/>
-              <a:t>2021/5/26</a:t>
+              <a:t>2021/5/27</a:t>
             </a:fld>
             <a:endParaRPr lang="zh-TW" altLang="en-US"/>
           </a:p>
@@ -1370,7 +1540,7 @@
           <a:p>
             <a:fld id="{3E906AA8-AB23-40FA-BFDB-6A33FBF1CFF0}" type="datetimeFigureOut">
               <a:rPr lang="zh-TW" altLang="en-US" smtClean="0"/>
-              <a:t>2021/5/26</a:t>
+              <a:t>2021/5/27</a:t>
             </a:fld>
             <a:endParaRPr lang="zh-TW" altLang="en-US"/>
           </a:p>
@@ -1540,7 +1710,7 @@
           <a:p>
             <a:fld id="{3E906AA8-AB23-40FA-BFDB-6A33FBF1CFF0}" type="datetimeFigureOut">
               <a:rPr lang="zh-TW" altLang="en-US" smtClean="0"/>
-              <a:t>2021/5/26</a:t>
+              <a:t>2021/5/27</a:t>
             </a:fld>
             <a:endParaRPr lang="zh-TW" altLang="en-US"/>
           </a:p>
@@ -1784,7 +1954,7 @@
           <a:p>
             <a:fld id="{3E906AA8-AB23-40FA-BFDB-6A33FBF1CFF0}" type="datetimeFigureOut">
               <a:rPr lang="zh-TW" altLang="en-US" smtClean="0"/>
-              <a:t>2021/5/26</a:t>
+              <a:t>2021/5/27</a:t>
             </a:fld>
             <a:endParaRPr lang="zh-TW" altLang="en-US"/>
           </a:p>
@@ -2016,7 +2186,7 @@
           <a:p>
             <a:fld id="{3E906AA8-AB23-40FA-BFDB-6A33FBF1CFF0}" type="datetimeFigureOut">
               <a:rPr lang="zh-TW" altLang="en-US" smtClean="0"/>
-              <a:t>2021/5/26</a:t>
+              <a:t>2021/5/27</a:t>
             </a:fld>
             <a:endParaRPr lang="zh-TW" altLang="en-US"/>
           </a:p>
@@ -2383,7 +2553,7 @@
           <a:p>
             <a:fld id="{3E906AA8-AB23-40FA-BFDB-6A33FBF1CFF0}" type="datetimeFigureOut">
               <a:rPr lang="zh-TW" altLang="en-US" smtClean="0"/>
-              <a:t>2021/5/26</a:t>
+              <a:t>2021/5/27</a:t>
             </a:fld>
             <a:endParaRPr lang="zh-TW" altLang="en-US"/>
           </a:p>
@@ -2501,7 +2671,7 @@
           <a:p>
             <a:fld id="{3E906AA8-AB23-40FA-BFDB-6A33FBF1CFF0}" type="datetimeFigureOut">
               <a:rPr lang="zh-TW" altLang="en-US" smtClean="0"/>
-              <a:t>2021/5/26</a:t>
+              <a:t>2021/5/27</a:t>
             </a:fld>
             <a:endParaRPr lang="zh-TW" altLang="en-US"/>
           </a:p>
@@ -2596,7 +2766,7 @@
           <a:p>
             <a:fld id="{3E906AA8-AB23-40FA-BFDB-6A33FBF1CFF0}" type="datetimeFigureOut">
               <a:rPr lang="zh-TW" altLang="en-US" smtClean="0"/>
-              <a:t>2021/5/26</a:t>
+              <a:t>2021/5/27</a:t>
             </a:fld>
             <a:endParaRPr lang="zh-TW" altLang="en-US"/>
           </a:p>
@@ -2873,7 +3043,7 @@
           <a:p>
             <a:fld id="{3E906AA8-AB23-40FA-BFDB-6A33FBF1CFF0}" type="datetimeFigureOut">
               <a:rPr lang="zh-TW" altLang="en-US" smtClean="0"/>
-              <a:t>2021/5/26</a:t>
+              <a:t>2021/5/27</a:t>
             </a:fld>
             <a:endParaRPr lang="zh-TW" altLang="en-US"/>
           </a:p>
@@ -3130,7 +3300,7 @@
           <a:p>
             <a:fld id="{3E906AA8-AB23-40FA-BFDB-6A33FBF1CFF0}" type="datetimeFigureOut">
               <a:rPr lang="zh-TW" altLang="en-US" smtClean="0"/>
-              <a:t>2021/5/26</a:t>
+              <a:t>2021/5/27</a:t>
             </a:fld>
             <a:endParaRPr lang="zh-TW" altLang="en-US"/>
           </a:p>
@@ -3343,7 +3513,7 @@
           <a:p>
             <a:fld id="{3E906AA8-AB23-40FA-BFDB-6A33FBF1CFF0}" type="datetimeFigureOut">
               <a:rPr lang="zh-TW" altLang="en-US" smtClean="0"/>
-              <a:t>2021/5/26</a:t>
+              <a:t>2021/5/27</a:t>
             </a:fld>
             <a:endParaRPr lang="zh-TW" altLang="en-US"/>
           </a:p>
@@ -3750,6 +3920,1642 @@
       </p:grpSpPr>
       <p:grpSp>
         <p:nvGrpSpPr>
+          <p:cNvPr id="73" name="群組 72"/>
+          <p:cNvGrpSpPr/>
+          <p:nvPr/>
+        </p:nvGrpSpPr>
+        <p:grpSpPr>
+          <a:xfrm>
+            <a:off x="5494938" y="5964775"/>
+            <a:ext cx="7415959" cy="9523332"/>
+            <a:chOff x="5494938" y="5964775"/>
+            <a:chExt cx="7415959" cy="9523332"/>
+          </a:xfrm>
+        </p:grpSpPr>
+        <p:sp>
+          <p:nvSpPr>
+            <p:cNvPr id="40" name="圓角矩形 39"/>
+            <p:cNvSpPr/>
+            <p:nvPr/>
+          </p:nvSpPr>
+          <p:spPr>
+            <a:xfrm>
+              <a:off x="5494938" y="8338780"/>
+              <a:ext cx="7415959" cy="5727741"/>
+            </a:xfrm>
+            <a:prstGeom prst="roundRect">
+              <a:avLst>
+                <a:gd name="adj" fmla="val 12899"/>
+              </a:avLst>
+            </a:prstGeom>
+            <a:solidFill>
+              <a:srgbClr val="D8BEEC"/>
+            </a:solidFill>
+            <a:ln w="31750">
+              <a:noFill/>
+            </a:ln>
+          </p:spPr>
+          <p:style>
+            <a:lnRef idx="2">
+              <a:schemeClr val="accent1">
+                <a:shade val="50000"/>
+              </a:schemeClr>
+            </a:lnRef>
+            <a:fillRef idx="1">
+              <a:schemeClr val="accent1"/>
+            </a:fillRef>
+            <a:effectRef idx="0">
+              <a:schemeClr val="accent1"/>
+            </a:effectRef>
+            <a:fontRef idx="minor">
+              <a:schemeClr val="lt1"/>
+            </a:fontRef>
+          </p:style>
+          <p:txBody>
+            <a:bodyPr rtlCol="0" anchor="ctr"/>
+            <a:lstStyle/>
+            <a:p>
+              <a:pPr algn="ctr"/>
+              <a:endParaRPr lang="en-US" altLang="zh-TW" sz="3600" dirty="0" smtClean="0">
+                <a:solidFill>
+                  <a:srgbClr val="282828"/>
+                </a:solidFill>
+                <a:latin typeface="SauceCodePro Nerd Font" panose="020B0509030403020204" pitchFamily="49" charset="0"/>
+              </a:endParaRPr>
+            </a:p>
+          </p:txBody>
+        </p:sp>
+        <p:sp>
+          <p:nvSpPr>
+            <p:cNvPr id="31" name="圓角矩形 30"/>
+            <p:cNvSpPr/>
+            <p:nvPr/>
+          </p:nvSpPr>
+          <p:spPr>
+            <a:xfrm>
+              <a:off x="8007620" y="11168012"/>
+              <a:ext cx="2644829" cy="1463442"/>
+            </a:xfrm>
+            <a:prstGeom prst="roundRect">
+              <a:avLst>
+                <a:gd name="adj" fmla="val 12899"/>
+              </a:avLst>
+            </a:prstGeom>
+            <a:solidFill>
+              <a:schemeClr val="bg1"/>
+            </a:solidFill>
+            <a:ln w="38100">
+              <a:solidFill>
+                <a:schemeClr val="accent4"/>
+              </a:solidFill>
+            </a:ln>
+          </p:spPr>
+          <p:style>
+            <a:lnRef idx="2">
+              <a:schemeClr val="accent1">
+                <a:shade val="50000"/>
+              </a:schemeClr>
+            </a:lnRef>
+            <a:fillRef idx="1">
+              <a:schemeClr val="accent1"/>
+            </a:fillRef>
+            <a:effectRef idx="0">
+              <a:schemeClr val="accent1"/>
+            </a:effectRef>
+            <a:fontRef idx="minor">
+              <a:schemeClr val="lt1"/>
+            </a:fontRef>
+          </p:style>
+          <p:txBody>
+            <a:bodyPr rtlCol="0" anchor="ctr"/>
+            <a:lstStyle/>
+            <a:p>
+              <a:pPr algn="ctr"/>
+              <a:r>
+                <a:rPr lang="en-US" altLang="zh-TW" sz="3600" dirty="0" smtClean="0">
+                  <a:solidFill>
+                    <a:srgbClr val="282828"/>
+                  </a:solidFill>
+                  <a:latin typeface="SauceCodePro Nerd Font" panose="020B0509030403020204" pitchFamily="49" charset="0"/>
+                </a:rPr>
+                <a:t>Rebuild</a:t>
+              </a:r>
+            </a:p>
+            <a:p>
+              <a:pPr algn="ctr"/>
+              <a:r>
+                <a:rPr lang="en-US" altLang="zh-TW" sz="3600" dirty="0" smtClean="0">
+                  <a:solidFill>
+                    <a:srgbClr val="282828"/>
+                  </a:solidFill>
+                  <a:latin typeface="SauceCodePro Nerd Font" panose="020B0509030403020204" pitchFamily="49" charset="0"/>
+                </a:rPr>
+                <a:t>View</a:t>
+              </a:r>
+              <a:endParaRPr lang="zh-TW" altLang="en-US" sz="3600" dirty="0">
+                <a:solidFill>
+                  <a:srgbClr val="282828"/>
+                </a:solidFill>
+                <a:latin typeface="SauceCodePro Nerd Font" panose="020B0509030403020204" pitchFamily="49" charset="0"/>
+              </a:endParaRPr>
+            </a:p>
+          </p:txBody>
+        </p:sp>
+        <p:sp>
+          <p:nvSpPr>
+            <p:cNvPr id="32" name="圓角矩形 31"/>
+            <p:cNvSpPr/>
+            <p:nvPr/>
+          </p:nvSpPr>
+          <p:spPr>
+            <a:xfrm>
+              <a:off x="7656023" y="14479309"/>
+              <a:ext cx="3348017" cy="1008798"/>
+            </a:xfrm>
+            <a:prstGeom prst="roundRect">
+              <a:avLst>
+                <a:gd name="adj" fmla="val 12899"/>
+              </a:avLst>
+            </a:prstGeom>
+            <a:noFill/>
+            <a:ln w="31750">
+              <a:noFill/>
+            </a:ln>
+          </p:spPr>
+          <p:style>
+            <a:lnRef idx="2">
+              <a:schemeClr val="accent1">
+                <a:shade val="50000"/>
+              </a:schemeClr>
+            </a:lnRef>
+            <a:fillRef idx="1">
+              <a:schemeClr val="accent1"/>
+            </a:fillRef>
+            <a:effectRef idx="0">
+              <a:schemeClr val="accent1"/>
+            </a:effectRef>
+            <a:fontRef idx="minor">
+              <a:schemeClr val="lt1"/>
+            </a:fontRef>
+          </p:style>
+          <p:txBody>
+            <a:bodyPr rtlCol="0" anchor="ctr"/>
+            <a:lstStyle/>
+            <a:p>
+              <a:pPr algn="ctr"/>
+              <a:r>
+                <a:rPr lang="en-US" altLang="zh-TW" sz="3600" dirty="0" smtClean="0">
+                  <a:solidFill>
+                    <a:srgbClr val="282828"/>
+                  </a:solidFill>
+                  <a:latin typeface="SauceCodePro Nerd Font" panose="020B0509030403020204" pitchFamily="49" charset="0"/>
+                </a:rPr>
+                <a:t>View</a:t>
+              </a:r>
+              <a:r>
+                <a:rPr lang="en-US" altLang="zh-TW" sz="3600" dirty="0">
+                  <a:solidFill>
+                    <a:srgbClr val="282828"/>
+                  </a:solidFill>
+                  <a:latin typeface="SauceCodePro Nerd Font" panose="020B0509030403020204" pitchFamily="49" charset="0"/>
+                </a:rPr>
+                <a:t> </a:t>
+              </a:r>
+              <a:r>
+                <a:rPr lang="en-US" altLang="zh-TW" sz="3600" dirty="0" smtClean="0">
+                  <a:solidFill>
+                    <a:srgbClr val="282828"/>
+                  </a:solidFill>
+                  <a:latin typeface="SauceCodePro Nerd Font" panose="020B0509030403020204" pitchFamily="49" charset="0"/>
+                </a:rPr>
+                <a:t>PE</a:t>
+              </a:r>
+            </a:p>
+            <a:p>
+              <a:pPr algn="ctr"/>
+              <a:r>
+                <a:rPr lang="en-US" altLang="zh-TW" sz="3200" dirty="0" smtClean="0">
+                  <a:solidFill>
+                    <a:srgbClr val="282828"/>
+                  </a:solidFill>
+                  <a:latin typeface="SauceCodePro Nerd Font" panose="020B0509030403020204" pitchFamily="49" charset="0"/>
+                </a:rPr>
+                <a:t>(One Sample)</a:t>
+              </a:r>
+              <a:endParaRPr lang="zh-TW" altLang="en-US" sz="3200" dirty="0">
+                <a:solidFill>
+                  <a:srgbClr val="282828"/>
+                </a:solidFill>
+                <a:latin typeface="SauceCodePro Nerd Font" panose="020B0509030403020204" pitchFamily="49" charset="0"/>
+              </a:endParaRPr>
+            </a:p>
+          </p:txBody>
+        </p:sp>
+        <p:sp>
+          <p:nvSpPr>
+            <p:cNvPr id="33" name="圓角矩形 32"/>
+            <p:cNvSpPr/>
+            <p:nvPr/>
+          </p:nvSpPr>
+          <p:spPr>
+            <a:xfrm>
+              <a:off x="5512415" y="12991264"/>
+              <a:ext cx="2495203" cy="718597"/>
+            </a:xfrm>
+            <a:prstGeom prst="roundRect">
+              <a:avLst>
+                <a:gd name="adj" fmla="val 12899"/>
+              </a:avLst>
+            </a:prstGeom>
+            <a:noFill/>
+            <a:ln w="31750">
+              <a:noFill/>
+            </a:ln>
+          </p:spPr>
+          <p:style>
+            <a:lnRef idx="2">
+              <a:schemeClr val="accent1">
+                <a:shade val="50000"/>
+              </a:schemeClr>
+            </a:lnRef>
+            <a:fillRef idx="1">
+              <a:schemeClr val="accent1"/>
+            </a:fillRef>
+            <a:effectRef idx="0">
+              <a:schemeClr val="accent1"/>
+            </a:effectRef>
+            <a:fontRef idx="minor">
+              <a:schemeClr val="lt1"/>
+            </a:fontRef>
+          </p:style>
+          <p:txBody>
+            <a:bodyPr rtlCol="0" anchor="ctr"/>
+            <a:lstStyle/>
+            <a:p>
+              <a:pPr algn="ctr"/>
+              <a:r>
+                <a:rPr lang="en-US" altLang="zh-TW" sz="3600" dirty="0">
+                  <a:solidFill>
+                    <a:srgbClr val="282828"/>
+                  </a:solidFill>
+                  <a:latin typeface="SauceCodePro Nerd Font" panose="020B0509030403020204" pitchFamily="49" charset="0"/>
+                </a:rPr>
+                <a:t>Scene PE</a:t>
+              </a:r>
+              <a:endParaRPr lang="zh-TW" altLang="en-US" sz="3600" dirty="0">
+                <a:solidFill>
+                  <a:srgbClr val="282828"/>
+                </a:solidFill>
+                <a:latin typeface="SauceCodePro Nerd Font" panose="020B0509030403020204" pitchFamily="49" charset="0"/>
+              </a:endParaRPr>
+            </a:p>
+          </p:txBody>
+        </p:sp>
+        <p:sp>
+          <p:nvSpPr>
+            <p:cNvPr id="35" name="圓角矩形 34"/>
+            <p:cNvSpPr/>
+            <p:nvPr/>
+          </p:nvSpPr>
+          <p:spPr>
+            <a:xfrm>
+              <a:off x="10652447" y="12837305"/>
+              <a:ext cx="2258450" cy="1002981"/>
+            </a:xfrm>
+            <a:prstGeom prst="roundRect">
+              <a:avLst>
+                <a:gd name="adj" fmla="val 12899"/>
+              </a:avLst>
+            </a:prstGeom>
+            <a:noFill/>
+            <a:ln w="31750">
+              <a:noFill/>
+            </a:ln>
+          </p:spPr>
+          <p:style>
+            <a:lnRef idx="2">
+              <a:schemeClr val="accent1">
+                <a:shade val="50000"/>
+              </a:schemeClr>
+            </a:lnRef>
+            <a:fillRef idx="1">
+              <a:schemeClr val="accent1"/>
+            </a:fillRef>
+            <a:effectRef idx="0">
+              <a:schemeClr val="accent1"/>
+            </a:effectRef>
+            <a:fontRef idx="minor">
+              <a:schemeClr val="lt1"/>
+            </a:fontRef>
+          </p:style>
+          <p:txBody>
+            <a:bodyPr rtlCol="0" anchor="ctr"/>
+            <a:lstStyle/>
+            <a:p>
+              <a:pPr algn="ctr"/>
+              <a:r>
+                <a:rPr lang="en-US" altLang="zh-TW" sz="3600" dirty="0">
+                  <a:solidFill>
+                    <a:srgbClr val="282828"/>
+                  </a:solidFill>
+                  <a:latin typeface="SauceCodePro Nerd Font" panose="020B0509030403020204" pitchFamily="49" charset="0"/>
+                </a:rPr>
+                <a:t>Scene </a:t>
+              </a:r>
+              <a:r>
+                <a:rPr lang="en-US" altLang="zh-TW" sz="3600" dirty="0" smtClean="0">
+                  <a:solidFill>
+                    <a:srgbClr val="282828"/>
+                  </a:solidFill>
+                  <a:latin typeface="SauceCodePro Nerd Font" panose="020B0509030403020204" pitchFamily="49" charset="0"/>
+                </a:rPr>
+                <a:t>Images</a:t>
+              </a:r>
+              <a:endParaRPr lang="zh-TW" altLang="en-US" sz="3600" dirty="0">
+                <a:solidFill>
+                  <a:srgbClr val="282828"/>
+                </a:solidFill>
+                <a:latin typeface="SauceCodePro Nerd Font" panose="020B0509030403020204" pitchFamily="49" charset="0"/>
+              </a:endParaRPr>
+            </a:p>
+          </p:txBody>
+        </p:sp>
+        <p:cxnSp>
+          <p:nvCxnSpPr>
+            <p:cNvPr id="36" name="直線單箭頭接點 5"/>
+            <p:cNvCxnSpPr>
+              <a:stCxn id="35" idx="0"/>
+              <a:endCxn id="31" idx="3"/>
+            </p:cNvCxnSpPr>
+            <p:nvPr/>
+          </p:nvCxnSpPr>
+          <p:spPr>
+            <a:xfrm rot="16200000" flipV="1">
+              <a:off x="10748275" y="11803907"/>
+              <a:ext cx="937572" cy="1129223"/>
+            </a:xfrm>
+            <a:prstGeom prst="bentConnector2">
+              <a:avLst/>
+            </a:prstGeom>
+            <a:ln w="57150">
+              <a:solidFill>
+                <a:schemeClr val="tx1"/>
+              </a:solidFill>
+              <a:tailEnd type="triangle" w="lg" len="lg"/>
+            </a:ln>
+          </p:spPr>
+          <p:style>
+            <a:lnRef idx="1">
+              <a:schemeClr val="accent1"/>
+            </a:lnRef>
+            <a:fillRef idx="0">
+              <a:schemeClr val="accent1"/>
+            </a:fillRef>
+            <a:effectRef idx="0">
+              <a:schemeClr val="accent1"/>
+            </a:effectRef>
+            <a:fontRef idx="minor">
+              <a:schemeClr val="tx1"/>
+            </a:fontRef>
+          </p:style>
+        </p:cxnSp>
+        <p:cxnSp>
+          <p:nvCxnSpPr>
+            <p:cNvPr id="38" name="直線單箭頭接點 5"/>
+            <p:cNvCxnSpPr>
+              <a:stCxn id="33" idx="0"/>
+              <a:endCxn id="31" idx="1"/>
+            </p:cNvCxnSpPr>
+            <p:nvPr/>
+          </p:nvCxnSpPr>
+          <p:spPr>
+            <a:xfrm rot="5400000" flipH="1" flipV="1">
+              <a:off x="6838053" y="11821698"/>
+              <a:ext cx="1091531" cy="1247603"/>
+            </a:xfrm>
+            <a:prstGeom prst="bentConnector2">
+              <a:avLst/>
+            </a:prstGeom>
+            <a:ln w="57150">
+              <a:solidFill>
+                <a:schemeClr val="tx1"/>
+              </a:solidFill>
+              <a:tailEnd type="triangle" w="lg" len="lg"/>
+            </a:ln>
+          </p:spPr>
+          <p:style>
+            <a:lnRef idx="1">
+              <a:schemeClr val="accent1"/>
+            </a:lnRef>
+            <a:fillRef idx="0">
+              <a:schemeClr val="accent1"/>
+            </a:fillRef>
+            <a:effectRef idx="0">
+              <a:schemeClr val="accent1"/>
+            </a:effectRef>
+            <a:fontRef idx="minor">
+              <a:schemeClr val="tx1"/>
+            </a:fontRef>
+          </p:style>
+        </p:cxnSp>
+        <p:cxnSp>
+          <p:nvCxnSpPr>
+            <p:cNvPr id="39" name="直線單箭頭接點 5"/>
+            <p:cNvCxnSpPr>
+              <a:stCxn id="32" idx="0"/>
+              <a:endCxn id="31" idx="2"/>
+            </p:cNvCxnSpPr>
+            <p:nvPr/>
+          </p:nvCxnSpPr>
+          <p:spPr>
+            <a:xfrm flipV="1">
+              <a:off x="9330032" y="12631454"/>
+              <a:ext cx="3" cy="1847855"/>
+            </a:xfrm>
+            <a:prstGeom prst="straightConnector1">
+              <a:avLst/>
+            </a:prstGeom>
+            <a:ln w="57150">
+              <a:solidFill>
+                <a:schemeClr val="tx1"/>
+              </a:solidFill>
+              <a:tailEnd type="triangle" w="lg" len="lg"/>
+            </a:ln>
+          </p:spPr>
+          <p:style>
+            <a:lnRef idx="1">
+              <a:schemeClr val="accent1"/>
+            </a:lnRef>
+            <a:fillRef idx="0">
+              <a:schemeClr val="accent1"/>
+            </a:fillRef>
+            <a:effectRef idx="0">
+              <a:schemeClr val="accent1"/>
+            </a:effectRef>
+            <a:fontRef idx="minor">
+              <a:schemeClr val="tx1"/>
+            </a:fontRef>
+          </p:style>
+        </p:cxnSp>
+        <p:cxnSp>
+          <p:nvCxnSpPr>
+            <p:cNvPr id="41" name="直線單箭頭接點 5"/>
+            <p:cNvCxnSpPr>
+              <a:stCxn id="31" idx="0"/>
+              <a:endCxn id="69" idx="2"/>
+            </p:cNvCxnSpPr>
+            <p:nvPr/>
+          </p:nvCxnSpPr>
+          <p:spPr>
+            <a:xfrm flipH="1" flipV="1">
+              <a:off x="9330031" y="10706549"/>
+              <a:ext cx="4" cy="461463"/>
+            </a:xfrm>
+            <a:prstGeom prst="straightConnector1">
+              <a:avLst/>
+            </a:prstGeom>
+            <a:ln w="57150">
+              <a:solidFill>
+                <a:schemeClr val="tx1"/>
+              </a:solidFill>
+              <a:tailEnd type="triangle" w="lg" len="lg"/>
+            </a:ln>
+          </p:spPr>
+          <p:style>
+            <a:lnRef idx="1">
+              <a:schemeClr val="accent1"/>
+            </a:lnRef>
+            <a:fillRef idx="0">
+              <a:schemeClr val="accent1"/>
+            </a:fillRef>
+            <a:effectRef idx="0">
+              <a:schemeClr val="accent1"/>
+            </a:effectRef>
+            <a:fontRef idx="minor">
+              <a:schemeClr val="tx1"/>
+            </a:fontRef>
+          </p:style>
+        </p:cxnSp>
+        <p:sp>
+          <p:nvSpPr>
+            <p:cNvPr id="44" name="圓角矩形 43"/>
+            <p:cNvSpPr/>
+            <p:nvPr/>
+          </p:nvSpPr>
+          <p:spPr>
+            <a:xfrm>
+              <a:off x="7807855" y="5964775"/>
+              <a:ext cx="3044355" cy="1877875"/>
+            </a:xfrm>
+            <a:prstGeom prst="roundRect">
+              <a:avLst>
+                <a:gd name="adj" fmla="val 12899"/>
+              </a:avLst>
+            </a:prstGeom>
+            <a:noFill/>
+            <a:ln w="31750">
+              <a:noFill/>
+            </a:ln>
+          </p:spPr>
+          <p:style>
+            <a:lnRef idx="2">
+              <a:schemeClr val="accent1">
+                <a:shade val="50000"/>
+              </a:schemeClr>
+            </a:lnRef>
+            <a:fillRef idx="1">
+              <a:schemeClr val="accent1"/>
+            </a:fillRef>
+            <a:effectRef idx="0">
+              <a:schemeClr val="accent1"/>
+            </a:effectRef>
+            <a:fontRef idx="minor">
+              <a:schemeClr val="lt1"/>
+            </a:fontRef>
+          </p:style>
+          <p:txBody>
+            <a:bodyPr rtlCol="0" anchor="ctr"/>
+            <a:lstStyle/>
+            <a:p>
+              <a:pPr algn="ctr"/>
+              <a:r>
+                <a:rPr lang="en-US" altLang="zh-TW" sz="3600" dirty="0">
+                  <a:solidFill>
+                    <a:srgbClr val="282828"/>
+                  </a:solidFill>
+                  <a:latin typeface="SauceCodePro Nerd Font" panose="020B0509030403020204" pitchFamily="49" charset="0"/>
+                </a:rPr>
+                <a:t>Volume</a:t>
+              </a:r>
+            </a:p>
+            <a:p>
+              <a:pPr algn="ctr"/>
+              <a:r>
+                <a:rPr lang="en-US" altLang="zh-TW" sz="3600" dirty="0" smtClean="0">
+                  <a:solidFill>
+                    <a:srgbClr val="282828"/>
+                  </a:solidFill>
+                  <a:latin typeface="SauceCodePro Nerd Font" panose="020B0509030403020204" pitchFamily="49" charset="0"/>
+                </a:rPr>
+                <a:t>Rendering</a:t>
+              </a:r>
+            </a:p>
+            <a:p>
+              <a:pPr algn="ctr"/>
+              <a:r>
+                <a:rPr lang="en-US" altLang="zh-TW" sz="3200" dirty="0">
+                  <a:solidFill>
+                    <a:srgbClr val="282828"/>
+                  </a:solidFill>
+                  <a:latin typeface="SauceCodePro Nerd Font" panose="020B0509030403020204" pitchFamily="49" charset="0"/>
+                </a:rPr>
+                <a:t>(One Sample</a:t>
+              </a:r>
+              <a:r>
+                <a:rPr lang="en-US" altLang="zh-TW" sz="3200" dirty="0" smtClean="0">
+                  <a:solidFill>
+                    <a:srgbClr val="282828"/>
+                  </a:solidFill>
+                  <a:latin typeface="SauceCodePro Nerd Font" panose="020B0509030403020204" pitchFamily="49" charset="0"/>
+                </a:rPr>
+                <a:t>)</a:t>
+              </a:r>
+              <a:endParaRPr lang="zh-TW" altLang="en-US" sz="3200" dirty="0">
+                <a:solidFill>
+                  <a:srgbClr val="282828"/>
+                </a:solidFill>
+                <a:latin typeface="SauceCodePro Nerd Font" panose="020B0509030403020204" pitchFamily="49" charset="0"/>
+              </a:endParaRPr>
+            </a:p>
+          </p:txBody>
+        </p:sp>
+        <p:sp>
+          <p:nvSpPr>
+            <p:cNvPr id="58" name="圓角矩形 57"/>
+            <p:cNvSpPr/>
+            <p:nvPr/>
+          </p:nvSpPr>
+          <p:spPr>
+            <a:xfrm>
+              <a:off x="5887612" y="8431098"/>
+              <a:ext cx="2681331" cy="790120"/>
+            </a:xfrm>
+            <a:prstGeom prst="roundRect">
+              <a:avLst>
+                <a:gd name="adj" fmla="val 12899"/>
+              </a:avLst>
+            </a:prstGeom>
+            <a:noFill/>
+            <a:ln w="31750">
+              <a:noFill/>
+            </a:ln>
+          </p:spPr>
+          <p:style>
+            <a:lnRef idx="2">
+              <a:schemeClr val="accent1">
+                <a:shade val="50000"/>
+              </a:schemeClr>
+            </a:lnRef>
+            <a:fillRef idx="1">
+              <a:schemeClr val="accent1"/>
+            </a:fillRef>
+            <a:effectRef idx="0">
+              <a:schemeClr val="accent1"/>
+            </a:effectRef>
+            <a:fontRef idx="minor">
+              <a:schemeClr val="lt1"/>
+            </a:fontRef>
+          </p:style>
+          <p:txBody>
+            <a:bodyPr rtlCol="0" anchor="ctr"/>
+            <a:lstStyle/>
+            <a:p>
+              <a:pPr algn="ctr"/>
+              <a:r>
+                <a:rPr lang="en-US" altLang="zh-TW" sz="3600" dirty="0" smtClean="0">
+                  <a:solidFill>
+                    <a:srgbClr val="282828"/>
+                  </a:solidFill>
+                  <a:latin typeface="SauceCodePro Nerd Font" panose="020B0509030403020204" pitchFamily="49" charset="0"/>
+                </a:rPr>
+                <a:t>Renderer</a:t>
+              </a:r>
+              <a:endParaRPr lang="zh-TW" altLang="en-US" sz="3200" dirty="0">
+                <a:solidFill>
+                  <a:srgbClr val="282828"/>
+                </a:solidFill>
+                <a:latin typeface="SauceCodePro Nerd Font" panose="020B0509030403020204" pitchFamily="49" charset="0"/>
+              </a:endParaRPr>
+            </a:p>
+          </p:txBody>
+        </p:sp>
+        <p:sp>
+          <p:nvSpPr>
+            <p:cNvPr id="69" name="圓角矩形 68"/>
+            <p:cNvSpPr/>
+            <p:nvPr/>
+          </p:nvSpPr>
+          <p:spPr>
+            <a:xfrm>
+              <a:off x="8007617" y="9257755"/>
+              <a:ext cx="2644827" cy="1448794"/>
+            </a:xfrm>
+            <a:prstGeom prst="roundRect">
+              <a:avLst>
+                <a:gd name="adj" fmla="val 12899"/>
+              </a:avLst>
+            </a:prstGeom>
+            <a:solidFill>
+              <a:schemeClr val="bg1"/>
+            </a:solidFill>
+            <a:ln w="38100">
+              <a:solidFill>
+                <a:srgbClr val="7030A0"/>
+              </a:solidFill>
+            </a:ln>
+          </p:spPr>
+          <p:style>
+            <a:lnRef idx="2">
+              <a:schemeClr val="accent1">
+                <a:shade val="50000"/>
+              </a:schemeClr>
+            </a:lnRef>
+            <a:fillRef idx="1">
+              <a:schemeClr val="accent1"/>
+            </a:fillRef>
+            <a:effectRef idx="0">
+              <a:schemeClr val="accent1"/>
+            </a:effectRef>
+            <a:fontRef idx="minor">
+              <a:schemeClr val="lt1"/>
+            </a:fontRef>
+          </p:style>
+          <p:txBody>
+            <a:bodyPr rtlCol="0" anchor="ctr"/>
+            <a:lstStyle/>
+            <a:p>
+              <a:pPr algn="ctr"/>
+              <a:r>
+                <a:rPr lang="en-US" altLang="zh-TW" sz="3600" dirty="0" smtClean="0">
+                  <a:solidFill>
+                    <a:srgbClr val="282828"/>
+                  </a:solidFill>
+                  <a:latin typeface="SauceCodePro Nerd Font" panose="020B0509030403020204" pitchFamily="49" charset="0"/>
+                </a:rPr>
+                <a:t>Render</a:t>
+              </a:r>
+            </a:p>
+            <a:p>
+              <a:pPr algn="ctr"/>
+              <a:r>
+                <a:rPr lang="en-US" altLang="zh-TW" sz="3600" dirty="0" smtClean="0">
+                  <a:solidFill>
+                    <a:srgbClr val="282828"/>
+                  </a:solidFill>
+                  <a:latin typeface="SauceCodePro Nerd Font" panose="020B0509030403020204" pitchFamily="49" charset="0"/>
+                </a:rPr>
+                <a:t>View</a:t>
+              </a:r>
+              <a:endParaRPr lang="zh-TW" altLang="en-US" sz="3600" dirty="0">
+                <a:solidFill>
+                  <a:srgbClr val="282828"/>
+                </a:solidFill>
+                <a:latin typeface="SauceCodePro Nerd Font" panose="020B0509030403020204" pitchFamily="49" charset="0"/>
+              </a:endParaRPr>
+            </a:p>
+          </p:txBody>
+        </p:sp>
+        <p:cxnSp>
+          <p:nvCxnSpPr>
+            <p:cNvPr id="70" name="直線單箭頭接點 5"/>
+            <p:cNvCxnSpPr>
+              <a:stCxn id="69" idx="0"/>
+              <a:endCxn id="44" idx="2"/>
+            </p:cNvCxnSpPr>
+            <p:nvPr/>
+          </p:nvCxnSpPr>
+          <p:spPr>
+            <a:xfrm flipV="1">
+              <a:off x="9330031" y="7842650"/>
+              <a:ext cx="2" cy="1415105"/>
+            </a:xfrm>
+            <a:prstGeom prst="straightConnector1">
+              <a:avLst/>
+            </a:prstGeom>
+            <a:ln w="57150">
+              <a:solidFill>
+                <a:schemeClr val="tx1"/>
+              </a:solidFill>
+              <a:tailEnd type="triangle" w="lg" len="lg"/>
+            </a:ln>
+          </p:spPr>
+          <p:style>
+            <a:lnRef idx="1">
+              <a:schemeClr val="accent1"/>
+            </a:lnRef>
+            <a:fillRef idx="0">
+              <a:schemeClr val="accent1"/>
+            </a:fillRef>
+            <a:effectRef idx="0">
+              <a:schemeClr val="accent1"/>
+            </a:effectRef>
+            <a:fontRef idx="minor">
+              <a:schemeClr val="tx1"/>
+            </a:fontRef>
+          </p:style>
+        </p:cxnSp>
+      </p:grpSp>
+    </p:spTree>
+    <p:extLst>
+      <p:ext uri="{BB962C8B-B14F-4D97-AF65-F5344CB8AC3E}">
+        <p14:creationId xmlns:p14="http://schemas.microsoft.com/office/powerpoint/2010/main" val="2906555286"/>
+      </p:ext>
+    </p:extLst>
+  </p:cSld>
+  <p:clrMapOvr>
+    <a:masterClrMapping/>
+  </p:clrMapOvr>
+  <mc:AlternateContent xmlns:mc="http://schemas.openxmlformats.org/markup-compatibility/2006" xmlns:p14="http://schemas.microsoft.com/office/powerpoint/2010/main">
+    <mc:Choice Requires="p14">
+      <p:transition spd="slow" p14:dur="2000"/>
+    </mc:Choice>
+    <mc:Fallback xmlns="">
+      <p:transition spd="slow"/>
+    </mc:Fallback>
+  </mc:AlternateContent>
+  <p:timing>
+    <p:tnLst>
+      <p:par>
+        <p:cTn id="1" dur="indefinite" restart="never" nodeType="tmRoot"/>
+      </p:par>
+    </p:tnLst>
+  </p:timing>
+</p:sld>
+</file>
+
+<file path=ppt/slides/slide2.xml><?xml version="1.0" encoding="utf-8"?>
+<p:sld xmlns:a="http://schemas.openxmlformats.org/drawingml/2006/main" xmlns:r="http://schemas.openxmlformats.org/officeDocument/2006/relationships" xmlns:p="http://schemas.openxmlformats.org/presentationml/2006/main">
+  <p:cSld>
+    <p:spTree>
+      <p:nvGrpSpPr>
+        <p:cNvPr id="1" name=""/>
+        <p:cNvGrpSpPr/>
+        <p:nvPr/>
+      </p:nvGrpSpPr>
+      <p:grpSpPr>
+        <a:xfrm>
+          <a:off x="0" y="0"/>
+          <a:ext cx="0" cy="0"/>
+          <a:chOff x="0" y="0"/>
+          <a:chExt cx="0" cy="0"/>
+        </a:xfrm>
+      </p:grpSpPr>
+      <p:grpSp>
+        <p:nvGrpSpPr>
+          <p:cNvPr id="18" name="群組 17"/>
+          <p:cNvGrpSpPr/>
+          <p:nvPr/>
+        </p:nvGrpSpPr>
+        <p:grpSpPr>
+          <a:xfrm>
+            <a:off x="5156805" y="6934905"/>
+            <a:ext cx="8788391" cy="7166698"/>
+            <a:chOff x="5156805" y="6934905"/>
+            <a:chExt cx="8788391" cy="7166698"/>
+          </a:xfrm>
+        </p:grpSpPr>
+        <p:sp>
+          <p:nvSpPr>
+            <p:cNvPr id="43" name="圓角矩形 42"/>
+            <p:cNvSpPr/>
+            <p:nvPr/>
+          </p:nvSpPr>
+          <p:spPr>
+            <a:xfrm>
+              <a:off x="8007620" y="11168012"/>
+              <a:ext cx="2644829" cy="1463442"/>
+            </a:xfrm>
+            <a:prstGeom prst="roundRect">
+              <a:avLst>
+                <a:gd name="adj" fmla="val 12899"/>
+              </a:avLst>
+            </a:prstGeom>
+            <a:solidFill>
+              <a:schemeClr val="accent4"/>
+            </a:solidFill>
+            <a:ln w="31750">
+              <a:noFill/>
+            </a:ln>
+          </p:spPr>
+          <p:style>
+            <a:lnRef idx="2">
+              <a:schemeClr val="accent1">
+                <a:shade val="50000"/>
+              </a:schemeClr>
+            </a:lnRef>
+            <a:fillRef idx="1">
+              <a:schemeClr val="accent1"/>
+            </a:fillRef>
+            <a:effectRef idx="0">
+              <a:schemeClr val="accent1"/>
+            </a:effectRef>
+            <a:fontRef idx="minor">
+              <a:schemeClr val="lt1"/>
+            </a:fontRef>
+          </p:style>
+          <p:txBody>
+            <a:bodyPr rtlCol="0" anchor="ctr"/>
+            <a:lstStyle/>
+            <a:p>
+              <a:pPr algn="ctr"/>
+              <a:r>
+                <a:rPr lang="en-US" altLang="zh-TW" sz="3600" dirty="0" smtClean="0">
+                  <a:solidFill>
+                    <a:srgbClr val="282828"/>
+                  </a:solidFill>
+                  <a:latin typeface="SauceCodePro Nerd Font" panose="020B0509030403020204" pitchFamily="49" charset="0"/>
+                </a:rPr>
+                <a:t>Rebuild</a:t>
+              </a:r>
+            </a:p>
+            <a:p>
+              <a:pPr algn="ctr"/>
+              <a:r>
+                <a:rPr lang="en-US" altLang="zh-TW" sz="3600" dirty="0" smtClean="0">
+                  <a:solidFill>
+                    <a:srgbClr val="282828"/>
+                  </a:solidFill>
+                  <a:latin typeface="SauceCodePro Nerd Font" panose="020B0509030403020204" pitchFamily="49" charset="0"/>
+                </a:rPr>
+                <a:t>View</a:t>
+              </a:r>
+              <a:endParaRPr lang="zh-TW" altLang="en-US" sz="3600" dirty="0">
+                <a:solidFill>
+                  <a:srgbClr val="282828"/>
+                </a:solidFill>
+                <a:latin typeface="SauceCodePro Nerd Font" panose="020B0509030403020204" pitchFamily="49" charset="0"/>
+              </a:endParaRPr>
+            </a:p>
+          </p:txBody>
+        </p:sp>
+        <p:sp>
+          <p:nvSpPr>
+            <p:cNvPr id="46" name="圓角矩形 45"/>
+            <p:cNvSpPr/>
+            <p:nvPr/>
+          </p:nvSpPr>
+          <p:spPr>
+            <a:xfrm>
+              <a:off x="7652008" y="13092805"/>
+              <a:ext cx="3348017" cy="1008798"/>
+            </a:xfrm>
+            <a:prstGeom prst="roundRect">
+              <a:avLst>
+                <a:gd name="adj" fmla="val 12899"/>
+              </a:avLst>
+            </a:prstGeom>
+            <a:noFill/>
+            <a:ln w="31750">
+              <a:noFill/>
+            </a:ln>
+          </p:spPr>
+          <p:style>
+            <a:lnRef idx="2">
+              <a:schemeClr val="accent1">
+                <a:shade val="50000"/>
+              </a:schemeClr>
+            </a:lnRef>
+            <a:fillRef idx="1">
+              <a:schemeClr val="accent1"/>
+            </a:fillRef>
+            <a:effectRef idx="0">
+              <a:schemeClr val="accent1"/>
+            </a:effectRef>
+            <a:fontRef idx="minor">
+              <a:schemeClr val="lt1"/>
+            </a:fontRef>
+          </p:style>
+          <p:txBody>
+            <a:bodyPr rtlCol="0" anchor="ctr"/>
+            <a:lstStyle/>
+            <a:p>
+              <a:pPr algn="ctr"/>
+              <a:r>
+                <a:rPr lang="en-US" altLang="zh-TW" sz="3600" dirty="0" smtClean="0">
+                  <a:solidFill>
+                    <a:srgbClr val="282828"/>
+                  </a:solidFill>
+                  <a:latin typeface="SauceCodePro Nerd Font" panose="020B0509030403020204" pitchFamily="49" charset="0"/>
+                </a:rPr>
+                <a:t>View</a:t>
+              </a:r>
+              <a:r>
+                <a:rPr lang="en-US" altLang="zh-TW" sz="3600" dirty="0">
+                  <a:solidFill>
+                    <a:srgbClr val="282828"/>
+                  </a:solidFill>
+                  <a:latin typeface="SauceCodePro Nerd Font" panose="020B0509030403020204" pitchFamily="49" charset="0"/>
+                </a:rPr>
+                <a:t> </a:t>
+              </a:r>
+              <a:r>
+                <a:rPr lang="en-US" altLang="zh-TW" sz="3600" dirty="0" smtClean="0">
+                  <a:solidFill>
+                    <a:srgbClr val="282828"/>
+                  </a:solidFill>
+                  <a:latin typeface="SauceCodePro Nerd Font" panose="020B0509030403020204" pitchFamily="49" charset="0"/>
+                </a:rPr>
+                <a:t>PE</a:t>
+              </a:r>
+            </a:p>
+            <a:p>
+              <a:pPr algn="ctr"/>
+              <a:r>
+                <a:rPr lang="en-US" altLang="zh-TW" sz="3200" dirty="0" smtClean="0">
+                  <a:solidFill>
+                    <a:srgbClr val="282828"/>
+                  </a:solidFill>
+                  <a:latin typeface="SauceCodePro Nerd Font" panose="020B0509030403020204" pitchFamily="49" charset="0"/>
+                </a:rPr>
+                <a:t>(One Sample)</a:t>
+              </a:r>
+              <a:endParaRPr lang="zh-TW" altLang="en-US" sz="3200" dirty="0">
+                <a:solidFill>
+                  <a:srgbClr val="282828"/>
+                </a:solidFill>
+                <a:latin typeface="SauceCodePro Nerd Font" panose="020B0509030403020204" pitchFamily="49" charset="0"/>
+              </a:endParaRPr>
+            </a:p>
+          </p:txBody>
+        </p:sp>
+        <p:sp>
+          <p:nvSpPr>
+            <p:cNvPr id="47" name="圓角矩形 46"/>
+            <p:cNvSpPr/>
+            <p:nvPr/>
+          </p:nvSpPr>
+          <p:spPr>
+            <a:xfrm>
+              <a:off x="5156805" y="12993419"/>
+              <a:ext cx="2495203" cy="718597"/>
+            </a:xfrm>
+            <a:prstGeom prst="roundRect">
+              <a:avLst>
+                <a:gd name="adj" fmla="val 12899"/>
+              </a:avLst>
+            </a:prstGeom>
+            <a:noFill/>
+            <a:ln w="31750">
+              <a:noFill/>
+            </a:ln>
+          </p:spPr>
+          <p:style>
+            <a:lnRef idx="2">
+              <a:schemeClr val="accent1">
+                <a:shade val="50000"/>
+              </a:schemeClr>
+            </a:lnRef>
+            <a:fillRef idx="1">
+              <a:schemeClr val="accent1"/>
+            </a:fillRef>
+            <a:effectRef idx="0">
+              <a:schemeClr val="accent1"/>
+            </a:effectRef>
+            <a:fontRef idx="minor">
+              <a:schemeClr val="lt1"/>
+            </a:fontRef>
+          </p:style>
+          <p:txBody>
+            <a:bodyPr rtlCol="0" anchor="ctr"/>
+            <a:lstStyle/>
+            <a:p>
+              <a:pPr algn="ctr"/>
+              <a:r>
+                <a:rPr lang="en-US" altLang="zh-TW" sz="3600" dirty="0">
+                  <a:solidFill>
+                    <a:srgbClr val="282828"/>
+                  </a:solidFill>
+                  <a:latin typeface="SauceCodePro Nerd Font" panose="020B0509030403020204" pitchFamily="49" charset="0"/>
+                </a:rPr>
+                <a:t>Scene PE</a:t>
+              </a:r>
+              <a:endParaRPr lang="zh-TW" altLang="en-US" sz="3600" dirty="0">
+                <a:solidFill>
+                  <a:srgbClr val="282828"/>
+                </a:solidFill>
+                <a:latin typeface="SauceCodePro Nerd Font" panose="020B0509030403020204" pitchFamily="49" charset="0"/>
+              </a:endParaRPr>
+            </a:p>
+          </p:txBody>
+        </p:sp>
+        <p:sp>
+          <p:nvSpPr>
+            <p:cNvPr id="51" name="圓角矩形 50"/>
+            <p:cNvSpPr/>
+            <p:nvPr/>
+          </p:nvSpPr>
+          <p:spPr>
+            <a:xfrm>
+              <a:off x="11300367" y="11182659"/>
+              <a:ext cx="2644829" cy="1448794"/>
+            </a:xfrm>
+            <a:prstGeom prst="roundRect">
+              <a:avLst>
+                <a:gd name="adj" fmla="val 12899"/>
+              </a:avLst>
+            </a:prstGeom>
+            <a:solidFill>
+              <a:srgbClr val="92D050"/>
+            </a:solidFill>
+            <a:ln w="31750">
+              <a:noFill/>
+            </a:ln>
+          </p:spPr>
+          <p:style>
+            <a:lnRef idx="2">
+              <a:schemeClr val="accent1">
+                <a:shade val="50000"/>
+              </a:schemeClr>
+            </a:lnRef>
+            <a:fillRef idx="1">
+              <a:schemeClr val="accent1"/>
+            </a:fillRef>
+            <a:effectRef idx="0">
+              <a:schemeClr val="accent1"/>
+            </a:effectRef>
+            <a:fontRef idx="minor">
+              <a:schemeClr val="lt1"/>
+            </a:fontRef>
+          </p:style>
+          <p:txBody>
+            <a:bodyPr rtlCol="0" anchor="ctr"/>
+            <a:lstStyle/>
+            <a:p>
+              <a:pPr algn="ctr"/>
+              <a:r>
+                <a:rPr lang="en-US" altLang="zh-TW" sz="3600" dirty="0" smtClean="0">
+                  <a:solidFill>
+                    <a:srgbClr val="282828"/>
+                  </a:solidFill>
+                  <a:latin typeface="SauceCodePro Nerd Font" panose="020B0509030403020204" pitchFamily="49" charset="0"/>
+                </a:rPr>
+                <a:t>Scene Encoder</a:t>
+              </a:r>
+              <a:endParaRPr lang="zh-TW" altLang="en-US" sz="3600" dirty="0">
+                <a:solidFill>
+                  <a:srgbClr val="282828"/>
+                </a:solidFill>
+                <a:latin typeface="SauceCodePro Nerd Font" panose="020B0509030403020204" pitchFamily="49" charset="0"/>
+              </a:endParaRPr>
+            </a:p>
+          </p:txBody>
+        </p:sp>
+        <p:sp>
+          <p:nvSpPr>
+            <p:cNvPr id="52" name="圓角矩形 51"/>
+            <p:cNvSpPr/>
+            <p:nvPr/>
+          </p:nvSpPr>
+          <p:spPr>
+            <a:xfrm>
+              <a:off x="11493556" y="13098622"/>
+              <a:ext cx="2258450" cy="1002981"/>
+            </a:xfrm>
+            <a:prstGeom prst="roundRect">
+              <a:avLst>
+                <a:gd name="adj" fmla="val 12899"/>
+              </a:avLst>
+            </a:prstGeom>
+            <a:noFill/>
+            <a:ln w="31750">
+              <a:noFill/>
+            </a:ln>
+          </p:spPr>
+          <p:style>
+            <a:lnRef idx="2">
+              <a:schemeClr val="accent1">
+                <a:shade val="50000"/>
+              </a:schemeClr>
+            </a:lnRef>
+            <a:fillRef idx="1">
+              <a:schemeClr val="accent1"/>
+            </a:fillRef>
+            <a:effectRef idx="0">
+              <a:schemeClr val="accent1"/>
+            </a:effectRef>
+            <a:fontRef idx="minor">
+              <a:schemeClr val="lt1"/>
+            </a:fontRef>
+          </p:style>
+          <p:txBody>
+            <a:bodyPr rtlCol="0" anchor="ctr"/>
+            <a:lstStyle/>
+            <a:p>
+              <a:pPr algn="ctr"/>
+              <a:r>
+                <a:rPr lang="en-US" altLang="zh-TW" sz="3600" dirty="0">
+                  <a:solidFill>
+                    <a:srgbClr val="282828"/>
+                  </a:solidFill>
+                  <a:latin typeface="SauceCodePro Nerd Font" panose="020B0509030403020204" pitchFamily="49" charset="0"/>
+                </a:rPr>
+                <a:t>Scene </a:t>
+              </a:r>
+              <a:r>
+                <a:rPr lang="en-US" altLang="zh-TW" sz="3600" dirty="0" smtClean="0">
+                  <a:solidFill>
+                    <a:srgbClr val="282828"/>
+                  </a:solidFill>
+                  <a:latin typeface="SauceCodePro Nerd Font" panose="020B0509030403020204" pitchFamily="49" charset="0"/>
+                </a:rPr>
+                <a:t>Images</a:t>
+              </a:r>
+              <a:endParaRPr lang="zh-TW" altLang="en-US" sz="3600" dirty="0">
+                <a:solidFill>
+                  <a:srgbClr val="282828"/>
+                </a:solidFill>
+                <a:latin typeface="SauceCodePro Nerd Font" panose="020B0509030403020204" pitchFamily="49" charset="0"/>
+              </a:endParaRPr>
+            </a:p>
+          </p:txBody>
+        </p:sp>
+        <p:cxnSp>
+          <p:nvCxnSpPr>
+            <p:cNvPr id="53" name="直線單箭頭接點 5"/>
+            <p:cNvCxnSpPr>
+              <a:stCxn id="52" idx="0"/>
+              <a:endCxn id="51" idx="2"/>
+            </p:cNvCxnSpPr>
+            <p:nvPr/>
+          </p:nvCxnSpPr>
+          <p:spPr>
+            <a:xfrm flipV="1">
+              <a:off x="12622781" y="12631453"/>
+              <a:ext cx="1" cy="467169"/>
+            </a:xfrm>
+            <a:prstGeom prst="straightConnector1">
+              <a:avLst/>
+            </a:prstGeom>
+            <a:ln w="57150">
+              <a:solidFill>
+                <a:schemeClr val="tx1"/>
+              </a:solidFill>
+              <a:tailEnd type="triangle" w="lg" len="lg"/>
+            </a:ln>
+          </p:spPr>
+          <p:style>
+            <a:lnRef idx="1">
+              <a:schemeClr val="accent1"/>
+            </a:lnRef>
+            <a:fillRef idx="0">
+              <a:schemeClr val="accent1"/>
+            </a:fillRef>
+            <a:effectRef idx="0">
+              <a:schemeClr val="accent1"/>
+            </a:effectRef>
+            <a:fontRef idx="minor">
+              <a:schemeClr val="tx1"/>
+            </a:fontRef>
+          </p:style>
+        </p:cxnSp>
+        <p:cxnSp>
+          <p:nvCxnSpPr>
+            <p:cNvPr id="57" name="直線單箭頭接點 5"/>
+            <p:cNvCxnSpPr>
+              <a:stCxn id="51" idx="1"/>
+              <a:endCxn id="43" idx="3"/>
+            </p:cNvCxnSpPr>
+            <p:nvPr/>
+          </p:nvCxnSpPr>
+          <p:spPr>
+            <a:xfrm flipH="1" flipV="1">
+              <a:off x="10652449" y="11899733"/>
+              <a:ext cx="647918" cy="7323"/>
+            </a:xfrm>
+            <a:prstGeom prst="straightConnector1">
+              <a:avLst/>
+            </a:prstGeom>
+            <a:ln w="57150">
+              <a:solidFill>
+                <a:schemeClr val="tx1"/>
+              </a:solidFill>
+              <a:tailEnd type="triangle" w="lg" len="lg"/>
+            </a:ln>
+          </p:spPr>
+          <p:style>
+            <a:lnRef idx="1">
+              <a:schemeClr val="accent1"/>
+            </a:lnRef>
+            <a:fillRef idx="0">
+              <a:schemeClr val="accent1"/>
+            </a:fillRef>
+            <a:effectRef idx="0">
+              <a:schemeClr val="accent1"/>
+            </a:effectRef>
+            <a:fontRef idx="minor">
+              <a:schemeClr val="tx1"/>
+            </a:fontRef>
+          </p:style>
+        </p:cxnSp>
+        <p:cxnSp>
+          <p:nvCxnSpPr>
+            <p:cNvPr id="68" name="直線單箭頭接點 5"/>
+            <p:cNvCxnSpPr>
+              <a:stCxn id="47" idx="0"/>
+              <a:endCxn id="43" idx="1"/>
+            </p:cNvCxnSpPr>
+            <p:nvPr/>
+          </p:nvCxnSpPr>
+          <p:spPr>
+            <a:xfrm rot="5400000" flipH="1" flipV="1">
+              <a:off x="6659170" y="11644970"/>
+              <a:ext cx="1093686" cy="1603213"/>
+            </a:xfrm>
+            <a:prstGeom prst="bentConnector2">
+              <a:avLst/>
+            </a:prstGeom>
+            <a:ln w="57150">
+              <a:solidFill>
+                <a:schemeClr val="tx1"/>
+              </a:solidFill>
+              <a:tailEnd type="triangle" w="lg" len="lg"/>
+            </a:ln>
+          </p:spPr>
+          <p:style>
+            <a:lnRef idx="1">
+              <a:schemeClr val="accent1"/>
+            </a:lnRef>
+            <a:fillRef idx="0">
+              <a:schemeClr val="accent1"/>
+            </a:fillRef>
+            <a:effectRef idx="0">
+              <a:schemeClr val="accent1"/>
+            </a:effectRef>
+            <a:fontRef idx="minor">
+              <a:schemeClr val="tx1"/>
+            </a:fontRef>
+          </p:style>
+        </p:cxnSp>
+        <p:cxnSp>
+          <p:nvCxnSpPr>
+            <p:cNvPr id="74" name="直線單箭頭接點 5"/>
+            <p:cNvCxnSpPr>
+              <a:stCxn id="46" idx="0"/>
+              <a:endCxn id="43" idx="2"/>
+            </p:cNvCxnSpPr>
+            <p:nvPr/>
+          </p:nvCxnSpPr>
+          <p:spPr>
+            <a:xfrm flipV="1">
+              <a:off x="9326017" y="12631454"/>
+              <a:ext cx="4018" cy="461351"/>
+            </a:xfrm>
+            <a:prstGeom prst="straightConnector1">
+              <a:avLst/>
+            </a:prstGeom>
+            <a:ln w="57150">
+              <a:solidFill>
+                <a:schemeClr val="tx1"/>
+              </a:solidFill>
+              <a:tailEnd type="triangle" w="lg" len="lg"/>
+            </a:ln>
+          </p:spPr>
+          <p:style>
+            <a:lnRef idx="1">
+              <a:schemeClr val="accent1"/>
+            </a:lnRef>
+            <a:fillRef idx="0">
+              <a:schemeClr val="accent1"/>
+            </a:fillRef>
+            <a:effectRef idx="0">
+              <a:schemeClr val="accent1"/>
+            </a:effectRef>
+            <a:fontRef idx="minor">
+              <a:schemeClr val="tx1"/>
+            </a:fontRef>
+          </p:style>
+        </p:cxnSp>
+        <p:sp>
+          <p:nvSpPr>
+            <p:cNvPr id="100" name="圓角矩形 99"/>
+            <p:cNvSpPr/>
+            <p:nvPr/>
+          </p:nvSpPr>
+          <p:spPr>
+            <a:xfrm>
+              <a:off x="8007620" y="9239197"/>
+              <a:ext cx="2644827" cy="1448794"/>
+            </a:xfrm>
+            <a:prstGeom prst="roundRect">
+              <a:avLst>
+                <a:gd name="adj" fmla="val 12899"/>
+              </a:avLst>
+            </a:prstGeom>
+            <a:solidFill>
+              <a:srgbClr val="D8BEEC"/>
+            </a:solidFill>
+            <a:ln w="31750">
+              <a:noFill/>
+            </a:ln>
+          </p:spPr>
+          <p:style>
+            <a:lnRef idx="2">
+              <a:schemeClr val="accent1">
+                <a:shade val="50000"/>
+              </a:schemeClr>
+            </a:lnRef>
+            <a:fillRef idx="1">
+              <a:schemeClr val="accent1"/>
+            </a:fillRef>
+            <a:effectRef idx="0">
+              <a:schemeClr val="accent1"/>
+            </a:effectRef>
+            <a:fontRef idx="minor">
+              <a:schemeClr val="lt1"/>
+            </a:fontRef>
+          </p:style>
+          <p:txBody>
+            <a:bodyPr rtlCol="0" anchor="ctr"/>
+            <a:lstStyle/>
+            <a:p>
+              <a:pPr algn="ctr"/>
+              <a:r>
+                <a:rPr lang="en-US" altLang="zh-TW" sz="3600" dirty="0" smtClean="0">
+                  <a:solidFill>
+                    <a:srgbClr val="282828"/>
+                  </a:solidFill>
+                  <a:latin typeface="SauceCodePro Nerd Font" panose="020B0509030403020204" pitchFamily="49" charset="0"/>
+                </a:rPr>
+                <a:t>Renderer</a:t>
+              </a:r>
+              <a:endParaRPr lang="zh-TW" altLang="en-US" sz="3600" dirty="0">
+                <a:solidFill>
+                  <a:srgbClr val="282828"/>
+                </a:solidFill>
+                <a:latin typeface="SauceCodePro Nerd Font" panose="020B0509030403020204" pitchFamily="49" charset="0"/>
+              </a:endParaRPr>
+            </a:p>
+          </p:txBody>
+        </p:sp>
+        <p:cxnSp>
+          <p:nvCxnSpPr>
+            <p:cNvPr id="101" name="直線單箭頭接點 5"/>
+            <p:cNvCxnSpPr>
+              <a:stCxn id="43" idx="0"/>
+              <a:endCxn id="100" idx="2"/>
+            </p:cNvCxnSpPr>
+            <p:nvPr/>
+          </p:nvCxnSpPr>
+          <p:spPr>
+            <a:xfrm flipH="1" flipV="1">
+              <a:off x="9330034" y="10687991"/>
+              <a:ext cx="1" cy="480021"/>
+            </a:xfrm>
+            <a:prstGeom prst="straightConnector1">
+              <a:avLst/>
+            </a:prstGeom>
+            <a:ln w="57150">
+              <a:solidFill>
+                <a:schemeClr val="tx1"/>
+              </a:solidFill>
+              <a:tailEnd type="triangle" w="lg" len="lg"/>
+            </a:ln>
+          </p:spPr>
+          <p:style>
+            <a:lnRef idx="1">
+              <a:schemeClr val="accent1"/>
+            </a:lnRef>
+            <a:fillRef idx="0">
+              <a:schemeClr val="accent1"/>
+            </a:fillRef>
+            <a:effectRef idx="0">
+              <a:schemeClr val="accent1"/>
+            </a:effectRef>
+            <a:fontRef idx="minor">
+              <a:schemeClr val="tx1"/>
+            </a:fontRef>
+          </p:style>
+        </p:cxnSp>
+        <p:cxnSp>
+          <p:nvCxnSpPr>
+            <p:cNvPr id="124" name="直線單箭頭接點 5"/>
+            <p:cNvCxnSpPr>
+              <a:stCxn id="100" idx="0"/>
+              <a:endCxn id="127" idx="2"/>
+            </p:cNvCxnSpPr>
+            <p:nvPr/>
+          </p:nvCxnSpPr>
+          <p:spPr>
+            <a:xfrm flipH="1" flipV="1">
+              <a:off x="9330033" y="8812780"/>
+              <a:ext cx="1" cy="426417"/>
+            </a:xfrm>
+            <a:prstGeom prst="straightConnector1">
+              <a:avLst/>
+            </a:prstGeom>
+            <a:ln w="57150">
+              <a:solidFill>
+                <a:schemeClr val="tx1"/>
+              </a:solidFill>
+              <a:tailEnd type="triangle" w="lg" len="lg"/>
+            </a:ln>
+          </p:spPr>
+          <p:style>
+            <a:lnRef idx="1">
+              <a:schemeClr val="accent1"/>
+            </a:lnRef>
+            <a:fillRef idx="0">
+              <a:schemeClr val="accent1"/>
+            </a:fillRef>
+            <a:effectRef idx="0">
+              <a:schemeClr val="accent1"/>
+            </a:effectRef>
+            <a:fontRef idx="minor">
+              <a:schemeClr val="tx1"/>
+            </a:fontRef>
+          </p:style>
+        </p:cxnSp>
+        <p:sp>
+          <p:nvSpPr>
+            <p:cNvPr id="127" name="圓角矩形 126"/>
+            <p:cNvSpPr/>
+            <p:nvPr/>
+          </p:nvSpPr>
+          <p:spPr>
+            <a:xfrm>
+              <a:off x="7807855" y="6934905"/>
+              <a:ext cx="3044355" cy="1877875"/>
+            </a:xfrm>
+            <a:prstGeom prst="roundRect">
+              <a:avLst>
+                <a:gd name="adj" fmla="val 12899"/>
+              </a:avLst>
+            </a:prstGeom>
+            <a:noFill/>
+            <a:ln w="31750">
+              <a:noFill/>
+            </a:ln>
+          </p:spPr>
+          <p:style>
+            <a:lnRef idx="2">
+              <a:schemeClr val="accent1">
+                <a:shade val="50000"/>
+              </a:schemeClr>
+            </a:lnRef>
+            <a:fillRef idx="1">
+              <a:schemeClr val="accent1"/>
+            </a:fillRef>
+            <a:effectRef idx="0">
+              <a:schemeClr val="accent1"/>
+            </a:effectRef>
+            <a:fontRef idx="minor">
+              <a:schemeClr val="lt1"/>
+            </a:fontRef>
+          </p:style>
+          <p:txBody>
+            <a:bodyPr rtlCol="0" anchor="ctr"/>
+            <a:lstStyle/>
+            <a:p>
+              <a:pPr algn="ctr"/>
+              <a:r>
+                <a:rPr lang="en-US" altLang="zh-TW" sz="3600" dirty="0">
+                  <a:solidFill>
+                    <a:srgbClr val="282828"/>
+                  </a:solidFill>
+                  <a:latin typeface="SauceCodePro Nerd Font" panose="020B0509030403020204" pitchFamily="49" charset="0"/>
+                </a:rPr>
+                <a:t>Volume</a:t>
+              </a:r>
+            </a:p>
+            <a:p>
+              <a:pPr algn="ctr"/>
+              <a:r>
+                <a:rPr lang="en-US" altLang="zh-TW" sz="3600" dirty="0" smtClean="0">
+                  <a:solidFill>
+                    <a:srgbClr val="282828"/>
+                  </a:solidFill>
+                  <a:latin typeface="SauceCodePro Nerd Font" panose="020B0509030403020204" pitchFamily="49" charset="0"/>
+                </a:rPr>
+                <a:t>Rendering</a:t>
+              </a:r>
+            </a:p>
+            <a:p>
+              <a:pPr algn="ctr"/>
+              <a:r>
+                <a:rPr lang="en-US" altLang="zh-TW" sz="3200" dirty="0">
+                  <a:solidFill>
+                    <a:srgbClr val="282828"/>
+                  </a:solidFill>
+                  <a:latin typeface="SauceCodePro Nerd Font" panose="020B0509030403020204" pitchFamily="49" charset="0"/>
+                </a:rPr>
+                <a:t>(One Sample</a:t>
+              </a:r>
+              <a:r>
+                <a:rPr lang="en-US" altLang="zh-TW" sz="3200" dirty="0" smtClean="0">
+                  <a:solidFill>
+                    <a:srgbClr val="282828"/>
+                  </a:solidFill>
+                  <a:latin typeface="SauceCodePro Nerd Font" panose="020B0509030403020204" pitchFamily="49" charset="0"/>
+                </a:rPr>
+                <a:t>)</a:t>
+              </a:r>
+              <a:endParaRPr lang="zh-TW" altLang="en-US" sz="3200" dirty="0">
+                <a:solidFill>
+                  <a:srgbClr val="282828"/>
+                </a:solidFill>
+                <a:latin typeface="SauceCodePro Nerd Font" panose="020B0509030403020204" pitchFamily="49" charset="0"/>
+              </a:endParaRPr>
+            </a:p>
+          </p:txBody>
+        </p:sp>
+      </p:grpSp>
+    </p:spTree>
+    <p:extLst>
+      <p:ext uri="{BB962C8B-B14F-4D97-AF65-F5344CB8AC3E}">
+        <p14:creationId xmlns:p14="http://schemas.microsoft.com/office/powerpoint/2010/main" val="858981263"/>
+      </p:ext>
+    </p:extLst>
+  </p:cSld>
+  <p:clrMapOvr>
+    <a:masterClrMapping/>
+  </p:clrMapOvr>
+  <mc:AlternateContent xmlns:mc="http://schemas.openxmlformats.org/markup-compatibility/2006" xmlns:p14="http://schemas.microsoft.com/office/powerpoint/2010/main">
+    <mc:Choice Requires="p14">
+      <p:transition spd="slow" p14:dur="2000"/>
+    </mc:Choice>
+    <mc:Fallback xmlns="">
+      <p:transition spd="slow"/>
+    </mc:Fallback>
+  </mc:AlternateContent>
+  <p:timing>
+    <p:tnLst>
+      <p:par>
+        <p:cTn id="1" dur="indefinite" restart="never" nodeType="tmRoot"/>
+      </p:par>
+    </p:tnLst>
+  </p:timing>
+</p:sld>
+</file>
+
+<file path=ppt/slides/slide3.xml><?xml version="1.0" encoding="utf-8"?>
+<p:sld xmlns:a="http://schemas.openxmlformats.org/drawingml/2006/main" xmlns:r="http://schemas.openxmlformats.org/officeDocument/2006/relationships" xmlns:p="http://schemas.openxmlformats.org/presentationml/2006/main">
+  <p:cSld>
+    <p:spTree>
+      <p:nvGrpSpPr>
+        <p:cNvPr id="1" name=""/>
+        <p:cNvGrpSpPr/>
+        <p:nvPr/>
+      </p:nvGrpSpPr>
+      <p:grpSpPr>
+        <a:xfrm>
+          <a:off x="0" y="0"/>
+          <a:ext cx="0" cy="0"/>
+          <a:chOff x="0" y="0"/>
+          <a:chExt cx="0" cy="0"/>
+        </a:xfrm>
+      </p:grpSpPr>
+      <p:grpSp>
+        <p:nvGrpSpPr>
           <p:cNvPr id="26" name="群組 25"/>
           <p:cNvGrpSpPr/>
           <p:nvPr/>
@@ -4124,7 +5930,7 @@
     </p:spTree>
     <p:extLst>
       <p:ext uri="{BB962C8B-B14F-4D97-AF65-F5344CB8AC3E}">
-        <p14:creationId xmlns:p14="http://schemas.microsoft.com/office/powerpoint/2010/main" val="858981263"/>
+        <p14:creationId xmlns:p14="http://schemas.microsoft.com/office/powerpoint/2010/main" val="2535083535"/>
       </p:ext>
     </p:extLst>
   </p:cSld>
@@ -4149,7 +5955,7 @@
 </p:sld>
 </file>
 
-<file path=ppt/slides/slide2.xml><?xml version="1.0" encoding="utf-8"?>
+<file path=ppt/slides/slide4.xml><?xml version="1.0" encoding="utf-8"?>
 <p:sld xmlns:a="http://schemas.openxmlformats.org/drawingml/2006/main" xmlns:r="http://schemas.openxmlformats.org/officeDocument/2006/relationships" xmlns:p="http://schemas.openxmlformats.org/presentationml/2006/main">
   <p:cSld>
     <p:spTree>
@@ -5067,7 +6873,7 @@
 </p:sld>
 </file>
 
-<file path=ppt/slides/slide3.xml><?xml version="1.0" encoding="utf-8"?>
+<file path=ppt/slides/slide5.xml><?xml version="1.0" encoding="utf-8"?>
 <p:sld xmlns:a="http://schemas.openxmlformats.org/drawingml/2006/main" xmlns:r="http://schemas.openxmlformats.org/officeDocument/2006/relationships" xmlns:p="http://schemas.openxmlformats.org/presentationml/2006/main">
   <p:cSld>
     <p:spTree>
@@ -6065,12 +7871,6 @@
                 </a:rPr>
                 <a:t>Position</a:t>
               </a:r>
-              <a:endParaRPr lang="en-US" altLang="zh-TW" sz="3600" dirty="0" smtClean="0">
-                <a:solidFill>
-                  <a:srgbClr val="282828"/>
-                </a:solidFill>
-                <a:latin typeface="SauceCodePro Nerd Font" panose="020B0509030403020204" pitchFamily="49" charset="0"/>
-              </a:endParaRPr>
             </a:p>
             <a:p>
               <a:pPr algn="ctr"/>
@@ -8303,7 +10103,7 @@
 </p:sld>
 </file>
 
-<file path=ppt/slides/slide4.xml><?xml version="1.0" encoding="utf-8"?>
+<file path=ppt/slides/slide6.xml><?xml version="1.0" encoding="utf-8"?>
 <p:sld xmlns:a="http://schemas.openxmlformats.org/drawingml/2006/main" xmlns:r="http://schemas.openxmlformats.org/officeDocument/2006/relationships" xmlns:p="http://schemas.openxmlformats.org/presentationml/2006/main" show="0">
   <p:cSld>
     <p:spTree>
@@ -8650,7 +10450,7 @@
 </p:sld>
 </file>
 
-<file path=ppt/slides/slide5.xml><?xml version="1.0" encoding="utf-8"?>
+<file path=ppt/slides/slide7.xml><?xml version="1.0" encoding="utf-8"?>
 <p:sld xmlns:a="http://schemas.openxmlformats.org/drawingml/2006/main" xmlns:r="http://schemas.openxmlformats.org/officeDocument/2006/relationships" xmlns:p="http://schemas.openxmlformats.org/presentationml/2006/main" show="0">
   <p:cSld>
     <p:spTree>

--- a/final-proposal/img/img.pptx
+++ b/final-proposal/img/img.pptx
@@ -5,7 +5,7 @@
     <p:sldMasterId id="2147483660" r:id="rId1"/>
   </p:sldMasterIdLst>
   <p:notesMasterIdLst>
-    <p:notesMasterId r:id="rId9"/>
+    <p:notesMasterId r:id="rId10"/>
   </p:notesMasterIdLst>
   <p:sldIdLst>
     <p:sldId id="358" r:id="rId2"/>
@@ -13,8 +13,9 @@
     <p:sldId id="356" r:id="rId4"/>
     <p:sldId id="352" r:id="rId5"/>
     <p:sldId id="353" r:id="rId6"/>
-    <p:sldId id="355" r:id="rId7"/>
-    <p:sldId id="354" r:id="rId8"/>
+    <p:sldId id="359" r:id="rId7"/>
+    <p:sldId id="355" r:id="rId8"/>
+    <p:sldId id="354" r:id="rId9"/>
   </p:sldIdLst>
   <p:sldSz cx="21599525" cy="21599525"/>
   <p:notesSz cx="6858000" cy="9144000"/>
@@ -965,7 +966,7 @@
     </p:spTree>
     <p:extLst>
       <p:ext uri="{BB962C8B-B14F-4D97-AF65-F5344CB8AC3E}">
-        <p14:creationId xmlns:p14="http://schemas.microsoft.com/office/powerpoint/2010/main" val="1318061315"/>
+        <p14:creationId xmlns:p14="http://schemas.microsoft.com/office/powerpoint/2010/main" val="3218659598"/>
       </p:ext>
     </p:extLst>
   </p:cSld>
@@ -1041,6 +1042,90 @@
             <a:fld id="{6E1C9CAC-9358-49DD-9977-4B7D28ACBE36}" type="slidenum">
               <a:rPr lang="zh-TW" altLang="en-US" smtClean="0"/>
               <a:t>7</a:t>
+            </a:fld>
+            <a:endParaRPr lang="zh-TW" altLang="en-US"/>
+          </a:p>
+        </p:txBody>
+      </p:sp>
+    </p:spTree>
+    <p:extLst>
+      <p:ext uri="{BB962C8B-B14F-4D97-AF65-F5344CB8AC3E}">
+        <p14:creationId xmlns:p14="http://schemas.microsoft.com/office/powerpoint/2010/main" val="1318061315"/>
+      </p:ext>
+    </p:extLst>
+  </p:cSld>
+  <p:clrMapOvr>
+    <a:masterClrMapping/>
+  </p:clrMapOvr>
+</p:notes>
+</file>
+
+<file path=ppt/notesSlides/notesSlide8.xml><?xml version="1.0" encoding="utf-8"?>
+<p:notes xmlns:a="http://schemas.openxmlformats.org/drawingml/2006/main" xmlns:r="http://schemas.openxmlformats.org/officeDocument/2006/relationships" xmlns:p="http://schemas.openxmlformats.org/presentationml/2006/main">
+  <p:cSld>
+    <p:spTree>
+      <p:nvGrpSpPr>
+        <p:cNvPr id="1" name=""/>
+        <p:cNvGrpSpPr/>
+        <p:nvPr/>
+      </p:nvGrpSpPr>
+      <p:grpSpPr>
+        <a:xfrm>
+          <a:off x="0" y="0"/>
+          <a:ext cx="0" cy="0"/>
+          <a:chOff x="0" y="0"/>
+          <a:chExt cx="0" cy="0"/>
+        </a:xfrm>
+      </p:grpSpPr>
+      <p:sp>
+        <p:nvSpPr>
+          <p:cNvPr id="2" name="投影片圖像版面配置區 1"/>
+          <p:cNvSpPr>
+            <a:spLocks noGrp="1" noRot="1" noChangeAspect="1"/>
+          </p:cNvSpPr>
+          <p:nvPr>
+            <p:ph type="sldImg"/>
+          </p:nvPr>
+        </p:nvSpPr>
+        <p:spPr/>
+      </p:sp>
+      <p:sp>
+        <p:nvSpPr>
+          <p:cNvPr id="3" name="備忘稿版面配置區 2"/>
+          <p:cNvSpPr>
+            <a:spLocks noGrp="1"/>
+          </p:cNvSpPr>
+          <p:nvPr>
+            <p:ph type="body" idx="1"/>
+          </p:nvPr>
+        </p:nvSpPr>
+        <p:spPr/>
+        <p:txBody>
+          <a:bodyPr/>
+          <a:lstStyle/>
+          <a:p>
+            <a:endParaRPr lang="zh-TW" altLang="en-US" dirty="0"/>
+          </a:p>
+        </p:txBody>
+      </p:sp>
+      <p:sp>
+        <p:nvSpPr>
+          <p:cNvPr id="4" name="投影片編號版面配置區 3"/>
+          <p:cNvSpPr>
+            <a:spLocks noGrp="1"/>
+          </p:cNvSpPr>
+          <p:nvPr>
+            <p:ph type="sldNum" sz="quarter" idx="10"/>
+          </p:nvPr>
+        </p:nvSpPr>
+        <p:spPr/>
+        <p:txBody>
+          <a:bodyPr/>
+          <a:lstStyle/>
+          <a:p>
+            <a:fld id="{6E1C9CAC-9358-49DD-9977-4B7D28ACBE36}" type="slidenum">
+              <a:rPr lang="zh-TW" altLang="en-US" smtClean="0"/>
+              <a:t>8</a:t>
             </a:fld>
             <a:endParaRPr lang="zh-TW" altLang="en-US"/>
           </a:p>
@@ -6874,7 +6959,7 @@
 </file>
 
 <file path=ppt/slides/slide5.xml><?xml version="1.0" encoding="utf-8"?>
-<p:sld xmlns:a="http://schemas.openxmlformats.org/drawingml/2006/main" xmlns:r="http://schemas.openxmlformats.org/officeDocument/2006/relationships" xmlns:p="http://schemas.openxmlformats.org/presentationml/2006/main">
+<p:sld xmlns:a="http://schemas.openxmlformats.org/drawingml/2006/main" xmlns:r="http://schemas.openxmlformats.org/officeDocument/2006/relationships" xmlns:p="http://schemas.openxmlformats.org/presentationml/2006/main" show="0">
   <p:cSld>
     <p:spTree>
       <p:nvGrpSpPr>
@@ -10085,6 +10170,3440 @@
   <p:clrMapOvr>
     <a:masterClrMapping/>
   </p:clrMapOvr>
+  <mc:AlternateContent xmlns:mc="http://schemas.openxmlformats.org/markup-compatibility/2006">
+    <mc:Choice xmlns:p14="http://schemas.microsoft.com/office/powerpoint/2010/main" Requires="p14">
+      <p:transition spd="slow" p14:dur="2000"/>
+    </mc:Choice>
+    <mc:Fallback>
+      <p:transition spd="slow"/>
+    </mc:Fallback>
+  </mc:AlternateContent>
+  <p:timing>
+    <p:tnLst>
+      <p:par>
+        <p:cTn id="1" dur="indefinite" restart="never" nodeType="tmRoot"/>
+      </p:par>
+    </p:tnLst>
+  </p:timing>
+</p:sld>
+</file>
+
+<file path=ppt/slides/slide6.xml><?xml version="1.0" encoding="utf-8"?>
+<p:sld xmlns:a="http://schemas.openxmlformats.org/drawingml/2006/main" xmlns:r="http://schemas.openxmlformats.org/officeDocument/2006/relationships" xmlns:p="http://schemas.openxmlformats.org/presentationml/2006/main">
+  <p:cSld>
+    <p:spTree>
+      <p:nvGrpSpPr>
+        <p:cNvPr id="1" name=""/>
+        <p:cNvGrpSpPr/>
+        <p:nvPr/>
+      </p:nvGrpSpPr>
+      <p:grpSpPr>
+        <a:xfrm>
+          <a:off x="0" y="0"/>
+          <a:ext cx="0" cy="0"/>
+          <a:chOff x="0" y="0"/>
+          <a:chExt cx="0" cy="0"/>
+        </a:xfrm>
+      </p:grpSpPr>
+      <p:grpSp>
+        <p:nvGrpSpPr>
+          <p:cNvPr id="81" name="群組 80"/>
+          <p:cNvGrpSpPr/>
+          <p:nvPr/>
+        </p:nvGrpSpPr>
+        <p:grpSpPr>
+          <a:xfrm>
+            <a:off x="1168290" y="3437818"/>
+            <a:ext cx="14300373" cy="10308662"/>
+            <a:chOff x="1168290" y="3437818"/>
+            <a:chExt cx="14300373" cy="10308662"/>
+          </a:xfrm>
+        </p:grpSpPr>
+        <p:grpSp>
+          <p:nvGrpSpPr>
+            <p:cNvPr id="282" name="群組 281"/>
+            <p:cNvGrpSpPr/>
+            <p:nvPr/>
+          </p:nvGrpSpPr>
+          <p:grpSpPr>
+            <a:xfrm>
+              <a:off x="5919115" y="3437818"/>
+              <a:ext cx="6498759" cy="5617355"/>
+              <a:chOff x="4694156" y="4680784"/>
+              <a:chExt cx="6498759" cy="5617355"/>
+            </a:xfrm>
+          </p:grpSpPr>
+          <p:sp>
+            <p:nvSpPr>
+              <p:cNvPr id="283" name="立方體 282"/>
+              <p:cNvSpPr/>
+              <p:nvPr/>
+            </p:nvSpPr>
+            <p:spPr>
+              <a:xfrm>
+                <a:off x="4694156" y="4680784"/>
+                <a:ext cx="2485921" cy="2485921"/>
+              </a:xfrm>
+              <a:prstGeom prst="cube">
+                <a:avLst>
+                  <a:gd name="adj" fmla="val 22829"/>
+                </a:avLst>
+              </a:prstGeom>
+              <a:solidFill>
+                <a:srgbClr val="21C5FF"/>
+              </a:solidFill>
+              <a:ln w="38100">
+                <a:noFill/>
+              </a:ln>
+            </p:spPr>
+            <p:style>
+              <a:lnRef idx="2">
+                <a:schemeClr val="accent1">
+                  <a:shade val="50000"/>
+                </a:schemeClr>
+              </a:lnRef>
+              <a:fillRef idx="1">
+                <a:schemeClr val="accent1"/>
+              </a:fillRef>
+              <a:effectRef idx="0">
+                <a:schemeClr val="accent1"/>
+              </a:effectRef>
+              <a:fontRef idx="minor">
+                <a:schemeClr val="lt1"/>
+              </a:fontRef>
+            </p:style>
+            <p:txBody>
+              <a:bodyPr rtlCol="0" anchor="ctr"/>
+              <a:lstStyle/>
+              <a:p>
+                <a:pPr algn="ctr"/>
+                <a:endParaRPr lang="zh-TW" altLang="en-US"/>
+              </a:p>
+            </p:txBody>
+          </p:sp>
+          <p:sp>
+            <p:nvSpPr>
+              <p:cNvPr id="284" name="立方體 283"/>
+              <p:cNvSpPr/>
+              <p:nvPr/>
+            </p:nvSpPr>
+            <p:spPr>
+              <a:xfrm>
+                <a:off x="8116504" y="7636311"/>
+                <a:ext cx="821201" cy="821201"/>
+              </a:xfrm>
+              <a:prstGeom prst="cube">
+                <a:avLst>
+                  <a:gd name="adj" fmla="val 69688"/>
+                </a:avLst>
+              </a:prstGeom>
+              <a:solidFill>
+                <a:srgbClr val="21C5FF"/>
+              </a:solidFill>
+              <a:ln w="38100">
+                <a:noFill/>
+              </a:ln>
+            </p:spPr>
+            <p:style>
+              <a:lnRef idx="2">
+                <a:schemeClr val="accent1">
+                  <a:shade val="50000"/>
+                </a:schemeClr>
+              </a:lnRef>
+              <a:fillRef idx="1">
+                <a:schemeClr val="accent1"/>
+              </a:fillRef>
+              <a:effectRef idx="0">
+                <a:schemeClr val="accent1"/>
+              </a:effectRef>
+              <a:fontRef idx="minor">
+                <a:schemeClr val="lt1"/>
+              </a:fontRef>
+            </p:style>
+            <p:txBody>
+              <a:bodyPr rtlCol="0" anchor="ctr"/>
+              <a:lstStyle/>
+              <a:p>
+                <a:pPr algn="ctr"/>
+                <a:endParaRPr lang="zh-TW" altLang="en-US"/>
+              </a:p>
+            </p:txBody>
+          </p:sp>
+          <p:sp>
+            <p:nvSpPr>
+              <p:cNvPr id="285" name="立方體 284"/>
+              <p:cNvSpPr/>
+              <p:nvPr/>
+            </p:nvSpPr>
+            <p:spPr>
+              <a:xfrm>
+                <a:off x="8496003" y="7636315"/>
+                <a:ext cx="821201" cy="821201"/>
+              </a:xfrm>
+              <a:prstGeom prst="cube">
+                <a:avLst>
+                  <a:gd name="adj" fmla="val 69688"/>
+                </a:avLst>
+              </a:prstGeom>
+              <a:solidFill>
+                <a:srgbClr val="21C5FF"/>
+              </a:solidFill>
+              <a:ln w="38100">
+                <a:noFill/>
+              </a:ln>
+            </p:spPr>
+            <p:style>
+              <a:lnRef idx="2">
+                <a:schemeClr val="accent1">
+                  <a:shade val="50000"/>
+                </a:schemeClr>
+              </a:lnRef>
+              <a:fillRef idx="1">
+                <a:schemeClr val="accent1"/>
+              </a:fillRef>
+              <a:effectRef idx="0">
+                <a:schemeClr val="accent1"/>
+              </a:effectRef>
+              <a:fontRef idx="minor">
+                <a:schemeClr val="lt1"/>
+              </a:fontRef>
+            </p:style>
+            <p:txBody>
+              <a:bodyPr rtlCol="0" anchor="ctr"/>
+              <a:lstStyle/>
+              <a:p>
+                <a:pPr algn="ctr"/>
+                <a:endParaRPr lang="zh-TW" altLang="en-US"/>
+              </a:p>
+            </p:txBody>
+          </p:sp>
+          <p:sp>
+            <p:nvSpPr>
+              <p:cNvPr id="286" name="立方體 285"/>
+              <p:cNvSpPr/>
+              <p:nvPr/>
+            </p:nvSpPr>
+            <p:spPr>
+              <a:xfrm>
+                <a:off x="8875502" y="7636314"/>
+                <a:ext cx="821201" cy="821201"/>
+              </a:xfrm>
+              <a:prstGeom prst="cube">
+                <a:avLst>
+                  <a:gd name="adj" fmla="val 69688"/>
+                </a:avLst>
+              </a:prstGeom>
+              <a:solidFill>
+                <a:srgbClr val="21C5FF"/>
+              </a:solidFill>
+              <a:ln w="38100">
+                <a:noFill/>
+              </a:ln>
+            </p:spPr>
+            <p:style>
+              <a:lnRef idx="2">
+                <a:schemeClr val="accent1">
+                  <a:shade val="50000"/>
+                </a:schemeClr>
+              </a:lnRef>
+              <a:fillRef idx="1">
+                <a:schemeClr val="accent1"/>
+              </a:fillRef>
+              <a:effectRef idx="0">
+                <a:schemeClr val="accent1"/>
+              </a:effectRef>
+              <a:fontRef idx="minor">
+                <a:schemeClr val="lt1"/>
+              </a:fontRef>
+            </p:style>
+            <p:txBody>
+              <a:bodyPr rtlCol="0" anchor="ctr"/>
+              <a:lstStyle/>
+              <a:p>
+                <a:pPr algn="ctr"/>
+                <a:endParaRPr lang="zh-TW" altLang="en-US"/>
+              </a:p>
+            </p:txBody>
+          </p:sp>
+          <p:sp>
+            <p:nvSpPr>
+              <p:cNvPr id="288" name="立方體 287"/>
+              <p:cNvSpPr/>
+              <p:nvPr/>
+            </p:nvSpPr>
+            <p:spPr>
+              <a:xfrm>
+                <a:off x="10371714" y="7636312"/>
+                <a:ext cx="821201" cy="821201"/>
+              </a:xfrm>
+              <a:prstGeom prst="cube">
+                <a:avLst>
+                  <a:gd name="adj" fmla="val 69688"/>
+                </a:avLst>
+              </a:prstGeom>
+              <a:solidFill>
+                <a:srgbClr val="21C5FF"/>
+              </a:solidFill>
+              <a:ln w="38100">
+                <a:noFill/>
+              </a:ln>
+            </p:spPr>
+            <p:style>
+              <a:lnRef idx="2">
+                <a:schemeClr val="accent1">
+                  <a:shade val="50000"/>
+                </a:schemeClr>
+              </a:lnRef>
+              <a:fillRef idx="1">
+                <a:schemeClr val="accent1"/>
+              </a:fillRef>
+              <a:effectRef idx="0">
+                <a:schemeClr val="accent1"/>
+              </a:effectRef>
+              <a:fontRef idx="minor">
+                <a:schemeClr val="lt1"/>
+              </a:fontRef>
+            </p:style>
+            <p:txBody>
+              <a:bodyPr rtlCol="0" anchor="ctr"/>
+              <a:lstStyle/>
+              <a:p>
+                <a:pPr algn="ctr"/>
+                <a:endParaRPr lang="zh-TW" altLang="en-US"/>
+              </a:p>
+            </p:txBody>
+          </p:sp>
+          <p:sp>
+            <p:nvSpPr>
+              <p:cNvPr id="289" name="立方體 288"/>
+              <p:cNvSpPr/>
+              <p:nvPr/>
+            </p:nvSpPr>
+            <p:spPr>
+              <a:xfrm>
+                <a:off x="4694156" y="7812218"/>
+                <a:ext cx="2485921" cy="2485921"/>
+              </a:xfrm>
+              <a:prstGeom prst="cube">
+                <a:avLst>
+                  <a:gd name="adj" fmla="val 22829"/>
+                </a:avLst>
+              </a:prstGeom>
+              <a:solidFill>
+                <a:srgbClr val="FF5B9D"/>
+              </a:solidFill>
+              <a:ln w="38100">
+                <a:noFill/>
+              </a:ln>
+            </p:spPr>
+            <p:style>
+              <a:lnRef idx="2">
+                <a:schemeClr val="accent1">
+                  <a:shade val="50000"/>
+                </a:schemeClr>
+              </a:lnRef>
+              <a:fillRef idx="1">
+                <a:schemeClr val="accent1"/>
+              </a:fillRef>
+              <a:effectRef idx="0">
+                <a:schemeClr val="accent1"/>
+              </a:effectRef>
+              <a:fontRef idx="minor">
+                <a:schemeClr val="lt1"/>
+              </a:fontRef>
+            </p:style>
+            <p:txBody>
+              <a:bodyPr rtlCol="0" anchor="ctr"/>
+              <a:lstStyle/>
+              <a:p>
+                <a:pPr algn="ctr"/>
+                <a:endParaRPr lang="zh-TW" altLang="en-US"/>
+              </a:p>
+            </p:txBody>
+          </p:sp>
+          <p:sp>
+            <p:nvSpPr>
+              <p:cNvPr id="290" name="立方體 289"/>
+              <p:cNvSpPr/>
+              <p:nvPr/>
+            </p:nvSpPr>
+            <p:spPr>
+              <a:xfrm>
+                <a:off x="8116504" y="8644573"/>
+                <a:ext cx="821201" cy="821201"/>
+              </a:xfrm>
+              <a:prstGeom prst="cube">
+                <a:avLst>
+                  <a:gd name="adj" fmla="val 69688"/>
+                </a:avLst>
+              </a:prstGeom>
+              <a:solidFill>
+                <a:srgbClr val="FF5B9D"/>
+              </a:solidFill>
+              <a:ln w="38100">
+                <a:noFill/>
+              </a:ln>
+            </p:spPr>
+            <p:style>
+              <a:lnRef idx="2">
+                <a:schemeClr val="accent1">
+                  <a:shade val="50000"/>
+                </a:schemeClr>
+              </a:lnRef>
+              <a:fillRef idx="1">
+                <a:schemeClr val="accent1"/>
+              </a:fillRef>
+              <a:effectRef idx="0">
+                <a:schemeClr val="accent1"/>
+              </a:effectRef>
+              <a:fontRef idx="minor">
+                <a:schemeClr val="lt1"/>
+              </a:fontRef>
+            </p:style>
+            <p:txBody>
+              <a:bodyPr rtlCol="0" anchor="ctr"/>
+              <a:lstStyle/>
+              <a:p>
+                <a:pPr algn="ctr"/>
+                <a:endParaRPr lang="zh-TW" altLang="en-US"/>
+              </a:p>
+            </p:txBody>
+          </p:sp>
+          <p:sp>
+            <p:nvSpPr>
+              <p:cNvPr id="291" name="立方體 290"/>
+              <p:cNvSpPr/>
+              <p:nvPr/>
+            </p:nvSpPr>
+            <p:spPr>
+              <a:xfrm>
+                <a:off x="8496003" y="8644577"/>
+                <a:ext cx="821201" cy="821201"/>
+              </a:xfrm>
+              <a:prstGeom prst="cube">
+                <a:avLst>
+                  <a:gd name="adj" fmla="val 69688"/>
+                </a:avLst>
+              </a:prstGeom>
+              <a:solidFill>
+                <a:srgbClr val="FF5B9D"/>
+              </a:solidFill>
+              <a:ln w="38100">
+                <a:noFill/>
+              </a:ln>
+            </p:spPr>
+            <p:style>
+              <a:lnRef idx="2">
+                <a:schemeClr val="accent1">
+                  <a:shade val="50000"/>
+                </a:schemeClr>
+              </a:lnRef>
+              <a:fillRef idx="1">
+                <a:schemeClr val="accent1"/>
+              </a:fillRef>
+              <a:effectRef idx="0">
+                <a:schemeClr val="accent1"/>
+              </a:effectRef>
+              <a:fontRef idx="minor">
+                <a:schemeClr val="lt1"/>
+              </a:fontRef>
+            </p:style>
+            <p:txBody>
+              <a:bodyPr rtlCol="0" anchor="ctr"/>
+              <a:lstStyle/>
+              <a:p>
+                <a:pPr algn="ctr"/>
+                <a:endParaRPr lang="zh-TW" altLang="en-US"/>
+              </a:p>
+            </p:txBody>
+          </p:sp>
+          <p:sp>
+            <p:nvSpPr>
+              <p:cNvPr id="292" name="立方體 291"/>
+              <p:cNvSpPr/>
+              <p:nvPr/>
+            </p:nvSpPr>
+            <p:spPr>
+              <a:xfrm>
+                <a:off x="8875502" y="8644576"/>
+                <a:ext cx="821201" cy="821201"/>
+              </a:xfrm>
+              <a:prstGeom prst="cube">
+                <a:avLst>
+                  <a:gd name="adj" fmla="val 69688"/>
+                </a:avLst>
+              </a:prstGeom>
+              <a:solidFill>
+                <a:srgbClr val="FF5B9D"/>
+              </a:solidFill>
+              <a:ln w="38100">
+                <a:noFill/>
+              </a:ln>
+            </p:spPr>
+            <p:style>
+              <a:lnRef idx="2">
+                <a:schemeClr val="accent1">
+                  <a:shade val="50000"/>
+                </a:schemeClr>
+              </a:lnRef>
+              <a:fillRef idx="1">
+                <a:schemeClr val="accent1"/>
+              </a:fillRef>
+              <a:effectRef idx="0">
+                <a:schemeClr val="accent1"/>
+              </a:effectRef>
+              <a:fontRef idx="minor">
+                <a:schemeClr val="lt1"/>
+              </a:fontRef>
+            </p:style>
+            <p:txBody>
+              <a:bodyPr rtlCol="0" anchor="ctr"/>
+              <a:lstStyle/>
+              <a:p>
+                <a:pPr algn="ctr"/>
+                <a:endParaRPr lang="zh-TW" altLang="en-US"/>
+              </a:p>
+            </p:txBody>
+          </p:sp>
+          <p:sp>
+            <p:nvSpPr>
+              <p:cNvPr id="294" name="立方體 293"/>
+              <p:cNvSpPr/>
+              <p:nvPr/>
+            </p:nvSpPr>
+            <p:spPr>
+              <a:xfrm>
+                <a:off x="10371714" y="8644574"/>
+                <a:ext cx="821201" cy="821201"/>
+              </a:xfrm>
+              <a:prstGeom prst="cube">
+                <a:avLst>
+                  <a:gd name="adj" fmla="val 69688"/>
+                </a:avLst>
+              </a:prstGeom>
+              <a:solidFill>
+                <a:srgbClr val="FF5B9D"/>
+              </a:solidFill>
+              <a:ln w="38100">
+                <a:noFill/>
+              </a:ln>
+            </p:spPr>
+            <p:style>
+              <a:lnRef idx="2">
+                <a:schemeClr val="accent1">
+                  <a:shade val="50000"/>
+                </a:schemeClr>
+              </a:lnRef>
+              <a:fillRef idx="1">
+                <a:schemeClr val="accent1"/>
+              </a:fillRef>
+              <a:effectRef idx="0">
+                <a:schemeClr val="accent1"/>
+              </a:effectRef>
+              <a:fontRef idx="minor">
+                <a:schemeClr val="lt1"/>
+              </a:fontRef>
+            </p:style>
+            <p:txBody>
+              <a:bodyPr rtlCol="0" anchor="ctr"/>
+              <a:lstStyle/>
+              <a:p>
+                <a:pPr algn="ctr"/>
+                <a:endParaRPr lang="zh-TW" altLang="en-US"/>
+              </a:p>
+            </p:txBody>
+          </p:sp>
+          <p:cxnSp>
+            <p:nvCxnSpPr>
+              <p:cNvPr id="295" name="直線單箭頭接點 5"/>
+              <p:cNvCxnSpPr>
+                <a:stCxn id="294" idx="1"/>
+                <a:endCxn id="288" idx="3"/>
+              </p:cNvCxnSpPr>
+              <p:nvPr/>
+            </p:nvCxnSpPr>
+            <p:spPr>
+              <a:xfrm flipV="1">
+                <a:off x="10496175" y="8457513"/>
+                <a:ext cx="0" cy="759340"/>
+              </a:xfrm>
+              <a:prstGeom prst="straightConnector1">
+                <a:avLst/>
+              </a:prstGeom>
+              <a:ln w="44450">
+                <a:gradFill>
+                  <a:gsLst>
+                    <a:gs pos="0">
+                      <a:srgbClr val="A20042"/>
+                    </a:gs>
+                    <a:gs pos="100000">
+                      <a:schemeClr val="accent5"/>
+                    </a:gs>
+                  </a:gsLst>
+                  <a:lin ang="5400000" scaled="1"/>
+                </a:gradFill>
+                <a:prstDash val="lgDash"/>
+                <a:headEnd type="diamond"/>
+                <a:tailEnd type="diamond" w="med" len="med"/>
+              </a:ln>
+            </p:spPr>
+            <p:style>
+              <a:lnRef idx="1">
+                <a:schemeClr val="accent1"/>
+              </a:lnRef>
+              <a:fillRef idx="0">
+                <a:schemeClr val="accent1"/>
+              </a:fillRef>
+              <a:effectRef idx="0">
+                <a:schemeClr val="accent1"/>
+              </a:effectRef>
+              <a:fontRef idx="minor">
+                <a:schemeClr val="tx1"/>
+              </a:fontRef>
+            </p:style>
+          </p:cxnSp>
+          <p:cxnSp>
+            <p:nvCxnSpPr>
+              <p:cNvPr id="296" name="直線單箭頭接點 5"/>
+              <p:cNvCxnSpPr>
+                <a:stCxn id="292" idx="1"/>
+                <a:endCxn id="286" idx="3"/>
+              </p:cNvCxnSpPr>
+              <p:nvPr/>
+            </p:nvCxnSpPr>
+            <p:spPr>
+              <a:xfrm flipV="1">
+                <a:off x="8999963" y="8457515"/>
+                <a:ext cx="0" cy="759340"/>
+              </a:xfrm>
+              <a:prstGeom prst="straightConnector1">
+                <a:avLst/>
+              </a:prstGeom>
+              <a:ln w="44450">
+                <a:gradFill>
+                  <a:gsLst>
+                    <a:gs pos="0">
+                      <a:srgbClr val="A20042"/>
+                    </a:gs>
+                    <a:gs pos="100000">
+                      <a:schemeClr val="accent5"/>
+                    </a:gs>
+                  </a:gsLst>
+                  <a:lin ang="5400000" scaled="1"/>
+                </a:gradFill>
+                <a:prstDash val="lgDash"/>
+                <a:headEnd type="diamond"/>
+                <a:tailEnd type="diamond" w="med" len="med"/>
+              </a:ln>
+            </p:spPr>
+            <p:style>
+              <a:lnRef idx="1">
+                <a:schemeClr val="accent1"/>
+              </a:lnRef>
+              <a:fillRef idx="0">
+                <a:schemeClr val="accent1"/>
+              </a:fillRef>
+              <a:effectRef idx="0">
+                <a:schemeClr val="accent1"/>
+              </a:effectRef>
+              <a:fontRef idx="minor">
+                <a:schemeClr val="tx1"/>
+              </a:fontRef>
+            </p:style>
+          </p:cxnSp>
+          <p:cxnSp>
+            <p:nvCxnSpPr>
+              <p:cNvPr id="297" name="直線單箭頭接點 5"/>
+              <p:cNvCxnSpPr>
+                <a:stCxn id="291" idx="1"/>
+                <a:endCxn id="285" idx="3"/>
+              </p:cNvCxnSpPr>
+              <p:nvPr/>
+            </p:nvCxnSpPr>
+            <p:spPr>
+              <a:xfrm flipV="1">
+                <a:off x="8620464" y="8457516"/>
+                <a:ext cx="0" cy="759340"/>
+              </a:xfrm>
+              <a:prstGeom prst="straightConnector1">
+                <a:avLst/>
+              </a:prstGeom>
+              <a:ln w="44450">
+                <a:gradFill>
+                  <a:gsLst>
+                    <a:gs pos="0">
+                      <a:srgbClr val="A20042"/>
+                    </a:gs>
+                    <a:gs pos="100000">
+                      <a:schemeClr val="accent5"/>
+                    </a:gs>
+                  </a:gsLst>
+                  <a:lin ang="5400000" scaled="1"/>
+                </a:gradFill>
+                <a:prstDash val="lgDash"/>
+                <a:headEnd type="diamond"/>
+                <a:tailEnd type="diamond" w="med" len="med"/>
+              </a:ln>
+            </p:spPr>
+            <p:style>
+              <a:lnRef idx="1">
+                <a:schemeClr val="accent1"/>
+              </a:lnRef>
+              <a:fillRef idx="0">
+                <a:schemeClr val="accent1"/>
+              </a:fillRef>
+              <a:effectRef idx="0">
+                <a:schemeClr val="accent1"/>
+              </a:effectRef>
+              <a:fontRef idx="minor">
+                <a:schemeClr val="tx1"/>
+              </a:fontRef>
+            </p:style>
+          </p:cxnSp>
+          <p:cxnSp>
+            <p:nvCxnSpPr>
+              <p:cNvPr id="298" name="直線單箭頭接點 5"/>
+              <p:cNvCxnSpPr>
+                <a:stCxn id="290" idx="1"/>
+                <a:endCxn id="284" idx="3"/>
+              </p:cNvCxnSpPr>
+              <p:nvPr/>
+            </p:nvCxnSpPr>
+            <p:spPr>
+              <a:xfrm flipV="1">
+                <a:off x="8240965" y="8457512"/>
+                <a:ext cx="0" cy="759340"/>
+              </a:xfrm>
+              <a:prstGeom prst="straightConnector1">
+                <a:avLst/>
+              </a:prstGeom>
+              <a:ln w="44450">
+                <a:gradFill>
+                  <a:gsLst>
+                    <a:gs pos="0">
+                      <a:srgbClr val="A20042"/>
+                    </a:gs>
+                    <a:gs pos="100000">
+                      <a:schemeClr val="accent5"/>
+                    </a:gs>
+                  </a:gsLst>
+                  <a:lin ang="5400000" scaled="1"/>
+                </a:gradFill>
+                <a:prstDash val="lgDash"/>
+                <a:headEnd type="diamond"/>
+                <a:tailEnd type="diamond" w="med" len="med"/>
+              </a:ln>
+            </p:spPr>
+            <p:style>
+              <a:lnRef idx="1">
+                <a:schemeClr val="accent1"/>
+              </a:lnRef>
+              <a:fillRef idx="0">
+                <a:schemeClr val="accent1"/>
+              </a:fillRef>
+              <a:effectRef idx="0">
+                <a:schemeClr val="accent1"/>
+              </a:effectRef>
+              <a:fontRef idx="minor">
+                <a:schemeClr val="tx1"/>
+              </a:fontRef>
+            </p:style>
+          </p:cxnSp>
+          <p:cxnSp>
+            <p:nvCxnSpPr>
+              <p:cNvPr id="299" name="直線單箭頭接點 5"/>
+              <p:cNvCxnSpPr>
+                <a:stCxn id="283" idx="4"/>
+                <a:endCxn id="284" idx="2"/>
+              </p:cNvCxnSpPr>
+              <p:nvPr/>
+            </p:nvCxnSpPr>
+            <p:spPr>
+              <a:xfrm>
+                <a:off x="6612566" y="6207500"/>
+                <a:ext cx="1503938" cy="2125551"/>
+              </a:xfrm>
+              <a:prstGeom prst="curvedConnector3">
+                <a:avLst>
+                  <a:gd name="adj1" fmla="val 50000"/>
+                </a:avLst>
+              </a:prstGeom>
+              <a:ln w="38100">
+                <a:solidFill>
+                  <a:schemeClr val="tx1"/>
+                </a:solidFill>
+                <a:tailEnd type="triangle" w="lg" len="lg"/>
+              </a:ln>
+            </p:spPr>
+            <p:style>
+              <a:lnRef idx="1">
+                <a:schemeClr val="accent1"/>
+              </a:lnRef>
+              <a:fillRef idx="0">
+                <a:schemeClr val="accent1"/>
+              </a:fillRef>
+              <a:effectRef idx="0">
+                <a:schemeClr val="accent1"/>
+              </a:effectRef>
+              <a:fontRef idx="minor">
+                <a:schemeClr val="tx1"/>
+              </a:fontRef>
+            </p:style>
+          </p:cxnSp>
+          <p:cxnSp>
+            <p:nvCxnSpPr>
+              <p:cNvPr id="300" name="直線單箭頭接點 5"/>
+              <p:cNvCxnSpPr>
+                <a:stCxn id="289" idx="4"/>
+                <a:endCxn id="290" idx="2"/>
+              </p:cNvCxnSpPr>
+              <p:nvPr/>
+            </p:nvCxnSpPr>
+            <p:spPr>
+              <a:xfrm>
+                <a:off x="6612566" y="9338934"/>
+                <a:ext cx="1503938" cy="2379"/>
+              </a:xfrm>
+              <a:prstGeom prst="straightConnector1">
+                <a:avLst/>
+              </a:prstGeom>
+              <a:ln w="38100">
+                <a:solidFill>
+                  <a:schemeClr val="tx1"/>
+                </a:solidFill>
+                <a:tailEnd type="triangle" w="lg" len="lg"/>
+              </a:ln>
+            </p:spPr>
+            <p:style>
+              <a:lnRef idx="1">
+                <a:schemeClr val="accent1"/>
+              </a:lnRef>
+              <a:fillRef idx="0">
+                <a:schemeClr val="accent1"/>
+              </a:fillRef>
+              <a:effectRef idx="0">
+                <a:schemeClr val="accent1"/>
+              </a:effectRef>
+              <a:fontRef idx="minor">
+                <a:schemeClr val="tx1"/>
+              </a:fontRef>
+            </p:style>
+          </p:cxnSp>
+          <p:cxnSp>
+            <p:nvCxnSpPr>
+              <p:cNvPr id="301" name="直線單箭頭接點 5"/>
+              <p:cNvCxnSpPr>
+                <a:stCxn id="289" idx="1"/>
+                <a:endCxn id="283" idx="3"/>
+              </p:cNvCxnSpPr>
+              <p:nvPr/>
+            </p:nvCxnSpPr>
+            <p:spPr>
+              <a:xfrm flipV="1">
+                <a:off x="5653361" y="7166705"/>
+                <a:ext cx="0" cy="1213024"/>
+              </a:xfrm>
+              <a:prstGeom prst="straightConnector1">
+                <a:avLst/>
+              </a:prstGeom>
+              <a:ln w="44450">
+                <a:gradFill>
+                  <a:gsLst>
+                    <a:gs pos="0">
+                      <a:srgbClr val="A20042"/>
+                    </a:gs>
+                    <a:gs pos="100000">
+                      <a:schemeClr val="accent5"/>
+                    </a:gs>
+                  </a:gsLst>
+                  <a:lin ang="5400000" scaled="1"/>
+                </a:gradFill>
+                <a:prstDash val="lgDash"/>
+                <a:headEnd type="diamond"/>
+                <a:tailEnd type="diamond" w="med" len="med"/>
+              </a:ln>
+            </p:spPr>
+            <p:style>
+              <a:lnRef idx="1">
+                <a:schemeClr val="accent1"/>
+              </a:lnRef>
+              <a:fillRef idx="0">
+                <a:schemeClr val="accent1"/>
+              </a:fillRef>
+              <a:effectRef idx="0">
+                <a:schemeClr val="accent1"/>
+              </a:effectRef>
+              <a:fontRef idx="minor">
+                <a:schemeClr val="tx1"/>
+              </a:fontRef>
+            </p:style>
+          </p:cxnSp>
+        </p:grpSp>
+        <p:sp>
+          <p:nvSpPr>
+            <p:cNvPr id="29" name="圓角矩形 28"/>
+            <p:cNvSpPr/>
+            <p:nvPr/>
+          </p:nvSpPr>
+          <p:spPr>
+            <a:xfrm>
+              <a:off x="1168290" y="5199345"/>
+              <a:ext cx="3282460" cy="1785225"/>
+            </a:xfrm>
+            <a:prstGeom prst="roundRect">
+              <a:avLst>
+                <a:gd name="adj" fmla="val 12899"/>
+              </a:avLst>
+            </a:prstGeom>
+            <a:noFill/>
+            <a:ln w="31750">
+              <a:noFill/>
+            </a:ln>
+          </p:spPr>
+          <p:style>
+            <a:lnRef idx="2">
+              <a:schemeClr val="accent1">
+                <a:shade val="50000"/>
+              </a:schemeClr>
+            </a:lnRef>
+            <a:fillRef idx="1">
+              <a:schemeClr val="accent1"/>
+            </a:fillRef>
+            <a:effectRef idx="0">
+              <a:schemeClr val="accent1"/>
+            </a:effectRef>
+            <a:fontRef idx="minor">
+              <a:schemeClr val="lt1"/>
+            </a:fontRef>
+          </p:style>
+          <p:txBody>
+            <a:bodyPr rtlCol="0" anchor="ctr"/>
+            <a:lstStyle/>
+            <a:p>
+              <a:pPr algn="ctr"/>
+              <a:r>
+                <a:rPr lang="en-US" altLang="zh-TW" sz="3600" dirty="0" smtClean="0">
+                  <a:solidFill>
+                    <a:srgbClr val="282828"/>
+                  </a:solidFill>
+                  <a:latin typeface="SauceCodePro Nerd Font" panose="020B0509030403020204" pitchFamily="49" charset="0"/>
+                </a:rPr>
+                <a:t>Scene</a:t>
+              </a:r>
+            </a:p>
+            <a:p>
+              <a:pPr algn="ctr"/>
+              <a:r>
+                <a:rPr lang="en-US" altLang="zh-TW" sz="3600" dirty="0" smtClean="0">
+                  <a:solidFill>
+                    <a:srgbClr val="282828"/>
+                  </a:solidFill>
+                  <a:latin typeface="SauceCodePro Nerd Font" panose="020B0509030403020204" pitchFamily="49" charset="0"/>
+                </a:rPr>
+                <a:t>Embedding</a:t>
+              </a:r>
+            </a:p>
+            <a:p>
+              <a:pPr algn="ctr"/>
+              <a:r>
+                <a:rPr lang="en-US" altLang="zh-TW" sz="3600" dirty="0" smtClean="0">
+                  <a:solidFill>
+                    <a:srgbClr val="282828"/>
+                  </a:solidFill>
+                  <a:latin typeface="SauceCodePro Nerd Font" panose="020B0509030403020204" pitchFamily="49" charset="0"/>
+                </a:rPr>
+                <a:t>(Values)</a:t>
+              </a:r>
+              <a:endParaRPr lang="zh-TW" altLang="en-US" sz="3600" dirty="0">
+                <a:solidFill>
+                  <a:srgbClr val="282828"/>
+                </a:solidFill>
+                <a:latin typeface="SauceCodePro Nerd Font" panose="020B0509030403020204" pitchFamily="49" charset="0"/>
+              </a:endParaRPr>
+            </a:p>
+          </p:txBody>
+        </p:sp>
+        <p:sp>
+          <p:nvSpPr>
+            <p:cNvPr id="30" name="圓角矩形 29"/>
+            <p:cNvSpPr/>
+            <p:nvPr/>
+          </p:nvSpPr>
+          <p:spPr>
+            <a:xfrm>
+              <a:off x="1168290" y="8071494"/>
+              <a:ext cx="3282460" cy="1967358"/>
+            </a:xfrm>
+            <a:prstGeom prst="roundRect">
+              <a:avLst>
+                <a:gd name="adj" fmla="val 12899"/>
+              </a:avLst>
+            </a:prstGeom>
+            <a:noFill/>
+            <a:ln w="31750">
+              <a:noFill/>
+            </a:ln>
+          </p:spPr>
+          <p:style>
+            <a:lnRef idx="2">
+              <a:schemeClr val="accent1">
+                <a:shade val="50000"/>
+              </a:schemeClr>
+            </a:lnRef>
+            <a:fillRef idx="1">
+              <a:schemeClr val="accent1"/>
+            </a:fillRef>
+            <a:effectRef idx="0">
+              <a:schemeClr val="accent1"/>
+            </a:effectRef>
+            <a:fontRef idx="minor">
+              <a:schemeClr val="lt1"/>
+            </a:fontRef>
+          </p:style>
+          <p:txBody>
+            <a:bodyPr rtlCol="0" anchor="ctr"/>
+            <a:lstStyle/>
+            <a:p>
+              <a:pPr algn="ctr"/>
+              <a:r>
+                <a:rPr lang="en-US" altLang="zh-TW" sz="3600" dirty="0">
+                  <a:solidFill>
+                    <a:srgbClr val="282828"/>
+                  </a:solidFill>
+                  <a:latin typeface="SauceCodePro Nerd Font" panose="020B0509030403020204" pitchFamily="49" charset="0"/>
+                </a:rPr>
+                <a:t>Scene</a:t>
+              </a:r>
+            </a:p>
+            <a:p>
+              <a:pPr algn="ctr"/>
+              <a:r>
+                <a:rPr lang="en-US" altLang="zh-TW" sz="3600" dirty="0" smtClean="0">
+                  <a:solidFill>
+                    <a:srgbClr val="282828"/>
+                  </a:solidFill>
+                  <a:latin typeface="SauceCodePro Nerd Font" panose="020B0509030403020204" pitchFamily="49" charset="0"/>
+                </a:rPr>
+                <a:t>Position</a:t>
+              </a:r>
+            </a:p>
+            <a:p>
+              <a:pPr algn="ctr"/>
+              <a:r>
+                <a:rPr lang="en-US" altLang="zh-TW" sz="3600" dirty="0" smtClean="0">
+                  <a:solidFill>
+                    <a:srgbClr val="282828"/>
+                  </a:solidFill>
+                  <a:latin typeface="SauceCodePro Nerd Font" panose="020B0509030403020204" pitchFamily="49" charset="0"/>
+                </a:rPr>
+                <a:t>Encoding</a:t>
+              </a:r>
+            </a:p>
+            <a:p>
+              <a:pPr algn="ctr"/>
+              <a:r>
+                <a:rPr lang="en-US" altLang="zh-TW" sz="3600" dirty="0" smtClean="0">
+                  <a:solidFill>
+                    <a:srgbClr val="282828"/>
+                  </a:solidFill>
+                  <a:latin typeface="SauceCodePro Nerd Font" panose="020B0509030403020204" pitchFamily="49" charset="0"/>
+                </a:rPr>
+                <a:t>(Keys)</a:t>
+              </a:r>
+              <a:endParaRPr lang="zh-TW" altLang="en-US" sz="3600" dirty="0">
+                <a:solidFill>
+                  <a:srgbClr val="282828"/>
+                </a:solidFill>
+                <a:latin typeface="SauceCodePro Nerd Font" panose="020B0509030403020204" pitchFamily="49" charset="0"/>
+              </a:endParaRPr>
+            </a:p>
+          </p:txBody>
+        </p:sp>
+        <p:sp>
+          <p:nvSpPr>
+            <p:cNvPr id="212" name="圓角矩形 211"/>
+            <p:cNvSpPr/>
+            <p:nvPr/>
+          </p:nvSpPr>
+          <p:spPr>
+            <a:xfrm>
+              <a:off x="1168290" y="11202928"/>
+              <a:ext cx="3282460" cy="2543552"/>
+            </a:xfrm>
+            <a:prstGeom prst="roundRect">
+              <a:avLst>
+                <a:gd name="adj" fmla="val 12899"/>
+              </a:avLst>
+            </a:prstGeom>
+            <a:noFill/>
+            <a:ln w="31750">
+              <a:noFill/>
+            </a:ln>
+          </p:spPr>
+          <p:style>
+            <a:lnRef idx="2">
+              <a:schemeClr val="accent1">
+                <a:shade val="50000"/>
+              </a:schemeClr>
+            </a:lnRef>
+            <a:fillRef idx="1">
+              <a:schemeClr val="accent1"/>
+            </a:fillRef>
+            <a:effectRef idx="0">
+              <a:schemeClr val="accent1"/>
+            </a:effectRef>
+            <a:fontRef idx="minor">
+              <a:schemeClr val="lt1"/>
+            </a:fontRef>
+          </p:style>
+          <p:txBody>
+            <a:bodyPr rtlCol="0" anchor="ctr"/>
+            <a:lstStyle/>
+            <a:p>
+              <a:pPr algn="ctr"/>
+              <a:r>
+                <a:rPr lang="en-US" altLang="zh-TW" sz="3600" dirty="0">
+                  <a:solidFill>
+                    <a:srgbClr val="282828"/>
+                  </a:solidFill>
+                  <a:latin typeface="SauceCodePro Nerd Font" panose="020B0509030403020204" pitchFamily="49" charset="0"/>
+                </a:rPr>
+                <a:t>View</a:t>
+              </a:r>
+              <a:endParaRPr lang="en-US" altLang="zh-TW" sz="3600" dirty="0" smtClean="0">
+                <a:solidFill>
+                  <a:srgbClr val="282828"/>
+                </a:solidFill>
+                <a:latin typeface="SauceCodePro Nerd Font" panose="020B0509030403020204" pitchFamily="49" charset="0"/>
+              </a:endParaRPr>
+            </a:p>
+            <a:p>
+              <a:pPr algn="ctr"/>
+              <a:r>
+                <a:rPr lang="en-US" altLang="zh-TW" sz="3600" dirty="0" smtClean="0">
+                  <a:solidFill>
+                    <a:srgbClr val="282828"/>
+                  </a:solidFill>
+                  <a:latin typeface="SauceCodePro Nerd Font" panose="020B0509030403020204" pitchFamily="49" charset="0"/>
+                </a:rPr>
+                <a:t>Position</a:t>
+              </a:r>
+            </a:p>
+            <a:p>
+              <a:pPr algn="ctr"/>
+              <a:r>
+                <a:rPr lang="en-US" altLang="zh-TW" sz="3600" dirty="0" smtClean="0">
+                  <a:solidFill>
+                    <a:srgbClr val="282828"/>
+                  </a:solidFill>
+                  <a:latin typeface="SauceCodePro Nerd Font" panose="020B0509030403020204" pitchFamily="49" charset="0"/>
+                </a:rPr>
+                <a:t>Encoding</a:t>
+              </a:r>
+            </a:p>
+            <a:p>
+              <a:pPr algn="ctr"/>
+              <a:r>
+                <a:rPr lang="en-US" altLang="zh-TW" sz="3600" dirty="0" smtClean="0">
+                  <a:solidFill>
+                    <a:srgbClr val="282828"/>
+                  </a:solidFill>
+                  <a:latin typeface="SauceCodePro Nerd Font" panose="020B0509030403020204" pitchFamily="49" charset="0"/>
+                </a:rPr>
+                <a:t>(Query)</a:t>
+              </a:r>
+              <a:endParaRPr lang="zh-TW" altLang="en-US" sz="3600" dirty="0">
+                <a:solidFill>
+                  <a:srgbClr val="282828"/>
+                </a:solidFill>
+                <a:latin typeface="SauceCodePro Nerd Font" panose="020B0509030403020204" pitchFamily="49" charset="0"/>
+              </a:endParaRPr>
+            </a:p>
+          </p:txBody>
+        </p:sp>
+        <p:sp>
+          <p:nvSpPr>
+            <p:cNvPr id="213" name="立方體 212"/>
+            <p:cNvSpPr/>
+            <p:nvPr/>
+          </p:nvSpPr>
+          <p:spPr>
+            <a:xfrm>
+              <a:off x="4694156" y="11231743"/>
+              <a:ext cx="2485921" cy="2485921"/>
+            </a:xfrm>
+            <a:prstGeom prst="cube">
+              <a:avLst>
+                <a:gd name="adj" fmla="val 22829"/>
+              </a:avLst>
+            </a:prstGeom>
+            <a:solidFill>
+              <a:srgbClr val="92D050"/>
+            </a:solidFill>
+            <a:ln w="38100">
+              <a:noFill/>
+            </a:ln>
+          </p:spPr>
+          <p:style>
+            <a:lnRef idx="2">
+              <a:schemeClr val="accent1">
+                <a:shade val="50000"/>
+              </a:schemeClr>
+            </a:lnRef>
+            <a:fillRef idx="1">
+              <a:schemeClr val="accent1"/>
+            </a:fillRef>
+            <a:effectRef idx="0">
+              <a:schemeClr val="accent1"/>
+            </a:effectRef>
+            <a:fontRef idx="minor">
+              <a:schemeClr val="lt1"/>
+            </a:fontRef>
+          </p:style>
+          <p:txBody>
+            <a:bodyPr rtlCol="0" anchor="ctr"/>
+            <a:lstStyle/>
+            <a:p>
+              <a:pPr algn="ctr"/>
+              <a:endParaRPr lang="zh-TW" altLang="en-US"/>
+            </a:p>
+          </p:txBody>
+        </p:sp>
+        <p:sp>
+          <p:nvSpPr>
+            <p:cNvPr id="214" name="立方體 213"/>
+            <p:cNvSpPr/>
+            <p:nvPr/>
+          </p:nvSpPr>
+          <p:spPr>
+            <a:xfrm>
+              <a:off x="8116504" y="9815072"/>
+              <a:ext cx="821201" cy="821201"/>
+            </a:xfrm>
+            <a:prstGeom prst="cube">
+              <a:avLst>
+                <a:gd name="adj" fmla="val 69688"/>
+              </a:avLst>
+            </a:prstGeom>
+            <a:solidFill>
+              <a:srgbClr val="92D050"/>
+            </a:solidFill>
+            <a:ln w="38100">
+              <a:noFill/>
+            </a:ln>
+          </p:spPr>
+          <p:style>
+            <a:lnRef idx="2">
+              <a:schemeClr val="accent1">
+                <a:shade val="50000"/>
+              </a:schemeClr>
+            </a:lnRef>
+            <a:fillRef idx="1">
+              <a:schemeClr val="accent1"/>
+            </a:fillRef>
+            <a:effectRef idx="0">
+              <a:schemeClr val="accent1"/>
+            </a:effectRef>
+            <a:fontRef idx="minor">
+              <a:schemeClr val="lt1"/>
+            </a:fontRef>
+          </p:style>
+          <p:txBody>
+            <a:bodyPr rtlCol="0" anchor="ctr"/>
+            <a:lstStyle/>
+            <a:p>
+              <a:pPr algn="ctr"/>
+              <a:endParaRPr lang="zh-TW" altLang="en-US"/>
+            </a:p>
+          </p:txBody>
+        </p:sp>
+        <p:sp>
+          <p:nvSpPr>
+            <p:cNvPr id="215" name="立方體 214"/>
+            <p:cNvSpPr/>
+            <p:nvPr/>
+          </p:nvSpPr>
+          <p:spPr>
+            <a:xfrm>
+              <a:off x="8496003" y="9815076"/>
+              <a:ext cx="821201" cy="821201"/>
+            </a:xfrm>
+            <a:prstGeom prst="cube">
+              <a:avLst>
+                <a:gd name="adj" fmla="val 69688"/>
+              </a:avLst>
+            </a:prstGeom>
+            <a:solidFill>
+              <a:srgbClr val="92D050"/>
+            </a:solidFill>
+            <a:ln w="38100">
+              <a:noFill/>
+            </a:ln>
+          </p:spPr>
+          <p:style>
+            <a:lnRef idx="2">
+              <a:schemeClr val="accent1">
+                <a:shade val="50000"/>
+              </a:schemeClr>
+            </a:lnRef>
+            <a:fillRef idx="1">
+              <a:schemeClr val="accent1"/>
+            </a:fillRef>
+            <a:effectRef idx="0">
+              <a:schemeClr val="accent1"/>
+            </a:effectRef>
+            <a:fontRef idx="minor">
+              <a:schemeClr val="lt1"/>
+            </a:fontRef>
+          </p:style>
+          <p:txBody>
+            <a:bodyPr rtlCol="0" anchor="ctr"/>
+            <a:lstStyle/>
+            <a:p>
+              <a:pPr algn="ctr"/>
+              <a:endParaRPr lang="zh-TW" altLang="en-US"/>
+            </a:p>
+          </p:txBody>
+        </p:sp>
+        <p:sp>
+          <p:nvSpPr>
+            <p:cNvPr id="216" name="立方體 215"/>
+            <p:cNvSpPr/>
+            <p:nvPr/>
+          </p:nvSpPr>
+          <p:spPr>
+            <a:xfrm>
+              <a:off x="8875502" y="9815075"/>
+              <a:ext cx="821201" cy="821201"/>
+            </a:xfrm>
+            <a:prstGeom prst="cube">
+              <a:avLst>
+                <a:gd name="adj" fmla="val 69688"/>
+              </a:avLst>
+            </a:prstGeom>
+            <a:solidFill>
+              <a:srgbClr val="92D050"/>
+            </a:solidFill>
+            <a:ln w="38100">
+              <a:noFill/>
+            </a:ln>
+          </p:spPr>
+          <p:style>
+            <a:lnRef idx="2">
+              <a:schemeClr val="accent1">
+                <a:shade val="50000"/>
+              </a:schemeClr>
+            </a:lnRef>
+            <a:fillRef idx="1">
+              <a:schemeClr val="accent1"/>
+            </a:fillRef>
+            <a:effectRef idx="0">
+              <a:schemeClr val="accent1"/>
+            </a:effectRef>
+            <a:fontRef idx="minor">
+              <a:schemeClr val="lt1"/>
+            </a:fontRef>
+          </p:style>
+          <p:txBody>
+            <a:bodyPr rtlCol="0" anchor="ctr"/>
+            <a:lstStyle/>
+            <a:p>
+              <a:pPr algn="ctr"/>
+              <a:endParaRPr lang="zh-TW" altLang="en-US"/>
+            </a:p>
+          </p:txBody>
+        </p:sp>
+        <p:sp>
+          <p:nvSpPr>
+            <p:cNvPr id="217" name="圓角矩形 216"/>
+            <p:cNvSpPr/>
+            <p:nvPr/>
+          </p:nvSpPr>
+          <p:spPr>
+            <a:xfrm>
+              <a:off x="9462626" y="9976384"/>
+              <a:ext cx="993075" cy="498581"/>
+            </a:xfrm>
+            <a:prstGeom prst="roundRect">
+              <a:avLst>
+                <a:gd name="adj" fmla="val 12899"/>
+              </a:avLst>
+            </a:prstGeom>
+            <a:noFill/>
+            <a:ln w="31750">
+              <a:noFill/>
+            </a:ln>
+          </p:spPr>
+          <p:style>
+            <a:lnRef idx="2">
+              <a:schemeClr val="accent1">
+                <a:shade val="50000"/>
+              </a:schemeClr>
+            </a:lnRef>
+            <a:fillRef idx="1">
+              <a:schemeClr val="accent1"/>
+            </a:fillRef>
+            <a:effectRef idx="0">
+              <a:schemeClr val="accent1"/>
+            </a:effectRef>
+            <a:fontRef idx="minor">
+              <a:schemeClr val="lt1"/>
+            </a:fontRef>
+          </p:style>
+          <p:txBody>
+            <a:bodyPr rtlCol="0" anchor="ctr"/>
+            <a:lstStyle/>
+            <a:p>
+              <a:pPr algn="ctr"/>
+              <a:r>
+                <a:rPr lang="en-US" altLang="zh-TW" sz="3600" dirty="0" smtClean="0">
+                  <a:solidFill>
+                    <a:srgbClr val="282828"/>
+                  </a:solidFill>
+                  <a:latin typeface="SauceCodePro Nerd Font" panose="020B0509030403020204" pitchFamily="49" charset="0"/>
+                </a:rPr>
+                <a:t>...</a:t>
+              </a:r>
+              <a:endParaRPr lang="zh-TW" altLang="en-US" sz="3600" dirty="0">
+                <a:solidFill>
+                  <a:srgbClr val="282828"/>
+                </a:solidFill>
+                <a:latin typeface="SauceCodePro Nerd Font" panose="020B0509030403020204" pitchFamily="49" charset="0"/>
+              </a:endParaRPr>
+            </a:p>
+          </p:txBody>
+        </p:sp>
+        <p:sp>
+          <p:nvSpPr>
+            <p:cNvPr id="218" name="立方體 217"/>
+            <p:cNvSpPr/>
+            <p:nvPr/>
+          </p:nvSpPr>
+          <p:spPr>
+            <a:xfrm>
+              <a:off x="10371714" y="9815073"/>
+              <a:ext cx="821201" cy="821201"/>
+            </a:xfrm>
+            <a:prstGeom prst="cube">
+              <a:avLst>
+                <a:gd name="adj" fmla="val 69688"/>
+              </a:avLst>
+            </a:prstGeom>
+            <a:solidFill>
+              <a:srgbClr val="92D050"/>
+            </a:solidFill>
+            <a:ln w="38100">
+              <a:noFill/>
+            </a:ln>
+          </p:spPr>
+          <p:style>
+            <a:lnRef idx="2">
+              <a:schemeClr val="accent1">
+                <a:shade val="50000"/>
+              </a:schemeClr>
+            </a:lnRef>
+            <a:fillRef idx="1">
+              <a:schemeClr val="accent1"/>
+            </a:fillRef>
+            <a:effectRef idx="0">
+              <a:schemeClr val="accent1"/>
+            </a:effectRef>
+            <a:fontRef idx="minor">
+              <a:schemeClr val="lt1"/>
+            </a:fontRef>
+          </p:style>
+          <p:txBody>
+            <a:bodyPr rtlCol="0" anchor="ctr"/>
+            <a:lstStyle/>
+            <a:p>
+              <a:pPr algn="ctr"/>
+              <a:endParaRPr lang="zh-TW" altLang="en-US"/>
+            </a:p>
+          </p:txBody>
+        </p:sp>
+        <p:cxnSp>
+          <p:nvCxnSpPr>
+            <p:cNvPr id="229" name="直線單箭頭接點 5"/>
+            <p:cNvCxnSpPr>
+              <a:stCxn id="213" idx="4"/>
+              <a:endCxn id="214" idx="2"/>
+            </p:cNvCxnSpPr>
+            <p:nvPr/>
+          </p:nvCxnSpPr>
+          <p:spPr>
+            <a:xfrm flipV="1">
+              <a:off x="6612566" y="10511812"/>
+              <a:ext cx="1503938" cy="2246647"/>
+            </a:xfrm>
+            <a:prstGeom prst="curvedConnector3">
+              <a:avLst>
+                <a:gd name="adj1" fmla="val 50000"/>
+              </a:avLst>
+            </a:prstGeom>
+            <a:ln w="57150">
+              <a:solidFill>
+                <a:schemeClr val="tx1"/>
+              </a:solidFill>
+              <a:tailEnd type="triangle" w="lg" len="lg"/>
+            </a:ln>
+          </p:spPr>
+          <p:style>
+            <a:lnRef idx="1">
+              <a:schemeClr val="accent1"/>
+            </a:lnRef>
+            <a:fillRef idx="0">
+              <a:schemeClr val="accent1"/>
+            </a:fillRef>
+            <a:effectRef idx="0">
+              <a:schemeClr val="accent1"/>
+            </a:effectRef>
+            <a:fontRef idx="minor">
+              <a:schemeClr val="tx1"/>
+            </a:fontRef>
+          </p:style>
+        </p:cxnSp>
+        <p:sp>
+          <p:nvSpPr>
+            <p:cNvPr id="54" name="立方體 53"/>
+            <p:cNvSpPr/>
+            <p:nvPr/>
+          </p:nvSpPr>
+          <p:spPr>
+            <a:xfrm>
+              <a:off x="4694156" y="4680784"/>
+              <a:ext cx="2485921" cy="2485921"/>
+            </a:xfrm>
+            <a:prstGeom prst="cube">
+              <a:avLst>
+                <a:gd name="adj" fmla="val 22829"/>
+              </a:avLst>
+            </a:prstGeom>
+            <a:solidFill>
+              <a:srgbClr val="21C5FF"/>
+            </a:solidFill>
+            <a:ln w="38100">
+              <a:noFill/>
+            </a:ln>
+          </p:spPr>
+          <p:style>
+            <a:lnRef idx="2">
+              <a:schemeClr val="accent1">
+                <a:shade val="50000"/>
+              </a:schemeClr>
+            </a:lnRef>
+            <a:fillRef idx="1">
+              <a:schemeClr val="accent1"/>
+            </a:fillRef>
+            <a:effectRef idx="0">
+              <a:schemeClr val="accent1"/>
+            </a:effectRef>
+            <a:fontRef idx="minor">
+              <a:schemeClr val="lt1"/>
+            </a:fontRef>
+          </p:style>
+          <p:txBody>
+            <a:bodyPr rtlCol="0" anchor="ctr"/>
+            <a:lstStyle/>
+            <a:p>
+              <a:pPr algn="ctr"/>
+              <a:endParaRPr lang="zh-TW" altLang="en-US"/>
+            </a:p>
+          </p:txBody>
+        </p:sp>
+        <p:sp>
+          <p:nvSpPr>
+            <p:cNvPr id="32" name="立方體 31"/>
+            <p:cNvSpPr/>
+            <p:nvPr/>
+          </p:nvSpPr>
+          <p:spPr>
+            <a:xfrm>
+              <a:off x="8116504" y="7636311"/>
+              <a:ext cx="821201" cy="821201"/>
+            </a:xfrm>
+            <a:prstGeom prst="cube">
+              <a:avLst>
+                <a:gd name="adj" fmla="val 69688"/>
+              </a:avLst>
+            </a:prstGeom>
+            <a:solidFill>
+              <a:srgbClr val="21C5FF"/>
+            </a:solidFill>
+            <a:ln w="38100">
+              <a:noFill/>
+            </a:ln>
+          </p:spPr>
+          <p:style>
+            <a:lnRef idx="2">
+              <a:schemeClr val="accent1">
+                <a:shade val="50000"/>
+              </a:schemeClr>
+            </a:lnRef>
+            <a:fillRef idx="1">
+              <a:schemeClr val="accent1"/>
+            </a:fillRef>
+            <a:effectRef idx="0">
+              <a:schemeClr val="accent1"/>
+            </a:effectRef>
+            <a:fontRef idx="minor">
+              <a:schemeClr val="lt1"/>
+            </a:fontRef>
+          </p:style>
+          <p:txBody>
+            <a:bodyPr rtlCol="0" anchor="ctr"/>
+            <a:lstStyle/>
+            <a:p>
+              <a:pPr algn="ctr"/>
+              <a:endParaRPr lang="zh-TW" altLang="en-US"/>
+            </a:p>
+          </p:txBody>
+        </p:sp>
+        <p:sp>
+          <p:nvSpPr>
+            <p:cNvPr id="33" name="立方體 32"/>
+            <p:cNvSpPr/>
+            <p:nvPr/>
+          </p:nvSpPr>
+          <p:spPr>
+            <a:xfrm>
+              <a:off x="8496003" y="7636315"/>
+              <a:ext cx="821201" cy="821201"/>
+            </a:xfrm>
+            <a:prstGeom prst="cube">
+              <a:avLst>
+                <a:gd name="adj" fmla="val 69688"/>
+              </a:avLst>
+            </a:prstGeom>
+            <a:solidFill>
+              <a:srgbClr val="21C5FF"/>
+            </a:solidFill>
+            <a:ln w="38100">
+              <a:noFill/>
+            </a:ln>
+          </p:spPr>
+          <p:style>
+            <a:lnRef idx="2">
+              <a:schemeClr val="accent1">
+                <a:shade val="50000"/>
+              </a:schemeClr>
+            </a:lnRef>
+            <a:fillRef idx="1">
+              <a:schemeClr val="accent1"/>
+            </a:fillRef>
+            <a:effectRef idx="0">
+              <a:schemeClr val="accent1"/>
+            </a:effectRef>
+            <a:fontRef idx="minor">
+              <a:schemeClr val="lt1"/>
+            </a:fontRef>
+          </p:style>
+          <p:txBody>
+            <a:bodyPr rtlCol="0" anchor="ctr"/>
+            <a:lstStyle/>
+            <a:p>
+              <a:pPr algn="ctr"/>
+              <a:endParaRPr lang="zh-TW" altLang="en-US"/>
+            </a:p>
+          </p:txBody>
+        </p:sp>
+        <p:sp>
+          <p:nvSpPr>
+            <p:cNvPr id="34" name="立方體 33"/>
+            <p:cNvSpPr/>
+            <p:nvPr/>
+          </p:nvSpPr>
+          <p:spPr>
+            <a:xfrm>
+              <a:off x="8875502" y="7636314"/>
+              <a:ext cx="821201" cy="821201"/>
+            </a:xfrm>
+            <a:prstGeom prst="cube">
+              <a:avLst>
+                <a:gd name="adj" fmla="val 69688"/>
+              </a:avLst>
+            </a:prstGeom>
+            <a:solidFill>
+              <a:srgbClr val="21C5FF"/>
+            </a:solidFill>
+            <a:ln w="38100">
+              <a:noFill/>
+            </a:ln>
+          </p:spPr>
+          <p:style>
+            <a:lnRef idx="2">
+              <a:schemeClr val="accent1">
+                <a:shade val="50000"/>
+              </a:schemeClr>
+            </a:lnRef>
+            <a:fillRef idx="1">
+              <a:schemeClr val="accent1"/>
+            </a:fillRef>
+            <a:effectRef idx="0">
+              <a:schemeClr val="accent1"/>
+            </a:effectRef>
+            <a:fontRef idx="minor">
+              <a:schemeClr val="lt1"/>
+            </a:fontRef>
+          </p:style>
+          <p:txBody>
+            <a:bodyPr rtlCol="0" anchor="ctr"/>
+            <a:lstStyle/>
+            <a:p>
+              <a:pPr algn="ctr"/>
+              <a:endParaRPr lang="zh-TW" altLang="en-US"/>
+            </a:p>
+          </p:txBody>
+        </p:sp>
+        <p:sp>
+          <p:nvSpPr>
+            <p:cNvPr id="37" name="立方體 36"/>
+            <p:cNvSpPr/>
+            <p:nvPr/>
+          </p:nvSpPr>
+          <p:spPr>
+            <a:xfrm>
+              <a:off x="10371714" y="7636312"/>
+              <a:ext cx="821201" cy="821201"/>
+            </a:xfrm>
+            <a:prstGeom prst="cube">
+              <a:avLst>
+                <a:gd name="adj" fmla="val 69688"/>
+              </a:avLst>
+            </a:prstGeom>
+            <a:solidFill>
+              <a:srgbClr val="21C5FF"/>
+            </a:solidFill>
+            <a:ln w="38100">
+              <a:noFill/>
+            </a:ln>
+          </p:spPr>
+          <p:style>
+            <a:lnRef idx="2">
+              <a:schemeClr val="accent1">
+                <a:shade val="50000"/>
+              </a:schemeClr>
+            </a:lnRef>
+            <a:fillRef idx="1">
+              <a:schemeClr val="accent1"/>
+            </a:fillRef>
+            <a:effectRef idx="0">
+              <a:schemeClr val="accent1"/>
+            </a:effectRef>
+            <a:fontRef idx="minor">
+              <a:schemeClr val="lt1"/>
+            </a:fontRef>
+          </p:style>
+          <p:txBody>
+            <a:bodyPr rtlCol="0" anchor="ctr"/>
+            <a:lstStyle/>
+            <a:p>
+              <a:pPr algn="ctr"/>
+              <a:endParaRPr lang="zh-TW" altLang="en-US"/>
+            </a:p>
+          </p:txBody>
+        </p:sp>
+        <p:sp>
+          <p:nvSpPr>
+            <p:cNvPr id="47" name="立方體 46"/>
+            <p:cNvSpPr/>
+            <p:nvPr/>
+          </p:nvSpPr>
+          <p:spPr>
+            <a:xfrm>
+              <a:off x="4694156" y="7812218"/>
+              <a:ext cx="2485921" cy="2485921"/>
+            </a:xfrm>
+            <a:prstGeom prst="cube">
+              <a:avLst>
+                <a:gd name="adj" fmla="val 22829"/>
+              </a:avLst>
+            </a:prstGeom>
+            <a:solidFill>
+              <a:srgbClr val="FF5B9D"/>
+            </a:solidFill>
+            <a:ln w="38100">
+              <a:noFill/>
+            </a:ln>
+          </p:spPr>
+          <p:style>
+            <a:lnRef idx="2">
+              <a:schemeClr val="accent1">
+                <a:shade val="50000"/>
+              </a:schemeClr>
+            </a:lnRef>
+            <a:fillRef idx="1">
+              <a:schemeClr val="accent1"/>
+            </a:fillRef>
+            <a:effectRef idx="0">
+              <a:schemeClr val="accent1"/>
+            </a:effectRef>
+            <a:fontRef idx="minor">
+              <a:schemeClr val="lt1"/>
+            </a:fontRef>
+          </p:style>
+          <p:txBody>
+            <a:bodyPr rtlCol="0" anchor="ctr"/>
+            <a:lstStyle/>
+            <a:p>
+              <a:pPr algn="ctr"/>
+              <a:endParaRPr lang="zh-TW" altLang="en-US"/>
+            </a:p>
+          </p:txBody>
+        </p:sp>
+        <p:sp>
+          <p:nvSpPr>
+            <p:cNvPr id="48" name="立方體 47"/>
+            <p:cNvSpPr/>
+            <p:nvPr/>
+          </p:nvSpPr>
+          <p:spPr>
+            <a:xfrm>
+              <a:off x="8116504" y="8644573"/>
+              <a:ext cx="821201" cy="821201"/>
+            </a:xfrm>
+            <a:prstGeom prst="cube">
+              <a:avLst>
+                <a:gd name="adj" fmla="val 69688"/>
+              </a:avLst>
+            </a:prstGeom>
+            <a:solidFill>
+              <a:srgbClr val="FF5B9D"/>
+            </a:solidFill>
+            <a:ln w="38100">
+              <a:noFill/>
+            </a:ln>
+          </p:spPr>
+          <p:style>
+            <a:lnRef idx="2">
+              <a:schemeClr val="accent1">
+                <a:shade val="50000"/>
+              </a:schemeClr>
+            </a:lnRef>
+            <a:fillRef idx="1">
+              <a:schemeClr val="accent1"/>
+            </a:fillRef>
+            <a:effectRef idx="0">
+              <a:schemeClr val="accent1"/>
+            </a:effectRef>
+            <a:fontRef idx="minor">
+              <a:schemeClr val="lt1"/>
+            </a:fontRef>
+          </p:style>
+          <p:txBody>
+            <a:bodyPr rtlCol="0" anchor="ctr"/>
+            <a:lstStyle/>
+            <a:p>
+              <a:pPr algn="ctr"/>
+              <a:endParaRPr lang="zh-TW" altLang="en-US"/>
+            </a:p>
+          </p:txBody>
+        </p:sp>
+        <p:sp>
+          <p:nvSpPr>
+            <p:cNvPr id="49" name="立方體 48"/>
+            <p:cNvSpPr/>
+            <p:nvPr/>
+          </p:nvSpPr>
+          <p:spPr>
+            <a:xfrm>
+              <a:off x="8496003" y="8644577"/>
+              <a:ext cx="821201" cy="821201"/>
+            </a:xfrm>
+            <a:prstGeom prst="cube">
+              <a:avLst>
+                <a:gd name="adj" fmla="val 69688"/>
+              </a:avLst>
+            </a:prstGeom>
+            <a:solidFill>
+              <a:srgbClr val="FF5B9D"/>
+            </a:solidFill>
+            <a:ln w="38100">
+              <a:noFill/>
+            </a:ln>
+          </p:spPr>
+          <p:style>
+            <a:lnRef idx="2">
+              <a:schemeClr val="accent1">
+                <a:shade val="50000"/>
+              </a:schemeClr>
+            </a:lnRef>
+            <a:fillRef idx="1">
+              <a:schemeClr val="accent1"/>
+            </a:fillRef>
+            <a:effectRef idx="0">
+              <a:schemeClr val="accent1"/>
+            </a:effectRef>
+            <a:fontRef idx="minor">
+              <a:schemeClr val="lt1"/>
+            </a:fontRef>
+          </p:style>
+          <p:txBody>
+            <a:bodyPr rtlCol="0" anchor="ctr"/>
+            <a:lstStyle/>
+            <a:p>
+              <a:pPr algn="ctr"/>
+              <a:endParaRPr lang="zh-TW" altLang="en-US"/>
+            </a:p>
+          </p:txBody>
+        </p:sp>
+        <p:sp>
+          <p:nvSpPr>
+            <p:cNvPr id="50" name="立方體 49"/>
+            <p:cNvSpPr/>
+            <p:nvPr/>
+          </p:nvSpPr>
+          <p:spPr>
+            <a:xfrm>
+              <a:off x="8875502" y="8644576"/>
+              <a:ext cx="821201" cy="821201"/>
+            </a:xfrm>
+            <a:prstGeom prst="cube">
+              <a:avLst>
+                <a:gd name="adj" fmla="val 69688"/>
+              </a:avLst>
+            </a:prstGeom>
+            <a:solidFill>
+              <a:srgbClr val="FF5B9D"/>
+            </a:solidFill>
+            <a:ln w="38100">
+              <a:noFill/>
+            </a:ln>
+          </p:spPr>
+          <p:style>
+            <a:lnRef idx="2">
+              <a:schemeClr val="accent1">
+                <a:shade val="50000"/>
+              </a:schemeClr>
+            </a:lnRef>
+            <a:fillRef idx="1">
+              <a:schemeClr val="accent1"/>
+            </a:fillRef>
+            <a:effectRef idx="0">
+              <a:schemeClr val="accent1"/>
+            </a:effectRef>
+            <a:fontRef idx="minor">
+              <a:schemeClr val="lt1"/>
+            </a:fontRef>
+          </p:style>
+          <p:txBody>
+            <a:bodyPr rtlCol="0" anchor="ctr"/>
+            <a:lstStyle/>
+            <a:p>
+              <a:pPr algn="ctr"/>
+              <a:endParaRPr lang="zh-TW" altLang="en-US"/>
+            </a:p>
+          </p:txBody>
+        </p:sp>
+        <p:sp>
+          <p:nvSpPr>
+            <p:cNvPr id="51" name="圓角矩形 50"/>
+            <p:cNvSpPr/>
+            <p:nvPr/>
+          </p:nvSpPr>
+          <p:spPr>
+            <a:xfrm>
+              <a:off x="10707008" y="6461048"/>
+              <a:ext cx="993075" cy="498581"/>
+            </a:xfrm>
+            <a:prstGeom prst="roundRect">
+              <a:avLst>
+                <a:gd name="adj" fmla="val 12899"/>
+              </a:avLst>
+            </a:prstGeom>
+            <a:noFill/>
+            <a:ln w="31750">
+              <a:noFill/>
+            </a:ln>
+          </p:spPr>
+          <p:style>
+            <a:lnRef idx="2">
+              <a:schemeClr val="accent1">
+                <a:shade val="50000"/>
+              </a:schemeClr>
+            </a:lnRef>
+            <a:fillRef idx="1">
+              <a:schemeClr val="accent1"/>
+            </a:fillRef>
+            <a:effectRef idx="0">
+              <a:schemeClr val="accent1"/>
+            </a:effectRef>
+            <a:fontRef idx="minor">
+              <a:schemeClr val="lt1"/>
+            </a:fontRef>
+          </p:style>
+          <p:txBody>
+            <a:bodyPr rtlCol="0" anchor="ctr"/>
+            <a:lstStyle/>
+            <a:p>
+              <a:pPr algn="ctr"/>
+              <a:r>
+                <a:rPr lang="en-US" altLang="zh-TW" sz="3600" dirty="0" smtClean="0">
+                  <a:solidFill>
+                    <a:srgbClr val="282828"/>
+                  </a:solidFill>
+                  <a:latin typeface="SauceCodePro Nerd Font" panose="020B0509030403020204" pitchFamily="49" charset="0"/>
+                </a:rPr>
+                <a:t>...</a:t>
+              </a:r>
+              <a:endParaRPr lang="zh-TW" altLang="en-US" sz="3600" dirty="0">
+                <a:solidFill>
+                  <a:srgbClr val="282828"/>
+                </a:solidFill>
+                <a:latin typeface="SauceCodePro Nerd Font" panose="020B0509030403020204" pitchFamily="49" charset="0"/>
+              </a:endParaRPr>
+            </a:p>
+          </p:txBody>
+        </p:sp>
+        <p:sp>
+          <p:nvSpPr>
+            <p:cNvPr id="52" name="立方體 51"/>
+            <p:cNvSpPr/>
+            <p:nvPr/>
+          </p:nvSpPr>
+          <p:spPr>
+            <a:xfrm>
+              <a:off x="10371714" y="8644574"/>
+              <a:ext cx="821201" cy="821201"/>
+            </a:xfrm>
+            <a:prstGeom prst="cube">
+              <a:avLst>
+                <a:gd name="adj" fmla="val 69688"/>
+              </a:avLst>
+            </a:prstGeom>
+            <a:solidFill>
+              <a:srgbClr val="FF5B9D"/>
+            </a:solidFill>
+            <a:ln w="38100">
+              <a:noFill/>
+            </a:ln>
+          </p:spPr>
+          <p:style>
+            <a:lnRef idx="2">
+              <a:schemeClr val="accent1">
+                <a:shade val="50000"/>
+              </a:schemeClr>
+            </a:lnRef>
+            <a:fillRef idx="1">
+              <a:schemeClr val="accent1"/>
+            </a:fillRef>
+            <a:effectRef idx="0">
+              <a:schemeClr val="accent1"/>
+            </a:effectRef>
+            <a:fontRef idx="minor">
+              <a:schemeClr val="lt1"/>
+            </a:fontRef>
+          </p:style>
+          <p:txBody>
+            <a:bodyPr rtlCol="0" anchor="ctr"/>
+            <a:lstStyle/>
+            <a:p>
+              <a:pPr algn="ctr"/>
+              <a:endParaRPr lang="zh-TW" altLang="en-US"/>
+            </a:p>
+          </p:txBody>
+        </p:sp>
+        <p:cxnSp>
+          <p:nvCxnSpPr>
+            <p:cNvPr id="66" name="直線單箭頭接點 5"/>
+            <p:cNvCxnSpPr>
+              <a:stCxn id="52" idx="1"/>
+              <a:endCxn id="37" idx="3"/>
+            </p:cNvCxnSpPr>
+            <p:nvPr/>
+          </p:nvCxnSpPr>
+          <p:spPr>
+            <a:xfrm flipV="1">
+              <a:off x="10496175" y="8457513"/>
+              <a:ext cx="0" cy="759340"/>
+            </a:xfrm>
+            <a:prstGeom prst="straightConnector1">
+              <a:avLst/>
+            </a:prstGeom>
+            <a:ln w="44450">
+              <a:gradFill>
+                <a:gsLst>
+                  <a:gs pos="0">
+                    <a:srgbClr val="A20042"/>
+                  </a:gs>
+                  <a:gs pos="100000">
+                    <a:schemeClr val="accent5"/>
+                  </a:gs>
+                </a:gsLst>
+                <a:lin ang="5400000" scaled="1"/>
+              </a:gradFill>
+              <a:prstDash val="lgDash"/>
+              <a:headEnd type="diamond"/>
+              <a:tailEnd type="diamond" w="med" len="med"/>
+            </a:ln>
+          </p:spPr>
+          <p:style>
+            <a:lnRef idx="1">
+              <a:schemeClr val="accent1"/>
+            </a:lnRef>
+            <a:fillRef idx="0">
+              <a:schemeClr val="accent1"/>
+            </a:fillRef>
+            <a:effectRef idx="0">
+              <a:schemeClr val="accent1"/>
+            </a:effectRef>
+            <a:fontRef idx="minor">
+              <a:schemeClr val="tx1"/>
+            </a:fontRef>
+          </p:style>
+        </p:cxnSp>
+        <p:cxnSp>
+          <p:nvCxnSpPr>
+            <p:cNvPr id="69" name="直線單箭頭接點 5"/>
+            <p:cNvCxnSpPr>
+              <a:stCxn id="50" idx="1"/>
+              <a:endCxn id="34" idx="3"/>
+            </p:cNvCxnSpPr>
+            <p:nvPr/>
+          </p:nvCxnSpPr>
+          <p:spPr>
+            <a:xfrm flipV="1">
+              <a:off x="8999963" y="8457515"/>
+              <a:ext cx="0" cy="759340"/>
+            </a:xfrm>
+            <a:prstGeom prst="straightConnector1">
+              <a:avLst/>
+            </a:prstGeom>
+            <a:ln w="44450">
+              <a:gradFill>
+                <a:gsLst>
+                  <a:gs pos="0">
+                    <a:srgbClr val="A20042"/>
+                  </a:gs>
+                  <a:gs pos="100000">
+                    <a:schemeClr val="accent5"/>
+                  </a:gs>
+                </a:gsLst>
+                <a:lin ang="5400000" scaled="1"/>
+              </a:gradFill>
+              <a:prstDash val="lgDash"/>
+              <a:headEnd type="diamond"/>
+              <a:tailEnd type="diamond" w="med" len="med"/>
+            </a:ln>
+          </p:spPr>
+          <p:style>
+            <a:lnRef idx="1">
+              <a:schemeClr val="accent1"/>
+            </a:lnRef>
+            <a:fillRef idx="0">
+              <a:schemeClr val="accent1"/>
+            </a:fillRef>
+            <a:effectRef idx="0">
+              <a:schemeClr val="accent1"/>
+            </a:effectRef>
+            <a:fontRef idx="minor">
+              <a:schemeClr val="tx1"/>
+            </a:fontRef>
+          </p:style>
+        </p:cxnSp>
+        <p:cxnSp>
+          <p:nvCxnSpPr>
+            <p:cNvPr id="71" name="直線單箭頭接點 5"/>
+            <p:cNvCxnSpPr>
+              <a:stCxn id="49" idx="1"/>
+              <a:endCxn id="33" idx="3"/>
+            </p:cNvCxnSpPr>
+            <p:nvPr/>
+          </p:nvCxnSpPr>
+          <p:spPr>
+            <a:xfrm flipV="1">
+              <a:off x="8620464" y="8457516"/>
+              <a:ext cx="0" cy="759340"/>
+            </a:xfrm>
+            <a:prstGeom prst="straightConnector1">
+              <a:avLst/>
+            </a:prstGeom>
+            <a:ln w="44450">
+              <a:gradFill>
+                <a:gsLst>
+                  <a:gs pos="0">
+                    <a:srgbClr val="A20042"/>
+                  </a:gs>
+                  <a:gs pos="100000">
+                    <a:schemeClr val="accent5"/>
+                  </a:gs>
+                </a:gsLst>
+                <a:lin ang="5400000" scaled="1"/>
+              </a:gradFill>
+              <a:prstDash val="lgDash"/>
+              <a:headEnd type="diamond"/>
+              <a:tailEnd type="diamond" w="med" len="med"/>
+            </a:ln>
+          </p:spPr>
+          <p:style>
+            <a:lnRef idx="1">
+              <a:schemeClr val="accent1"/>
+            </a:lnRef>
+            <a:fillRef idx="0">
+              <a:schemeClr val="accent1"/>
+            </a:fillRef>
+            <a:effectRef idx="0">
+              <a:schemeClr val="accent1"/>
+            </a:effectRef>
+            <a:fontRef idx="minor">
+              <a:schemeClr val="tx1"/>
+            </a:fontRef>
+          </p:style>
+        </p:cxnSp>
+        <p:cxnSp>
+          <p:nvCxnSpPr>
+            <p:cNvPr id="74" name="直線單箭頭接點 5"/>
+            <p:cNvCxnSpPr>
+              <a:stCxn id="48" idx="1"/>
+              <a:endCxn id="32" idx="3"/>
+            </p:cNvCxnSpPr>
+            <p:nvPr/>
+          </p:nvCxnSpPr>
+          <p:spPr>
+            <a:xfrm flipV="1">
+              <a:off x="8240965" y="8457512"/>
+              <a:ext cx="0" cy="759340"/>
+            </a:xfrm>
+            <a:prstGeom prst="straightConnector1">
+              <a:avLst/>
+            </a:prstGeom>
+            <a:ln w="44450">
+              <a:gradFill>
+                <a:gsLst>
+                  <a:gs pos="0">
+                    <a:srgbClr val="A20042"/>
+                  </a:gs>
+                  <a:gs pos="100000">
+                    <a:schemeClr val="accent5"/>
+                  </a:gs>
+                </a:gsLst>
+                <a:lin ang="5400000" scaled="1"/>
+              </a:gradFill>
+              <a:prstDash val="lgDash"/>
+              <a:headEnd type="diamond"/>
+              <a:tailEnd type="diamond" w="med" len="med"/>
+            </a:ln>
+          </p:spPr>
+          <p:style>
+            <a:lnRef idx="1">
+              <a:schemeClr val="accent1"/>
+            </a:lnRef>
+            <a:fillRef idx="0">
+              <a:schemeClr val="accent1"/>
+            </a:fillRef>
+            <a:effectRef idx="0">
+              <a:schemeClr val="accent1"/>
+            </a:effectRef>
+            <a:fontRef idx="minor">
+              <a:schemeClr val="tx1"/>
+            </a:fontRef>
+          </p:style>
+        </p:cxnSp>
+        <p:cxnSp>
+          <p:nvCxnSpPr>
+            <p:cNvPr id="225" name="直線單箭頭接點 5"/>
+            <p:cNvCxnSpPr>
+              <a:stCxn id="54" idx="4"/>
+              <a:endCxn id="32" idx="2"/>
+            </p:cNvCxnSpPr>
+            <p:nvPr/>
+          </p:nvCxnSpPr>
+          <p:spPr>
+            <a:xfrm>
+              <a:off x="6612566" y="6207500"/>
+              <a:ext cx="1503938" cy="2125551"/>
+            </a:xfrm>
+            <a:prstGeom prst="curvedConnector3">
+              <a:avLst>
+                <a:gd name="adj1" fmla="val 50000"/>
+              </a:avLst>
+            </a:prstGeom>
+            <a:ln w="38100">
+              <a:solidFill>
+                <a:schemeClr val="tx1"/>
+              </a:solidFill>
+              <a:tailEnd type="triangle" w="lg" len="lg"/>
+            </a:ln>
+          </p:spPr>
+          <p:style>
+            <a:lnRef idx="1">
+              <a:schemeClr val="accent1"/>
+            </a:lnRef>
+            <a:fillRef idx="0">
+              <a:schemeClr val="accent1"/>
+            </a:fillRef>
+            <a:effectRef idx="0">
+              <a:schemeClr val="accent1"/>
+            </a:effectRef>
+            <a:fontRef idx="minor">
+              <a:schemeClr val="tx1"/>
+            </a:fontRef>
+          </p:style>
+        </p:cxnSp>
+        <p:cxnSp>
+          <p:nvCxnSpPr>
+            <p:cNvPr id="232" name="直線單箭頭接點 5"/>
+            <p:cNvCxnSpPr>
+              <a:stCxn id="47" idx="4"/>
+              <a:endCxn id="48" idx="2"/>
+            </p:cNvCxnSpPr>
+            <p:nvPr/>
+          </p:nvCxnSpPr>
+          <p:spPr>
+            <a:xfrm>
+              <a:off x="6612566" y="9338934"/>
+              <a:ext cx="1503938" cy="2379"/>
+            </a:xfrm>
+            <a:prstGeom prst="straightConnector1">
+              <a:avLst/>
+            </a:prstGeom>
+            <a:ln w="38100">
+              <a:solidFill>
+                <a:schemeClr val="tx1"/>
+              </a:solidFill>
+              <a:tailEnd type="triangle" w="lg" len="lg"/>
+            </a:ln>
+          </p:spPr>
+          <p:style>
+            <a:lnRef idx="1">
+              <a:schemeClr val="accent1"/>
+            </a:lnRef>
+            <a:fillRef idx="0">
+              <a:schemeClr val="accent1"/>
+            </a:fillRef>
+            <a:effectRef idx="0">
+              <a:schemeClr val="accent1"/>
+            </a:effectRef>
+            <a:fontRef idx="minor">
+              <a:schemeClr val="tx1"/>
+            </a:fontRef>
+          </p:style>
+        </p:cxnSp>
+        <p:cxnSp>
+          <p:nvCxnSpPr>
+            <p:cNvPr id="241" name="直線單箭頭接點 5"/>
+            <p:cNvCxnSpPr>
+              <a:stCxn id="47" idx="1"/>
+              <a:endCxn id="54" idx="3"/>
+            </p:cNvCxnSpPr>
+            <p:nvPr/>
+          </p:nvCxnSpPr>
+          <p:spPr>
+            <a:xfrm flipV="1">
+              <a:off x="5653361" y="7166705"/>
+              <a:ext cx="0" cy="1213024"/>
+            </a:xfrm>
+            <a:prstGeom prst="straightConnector1">
+              <a:avLst/>
+            </a:prstGeom>
+            <a:ln w="44450">
+              <a:gradFill>
+                <a:gsLst>
+                  <a:gs pos="0">
+                    <a:srgbClr val="A20042"/>
+                  </a:gs>
+                  <a:gs pos="100000">
+                    <a:schemeClr val="accent5"/>
+                  </a:gs>
+                </a:gsLst>
+                <a:lin ang="5400000" scaled="1"/>
+              </a:gradFill>
+              <a:prstDash val="lgDash"/>
+              <a:headEnd type="diamond"/>
+              <a:tailEnd type="diamond" w="med" len="med"/>
+            </a:ln>
+          </p:spPr>
+          <p:style>
+            <a:lnRef idx="1">
+              <a:schemeClr val="accent1"/>
+            </a:lnRef>
+            <a:fillRef idx="0">
+              <a:schemeClr val="accent1"/>
+            </a:fillRef>
+            <a:effectRef idx="0">
+              <a:schemeClr val="accent1"/>
+            </a:effectRef>
+            <a:fontRef idx="minor">
+              <a:schemeClr val="tx1"/>
+            </a:fontRef>
+          </p:style>
+        </p:cxnSp>
+        <p:grpSp>
+          <p:nvGrpSpPr>
+            <p:cNvPr id="317" name="群組 316"/>
+            <p:cNvGrpSpPr/>
+            <p:nvPr/>
+          </p:nvGrpSpPr>
+          <p:grpSpPr>
+            <a:xfrm>
+              <a:off x="13113881" y="6628799"/>
+              <a:ext cx="2354782" cy="4416765"/>
+              <a:chOff x="13149003" y="6321765"/>
+              <a:chExt cx="2648799" cy="4968240"/>
+            </a:xfrm>
+          </p:grpSpPr>
+          <p:sp>
+            <p:nvSpPr>
+              <p:cNvPr id="254" name="圓角矩形 253"/>
+              <p:cNvSpPr/>
+              <p:nvPr/>
+            </p:nvSpPr>
+            <p:spPr>
+              <a:xfrm>
+                <a:off x="13689003" y="6321765"/>
+                <a:ext cx="2108799" cy="4968240"/>
+              </a:xfrm>
+              <a:prstGeom prst="roundRect">
+                <a:avLst/>
+              </a:prstGeom>
+              <a:solidFill>
+                <a:schemeClr val="accent4"/>
+              </a:solidFill>
+              <a:ln w="63500">
+                <a:solidFill>
+                  <a:schemeClr val="accent4"/>
+                </a:solidFill>
+              </a:ln>
+            </p:spPr>
+            <p:style>
+              <a:lnRef idx="2">
+                <a:schemeClr val="accent1">
+                  <a:shade val="50000"/>
+                </a:schemeClr>
+              </a:lnRef>
+              <a:fillRef idx="1">
+                <a:schemeClr val="accent1"/>
+              </a:fillRef>
+              <a:effectRef idx="0">
+                <a:schemeClr val="accent1"/>
+              </a:effectRef>
+              <a:fontRef idx="minor">
+                <a:schemeClr val="lt1"/>
+              </a:fontRef>
+            </p:style>
+            <p:txBody>
+              <a:bodyPr rtlCol="0" anchor="ctr"/>
+              <a:lstStyle/>
+              <a:p>
+                <a:pPr algn="ctr"/>
+                <a:endParaRPr lang="zh-TW" altLang="en-US" dirty="0">
+                  <a:latin typeface="SauceCodePro Nerd Font" panose="020B0509030403020204" pitchFamily="49" charset="0"/>
+                </a:endParaRPr>
+              </a:p>
+            </p:txBody>
+          </p:sp>
+          <p:sp>
+            <p:nvSpPr>
+              <p:cNvPr id="255" name="圓角矩形 254"/>
+              <p:cNvSpPr/>
+              <p:nvPr/>
+            </p:nvSpPr>
+            <p:spPr>
+              <a:xfrm>
+                <a:off x="13149003" y="9777945"/>
+                <a:ext cx="1080000" cy="1080000"/>
+              </a:xfrm>
+              <a:prstGeom prst="roundRect">
+                <a:avLst/>
+              </a:prstGeom>
+              <a:solidFill>
+                <a:schemeClr val="bg1"/>
+              </a:solidFill>
+              <a:ln w="63500">
+                <a:solidFill>
+                  <a:schemeClr val="accent4"/>
+                </a:solidFill>
+              </a:ln>
+            </p:spPr>
+            <p:style>
+              <a:lnRef idx="2">
+                <a:schemeClr val="accent1">
+                  <a:shade val="50000"/>
+                </a:schemeClr>
+              </a:lnRef>
+              <a:fillRef idx="1">
+                <a:schemeClr val="accent1"/>
+              </a:fillRef>
+              <a:effectRef idx="0">
+                <a:schemeClr val="accent1"/>
+              </a:effectRef>
+              <a:fontRef idx="minor">
+                <a:schemeClr val="lt1"/>
+              </a:fontRef>
+            </p:style>
+            <p:txBody>
+              <a:bodyPr rtlCol="0" anchor="ctr"/>
+              <a:lstStyle/>
+              <a:p>
+                <a:pPr algn="ctr"/>
+                <a:r>
+                  <a:rPr lang="en-US" altLang="zh-TW" dirty="0">
+                    <a:solidFill>
+                      <a:schemeClr val="tx1"/>
+                    </a:solidFill>
+                    <a:latin typeface="SauceCodePro Nerd Font" panose="020B0509030403020204" pitchFamily="49" charset="0"/>
+                    <a:ea typeface="SauceCodePro Nerd Font" panose="020B0509030403020204" pitchFamily="49" charset="0"/>
+                  </a:rPr>
+                  <a:t>V</a:t>
+                </a:r>
+                <a:endParaRPr lang="zh-TW" altLang="en-US" dirty="0">
+                  <a:solidFill>
+                    <a:schemeClr val="tx1"/>
+                  </a:solidFill>
+                  <a:latin typeface="SauceCodePro Nerd Font" panose="020B0509030403020204" pitchFamily="49" charset="0"/>
+                </a:endParaRPr>
+              </a:p>
+            </p:txBody>
+          </p:sp>
+          <p:sp>
+            <p:nvSpPr>
+              <p:cNvPr id="256" name="圓角矩形 255"/>
+              <p:cNvSpPr/>
+              <p:nvPr/>
+            </p:nvSpPr>
+            <p:spPr>
+              <a:xfrm>
+                <a:off x="13149003" y="8265885"/>
+                <a:ext cx="1080000" cy="1080000"/>
+              </a:xfrm>
+              <a:prstGeom prst="roundRect">
+                <a:avLst/>
+              </a:prstGeom>
+              <a:solidFill>
+                <a:schemeClr val="bg1"/>
+              </a:solidFill>
+              <a:ln w="63500">
+                <a:solidFill>
+                  <a:schemeClr val="accent4"/>
+                </a:solidFill>
+              </a:ln>
+            </p:spPr>
+            <p:style>
+              <a:lnRef idx="2">
+                <a:schemeClr val="accent1">
+                  <a:shade val="50000"/>
+                </a:schemeClr>
+              </a:lnRef>
+              <a:fillRef idx="1">
+                <a:schemeClr val="accent1"/>
+              </a:fillRef>
+              <a:effectRef idx="0">
+                <a:schemeClr val="accent1"/>
+              </a:effectRef>
+              <a:fontRef idx="minor">
+                <a:schemeClr val="lt1"/>
+              </a:fontRef>
+            </p:style>
+            <p:txBody>
+              <a:bodyPr rtlCol="0" anchor="ctr"/>
+              <a:lstStyle/>
+              <a:p>
+                <a:pPr algn="ctr"/>
+                <a:r>
+                  <a:rPr lang="en-US" altLang="zh-TW" dirty="0">
+                    <a:solidFill>
+                      <a:schemeClr val="tx1"/>
+                    </a:solidFill>
+                    <a:latin typeface="SauceCodePro Nerd Font" panose="020B0509030403020204" pitchFamily="49" charset="0"/>
+                    <a:ea typeface="SauceCodePro Nerd Font" panose="020B0509030403020204" pitchFamily="49" charset="0"/>
+                  </a:rPr>
+                  <a:t>K</a:t>
+                </a:r>
+                <a:endParaRPr lang="zh-TW" altLang="en-US" dirty="0">
+                  <a:solidFill>
+                    <a:schemeClr val="tx1"/>
+                  </a:solidFill>
+                  <a:latin typeface="SauceCodePro Nerd Font" panose="020B0509030403020204" pitchFamily="49" charset="0"/>
+                </a:endParaRPr>
+              </a:p>
+            </p:txBody>
+          </p:sp>
+          <p:sp>
+            <p:nvSpPr>
+              <p:cNvPr id="257" name="圓角矩形 256"/>
+              <p:cNvSpPr/>
+              <p:nvPr/>
+            </p:nvSpPr>
+            <p:spPr>
+              <a:xfrm>
+                <a:off x="13149003" y="6753825"/>
+                <a:ext cx="1080000" cy="1080000"/>
+              </a:xfrm>
+              <a:prstGeom prst="roundRect">
+                <a:avLst/>
+              </a:prstGeom>
+              <a:solidFill>
+                <a:schemeClr val="bg1"/>
+              </a:solidFill>
+              <a:ln w="63500">
+                <a:solidFill>
+                  <a:schemeClr val="accent4"/>
+                </a:solidFill>
+              </a:ln>
+            </p:spPr>
+            <p:style>
+              <a:lnRef idx="2">
+                <a:schemeClr val="accent1">
+                  <a:shade val="50000"/>
+                </a:schemeClr>
+              </a:lnRef>
+              <a:fillRef idx="1">
+                <a:schemeClr val="accent1"/>
+              </a:fillRef>
+              <a:effectRef idx="0">
+                <a:schemeClr val="accent1"/>
+              </a:effectRef>
+              <a:fontRef idx="minor">
+                <a:schemeClr val="lt1"/>
+              </a:fontRef>
+            </p:style>
+            <p:txBody>
+              <a:bodyPr rtlCol="0" anchor="ctr"/>
+              <a:lstStyle/>
+              <a:p>
+                <a:pPr algn="ctr"/>
+                <a:r>
+                  <a:rPr lang="en-US" altLang="zh-TW" dirty="0" smtClean="0">
+                    <a:solidFill>
+                      <a:schemeClr val="tx1"/>
+                    </a:solidFill>
+                    <a:latin typeface="SauceCodePro Nerd Font" panose="020B0509030403020204" pitchFamily="49" charset="0"/>
+                    <a:ea typeface="SauceCodePro Nerd Font" panose="020B0509030403020204" pitchFamily="49" charset="0"/>
+                  </a:rPr>
+                  <a:t>Q</a:t>
+                </a:r>
+                <a:endParaRPr lang="zh-TW" altLang="en-US" dirty="0">
+                  <a:solidFill>
+                    <a:schemeClr val="tx1"/>
+                  </a:solidFill>
+                  <a:latin typeface="SauceCodePro Nerd Font" panose="020B0509030403020204" pitchFamily="49" charset="0"/>
+                </a:endParaRPr>
+              </a:p>
+            </p:txBody>
+          </p:sp>
+          <p:sp>
+            <p:nvSpPr>
+              <p:cNvPr id="258" name="圓角矩形 257"/>
+              <p:cNvSpPr/>
+              <p:nvPr/>
+            </p:nvSpPr>
+            <p:spPr>
+              <a:xfrm rot="16200000">
+                <a:off x="12981375" y="8014912"/>
+                <a:ext cx="4077516" cy="1555337"/>
+              </a:xfrm>
+              <a:prstGeom prst="roundRect">
+                <a:avLst/>
+              </a:prstGeom>
+              <a:noFill/>
+              <a:ln w="63500">
+                <a:noFill/>
+              </a:ln>
+            </p:spPr>
+            <p:style>
+              <a:lnRef idx="2">
+                <a:schemeClr val="accent1">
+                  <a:shade val="50000"/>
+                </a:schemeClr>
+              </a:lnRef>
+              <a:fillRef idx="1">
+                <a:schemeClr val="accent1"/>
+              </a:fillRef>
+              <a:effectRef idx="0">
+                <a:schemeClr val="accent1"/>
+              </a:effectRef>
+              <a:fontRef idx="minor">
+                <a:schemeClr val="lt1"/>
+              </a:fontRef>
+            </p:style>
+            <p:txBody>
+              <a:bodyPr rtlCol="0" anchor="ctr"/>
+              <a:lstStyle/>
+              <a:p>
+                <a:pPr algn="ctr"/>
+                <a:r>
+                  <a:rPr lang="en-US" altLang="zh-TW" sz="3600" dirty="0" smtClean="0">
+                    <a:solidFill>
+                      <a:schemeClr val="tx1"/>
+                    </a:solidFill>
+                    <a:latin typeface="SauceCodePro Nerd Font" panose="020B0509030403020204" pitchFamily="49" charset="0"/>
+                    <a:ea typeface="SauceCodePro Nerd Font" panose="020B0509030403020204" pitchFamily="49" charset="0"/>
+                  </a:rPr>
+                  <a:t>Multi Head</a:t>
+                </a:r>
+              </a:p>
+              <a:p>
+                <a:pPr algn="ctr"/>
+                <a:r>
+                  <a:rPr lang="en-US" altLang="zh-TW" sz="3600" dirty="0" smtClean="0">
+                    <a:solidFill>
+                      <a:schemeClr val="tx1"/>
+                    </a:solidFill>
+                    <a:latin typeface="SauceCodePro Nerd Font" panose="020B0509030403020204" pitchFamily="49" charset="0"/>
+                    <a:ea typeface="SauceCodePro Nerd Font" panose="020B0509030403020204" pitchFamily="49" charset="0"/>
+                  </a:rPr>
+                  <a:t>Attention</a:t>
+                </a:r>
+                <a:endParaRPr lang="zh-TW" altLang="en-US" sz="3600" dirty="0">
+                  <a:solidFill>
+                    <a:schemeClr val="tx1"/>
+                  </a:solidFill>
+                  <a:latin typeface="SauceCodePro Nerd Font" panose="020B0509030403020204" pitchFamily="49" charset="0"/>
+                </a:endParaRPr>
+              </a:p>
+            </p:txBody>
+          </p:sp>
+        </p:grpSp>
+        <p:sp>
+          <p:nvSpPr>
+            <p:cNvPr id="302" name="圓角矩形 301"/>
+            <p:cNvSpPr/>
+            <p:nvPr/>
+          </p:nvSpPr>
+          <p:spPr>
+            <a:xfrm>
+              <a:off x="9959163" y="5377103"/>
+              <a:ext cx="2295831" cy="985379"/>
+            </a:xfrm>
+            <a:prstGeom prst="roundRect">
+              <a:avLst>
+                <a:gd name="adj" fmla="val 12899"/>
+              </a:avLst>
+            </a:prstGeom>
+            <a:noFill/>
+            <a:ln w="31750">
+              <a:noFill/>
+            </a:ln>
+          </p:spPr>
+          <p:style>
+            <a:lnRef idx="2">
+              <a:schemeClr val="accent1">
+                <a:shade val="50000"/>
+              </a:schemeClr>
+            </a:lnRef>
+            <a:fillRef idx="1">
+              <a:schemeClr val="accent1"/>
+            </a:fillRef>
+            <a:effectRef idx="0">
+              <a:schemeClr val="accent1"/>
+            </a:effectRef>
+            <a:fontRef idx="minor">
+              <a:schemeClr val="lt1"/>
+            </a:fontRef>
+          </p:style>
+          <p:txBody>
+            <a:bodyPr rtlCol="0" anchor="ctr"/>
+            <a:lstStyle/>
+            <a:p>
+              <a:pPr algn="ctr"/>
+              <a:r>
+                <a:rPr lang="en-US" altLang="zh-TW" sz="3600" dirty="0" smtClean="0">
+                  <a:solidFill>
+                    <a:srgbClr val="282828"/>
+                  </a:solidFill>
+                  <a:latin typeface="SauceCodePro Nerd Font" panose="020B0509030403020204" pitchFamily="49" charset="0"/>
+                </a:rPr>
+                <a:t>Flatten</a:t>
+              </a:r>
+              <a:endParaRPr lang="zh-TW" altLang="en-US" sz="3600" dirty="0">
+                <a:solidFill>
+                  <a:srgbClr val="282828"/>
+                </a:solidFill>
+                <a:latin typeface="SauceCodePro Nerd Font" panose="020B0509030403020204" pitchFamily="49" charset="0"/>
+              </a:endParaRPr>
+            </a:p>
+          </p:txBody>
+        </p:sp>
+        <p:cxnSp>
+          <p:nvCxnSpPr>
+            <p:cNvPr id="303" name="直線單箭頭接點 5"/>
+            <p:cNvCxnSpPr>
+              <a:endCxn id="255" idx="1"/>
+            </p:cNvCxnSpPr>
+            <p:nvPr/>
+          </p:nvCxnSpPr>
+          <p:spPr>
+            <a:xfrm>
+              <a:off x="11041380" y="10181403"/>
+              <a:ext cx="2072501" cy="0"/>
+            </a:xfrm>
+            <a:prstGeom prst="straightConnector1">
+              <a:avLst/>
+            </a:prstGeom>
+            <a:ln w="41275">
+              <a:solidFill>
+                <a:schemeClr val="accent6">
+                  <a:lumMod val="75000"/>
+                </a:schemeClr>
+              </a:solidFill>
+              <a:headEnd type="oval" w="lg" len="lg"/>
+              <a:tailEnd type="triangle" w="lg" len="lg"/>
+            </a:ln>
+          </p:spPr>
+          <p:style>
+            <a:lnRef idx="1">
+              <a:schemeClr val="accent1"/>
+            </a:lnRef>
+            <a:fillRef idx="0">
+              <a:schemeClr val="accent1"/>
+            </a:fillRef>
+            <a:effectRef idx="0">
+              <a:schemeClr val="accent1"/>
+            </a:effectRef>
+            <a:fontRef idx="minor">
+              <a:schemeClr val="tx1"/>
+            </a:fontRef>
+          </p:style>
+        </p:cxnSp>
+        <p:sp>
+          <p:nvSpPr>
+            <p:cNvPr id="326" name="立方體 325"/>
+            <p:cNvSpPr/>
+            <p:nvPr/>
+          </p:nvSpPr>
+          <p:spPr>
+            <a:xfrm>
+              <a:off x="12831040" y="11202928"/>
+              <a:ext cx="2485921" cy="2485921"/>
+            </a:xfrm>
+            <a:prstGeom prst="cube">
+              <a:avLst>
+                <a:gd name="adj" fmla="val 22829"/>
+              </a:avLst>
+            </a:prstGeom>
+            <a:solidFill>
+              <a:srgbClr val="7030A0"/>
+            </a:solidFill>
+            <a:ln w="38100">
+              <a:noFill/>
+            </a:ln>
+          </p:spPr>
+          <p:style>
+            <a:lnRef idx="2">
+              <a:schemeClr val="accent1">
+                <a:shade val="50000"/>
+              </a:schemeClr>
+            </a:lnRef>
+            <a:fillRef idx="1">
+              <a:schemeClr val="accent1"/>
+            </a:fillRef>
+            <a:effectRef idx="0">
+              <a:schemeClr val="accent1"/>
+            </a:effectRef>
+            <a:fontRef idx="minor">
+              <a:schemeClr val="lt1"/>
+            </a:fontRef>
+          </p:style>
+          <p:txBody>
+            <a:bodyPr rtlCol="0" anchor="ctr"/>
+            <a:lstStyle/>
+            <a:p>
+              <a:pPr algn="ctr"/>
+              <a:endParaRPr lang="zh-TW" altLang="en-US"/>
+            </a:p>
+          </p:txBody>
+        </p:sp>
+        <p:cxnSp>
+          <p:nvCxnSpPr>
+            <p:cNvPr id="328" name="直線單箭頭接點 5"/>
+            <p:cNvCxnSpPr>
+              <a:stCxn id="254" idx="3"/>
+              <a:endCxn id="326" idx="5"/>
+            </p:cNvCxnSpPr>
+            <p:nvPr/>
+          </p:nvCxnSpPr>
+          <p:spPr>
+            <a:xfrm flipH="1">
+              <a:off x="15316961" y="8837182"/>
+              <a:ext cx="151702" cy="3324951"/>
+            </a:xfrm>
+            <a:prstGeom prst="curvedConnector3">
+              <a:avLst>
+                <a:gd name="adj1" fmla="val -1105061"/>
+              </a:avLst>
+            </a:prstGeom>
+            <a:ln w="57150">
+              <a:solidFill>
+                <a:schemeClr val="tx1"/>
+              </a:solidFill>
+              <a:tailEnd type="triangle" w="lg" len="lg"/>
+            </a:ln>
+          </p:spPr>
+          <p:style>
+            <a:lnRef idx="1">
+              <a:schemeClr val="accent1"/>
+            </a:lnRef>
+            <a:fillRef idx="0">
+              <a:schemeClr val="accent1"/>
+            </a:fillRef>
+            <a:effectRef idx="0">
+              <a:schemeClr val="accent1"/>
+            </a:effectRef>
+            <a:fontRef idx="minor">
+              <a:schemeClr val="tx1"/>
+            </a:fontRef>
+          </p:style>
+        </p:cxnSp>
+        <p:sp>
+          <p:nvSpPr>
+            <p:cNvPr id="334" name="圓角矩形 333"/>
+            <p:cNvSpPr/>
+            <p:nvPr/>
+          </p:nvSpPr>
+          <p:spPr>
+            <a:xfrm>
+              <a:off x="9874154" y="11857504"/>
+              <a:ext cx="2805184" cy="1801910"/>
+            </a:xfrm>
+            <a:prstGeom prst="roundRect">
+              <a:avLst>
+                <a:gd name="adj" fmla="val 12899"/>
+              </a:avLst>
+            </a:prstGeom>
+            <a:noFill/>
+            <a:ln w="31750">
+              <a:noFill/>
+            </a:ln>
+          </p:spPr>
+          <p:style>
+            <a:lnRef idx="2">
+              <a:schemeClr val="accent1">
+                <a:shade val="50000"/>
+              </a:schemeClr>
+            </a:lnRef>
+            <a:fillRef idx="1">
+              <a:schemeClr val="accent1"/>
+            </a:fillRef>
+            <a:effectRef idx="0">
+              <a:schemeClr val="accent1"/>
+            </a:effectRef>
+            <a:fontRef idx="minor">
+              <a:schemeClr val="lt1"/>
+            </a:fontRef>
+          </p:style>
+          <p:txBody>
+            <a:bodyPr rtlCol="0" anchor="ctr"/>
+            <a:lstStyle/>
+            <a:p>
+              <a:pPr algn="ctr"/>
+              <a:r>
+                <a:rPr lang="en-US" altLang="zh-TW" sz="3600" dirty="0" smtClean="0">
+                  <a:solidFill>
+                    <a:srgbClr val="282828"/>
+                  </a:solidFill>
+                  <a:latin typeface="SauceCodePro Nerd Font" panose="020B0509030403020204" pitchFamily="49" charset="0"/>
+                </a:rPr>
+                <a:t>View</a:t>
+              </a:r>
+              <a:endParaRPr lang="en-US" altLang="zh-TW" sz="3600" dirty="0">
+                <a:solidFill>
+                  <a:srgbClr val="282828"/>
+                </a:solidFill>
+                <a:latin typeface="SauceCodePro Nerd Font" panose="020B0509030403020204" pitchFamily="49" charset="0"/>
+              </a:endParaRPr>
+            </a:p>
+            <a:p>
+              <a:pPr algn="ctr"/>
+              <a:r>
+                <a:rPr lang="en-US" altLang="zh-TW" sz="3600" dirty="0" smtClean="0">
+                  <a:solidFill>
+                    <a:srgbClr val="282828"/>
+                  </a:solidFill>
+                  <a:latin typeface="SauceCodePro Nerd Font" panose="020B0509030403020204" pitchFamily="49" charset="0"/>
+                </a:rPr>
+                <a:t>Embedding</a:t>
+              </a:r>
+              <a:endParaRPr lang="en-US" altLang="zh-TW" sz="3600" dirty="0">
+                <a:solidFill>
+                  <a:srgbClr val="282828"/>
+                </a:solidFill>
+                <a:latin typeface="SauceCodePro Nerd Font" panose="020B0509030403020204" pitchFamily="49" charset="0"/>
+              </a:endParaRPr>
+            </a:p>
+          </p:txBody>
+        </p:sp>
+        <p:sp>
+          <p:nvSpPr>
+            <p:cNvPr id="335" name="圓角矩形 334"/>
+            <p:cNvSpPr/>
+            <p:nvPr/>
+          </p:nvSpPr>
+          <p:spPr>
+            <a:xfrm rot="18881458">
+              <a:off x="6229603" y="4033553"/>
+              <a:ext cx="993075" cy="498581"/>
+            </a:xfrm>
+            <a:prstGeom prst="roundRect">
+              <a:avLst>
+                <a:gd name="adj" fmla="val 12899"/>
+              </a:avLst>
+            </a:prstGeom>
+            <a:noFill/>
+            <a:ln w="31750">
+              <a:noFill/>
+            </a:ln>
+          </p:spPr>
+          <p:style>
+            <a:lnRef idx="2">
+              <a:schemeClr val="accent1">
+                <a:shade val="50000"/>
+              </a:schemeClr>
+            </a:lnRef>
+            <a:fillRef idx="1">
+              <a:schemeClr val="accent1"/>
+            </a:fillRef>
+            <a:effectRef idx="0">
+              <a:schemeClr val="accent1"/>
+            </a:effectRef>
+            <a:fontRef idx="minor">
+              <a:schemeClr val="lt1"/>
+            </a:fontRef>
+          </p:style>
+          <p:txBody>
+            <a:bodyPr rtlCol="0" anchor="ctr"/>
+            <a:lstStyle/>
+            <a:p>
+              <a:pPr algn="ctr"/>
+              <a:r>
+                <a:rPr lang="en-US" altLang="zh-TW" sz="3600" dirty="0" smtClean="0">
+                  <a:solidFill>
+                    <a:srgbClr val="282828"/>
+                  </a:solidFill>
+                  <a:latin typeface="SauceCodePro Nerd Font" panose="020B0509030403020204" pitchFamily="49" charset="0"/>
+                </a:rPr>
+                <a:t>...</a:t>
+              </a:r>
+              <a:endParaRPr lang="zh-TW" altLang="en-US" sz="3600" dirty="0">
+                <a:solidFill>
+                  <a:srgbClr val="282828"/>
+                </a:solidFill>
+                <a:latin typeface="SauceCodePro Nerd Font" panose="020B0509030403020204" pitchFamily="49" charset="0"/>
+              </a:endParaRPr>
+            </a:p>
+          </p:txBody>
+        </p:sp>
+        <p:sp>
+          <p:nvSpPr>
+            <p:cNvPr id="336" name="圓角矩形 335"/>
+            <p:cNvSpPr/>
+            <p:nvPr/>
+          </p:nvSpPr>
+          <p:spPr>
+            <a:xfrm rot="18881458">
+              <a:off x="6229603" y="7190794"/>
+              <a:ext cx="993075" cy="498581"/>
+            </a:xfrm>
+            <a:prstGeom prst="roundRect">
+              <a:avLst>
+                <a:gd name="adj" fmla="val 12899"/>
+              </a:avLst>
+            </a:prstGeom>
+            <a:noFill/>
+            <a:ln w="31750">
+              <a:noFill/>
+            </a:ln>
+          </p:spPr>
+          <p:style>
+            <a:lnRef idx="2">
+              <a:schemeClr val="accent1">
+                <a:shade val="50000"/>
+              </a:schemeClr>
+            </a:lnRef>
+            <a:fillRef idx="1">
+              <a:schemeClr val="accent1"/>
+            </a:fillRef>
+            <a:effectRef idx="0">
+              <a:schemeClr val="accent1"/>
+            </a:effectRef>
+            <a:fontRef idx="minor">
+              <a:schemeClr val="lt1"/>
+            </a:fontRef>
+          </p:style>
+          <p:txBody>
+            <a:bodyPr rtlCol="0" anchor="ctr"/>
+            <a:lstStyle/>
+            <a:p>
+              <a:pPr algn="ctr"/>
+              <a:r>
+                <a:rPr lang="en-US" altLang="zh-TW" sz="3600" dirty="0" smtClean="0">
+                  <a:solidFill>
+                    <a:srgbClr val="282828"/>
+                  </a:solidFill>
+                  <a:latin typeface="SauceCodePro Nerd Font" panose="020B0509030403020204" pitchFamily="49" charset="0"/>
+                </a:rPr>
+                <a:t>...</a:t>
+              </a:r>
+              <a:endParaRPr lang="zh-TW" altLang="en-US" sz="3600" dirty="0">
+                <a:solidFill>
+                  <a:srgbClr val="282828"/>
+                </a:solidFill>
+                <a:latin typeface="SauceCodePro Nerd Font" panose="020B0509030403020204" pitchFamily="49" charset="0"/>
+              </a:endParaRPr>
+            </a:p>
+          </p:txBody>
+        </p:sp>
+        <p:sp>
+          <p:nvSpPr>
+            <p:cNvPr id="337" name="圓角矩形 336"/>
+            <p:cNvSpPr/>
+            <p:nvPr/>
+          </p:nvSpPr>
+          <p:spPr>
+            <a:xfrm rot="18818767">
+              <a:off x="10824028" y="8083944"/>
+              <a:ext cx="993075" cy="498581"/>
+            </a:xfrm>
+            <a:prstGeom prst="roundRect">
+              <a:avLst>
+                <a:gd name="adj" fmla="val 12899"/>
+              </a:avLst>
+            </a:prstGeom>
+            <a:noFill/>
+            <a:ln w="31750">
+              <a:noFill/>
+            </a:ln>
+          </p:spPr>
+          <p:style>
+            <a:lnRef idx="2">
+              <a:schemeClr val="accent1">
+                <a:shade val="50000"/>
+              </a:schemeClr>
+            </a:lnRef>
+            <a:fillRef idx="1">
+              <a:schemeClr val="accent1"/>
+            </a:fillRef>
+            <a:effectRef idx="0">
+              <a:schemeClr val="accent1"/>
+            </a:effectRef>
+            <a:fontRef idx="minor">
+              <a:schemeClr val="lt1"/>
+            </a:fontRef>
+          </p:style>
+          <p:txBody>
+            <a:bodyPr rtlCol="0" anchor="ctr"/>
+            <a:lstStyle/>
+            <a:p>
+              <a:pPr algn="ctr"/>
+              <a:r>
+                <a:rPr lang="en-US" altLang="zh-TW" sz="3600" dirty="0" smtClean="0">
+                  <a:solidFill>
+                    <a:srgbClr val="282828"/>
+                  </a:solidFill>
+                  <a:latin typeface="SauceCodePro Nerd Font" panose="020B0509030403020204" pitchFamily="49" charset="0"/>
+                </a:rPr>
+                <a:t>...</a:t>
+              </a:r>
+              <a:endParaRPr lang="zh-TW" altLang="en-US" sz="3600" dirty="0">
+                <a:solidFill>
+                  <a:srgbClr val="282828"/>
+                </a:solidFill>
+                <a:latin typeface="SauceCodePro Nerd Font" panose="020B0509030403020204" pitchFamily="49" charset="0"/>
+              </a:endParaRPr>
+            </a:p>
+          </p:txBody>
+        </p:sp>
+        <p:sp>
+          <p:nvSpPr>
+            <p:cNvPr id="78" name="圓角矩形 77"/>
+            <p:cNvSpPr/>
+            <p:nvPr/>
+          </p:nvSpPr>
+          <p:spPr>
+            <a:xfrm rot="18819530">
+              <a:off x="10824885" y="7078508"/>
+              <a:ext cx="993075" cy="498581"/>
+            </a:xfrm>
+            <a:prstGeom prst="roundRect">
+              <a:avLst>
+                <a:gd name="adj" fmla="val 12899"/>
+              </a:avLst>
+            </a:prstGeom>
+            <a:noFill/>
+            <a:ln w="31750">
+              <a:noFill/>
+            </a:ln>
+          </p:spPr>
+          <p:style>
+            <a:lnRef idx="2">
+              <a:schemeClr val="accent1">
+                <a:shade val="50000"/>
+              </a:schemeClr>
+            </a:lnRef>
+            <a:fillRef idx="1">
+              <a:schemeClr val="accent1"/>
+            </a:fillRef>
+            <a:effectRef idx="0">
+              <a:schemeClr val="accent1"/>
+            </a:effectRef>
+            <a:fontRef idx="minor">
+              <a:schemeClr val="lt1"/>
+            </a:fontRef>
+          </p:style>
+          <p:txBody>
+            <a:bodyPr rtlCol="0" anchor="ctr"/>
+            <a:lstStyle/>
+            <a:p>
+              <a:pPr algn="ctr"/>
+              <a:r>
+                <a:rPr lang="en-US" altLang="zh-TW" sz="3600" dirty="0" smtClean="0">
+                  <a:solidFill>
+                    <a:srgbClr val="282828"/>
+                  </a:solidFill>
+                  <a:latin typeface="SauceCodePro Nerd Font" panose="020B0509030403020204" pitchFamily="49" charset="0"/>
+                </a:rPr>
+                <a:t>...</a:t>
+              </a:r>
+              <a:endParaRPr lang="zh-TW" altLang="en-US" sz="3600" dirty="0">
+                <a:solidFill>
+                  <a:srgbClr val="282828"/>
+                </a:solidFill>
+                <a:latin typeface="SauceCodePro Nerd Font" panose="020B0509030403020204" pitchFamily="49" charset="0"/>
+              </a:endParaRPr>
+            </a:p>
+          </p:txBody>
+        </p:sp>
+        <p:sp>
+          <p:nvSpPr>
+            <p:cNvPr id="79" name="右大括弧 78"/>
+            <p:cNvSpPr/>
+            <p:nvPr/>
+          </p:nvSpPr>
+          <p:spPr>
+            <a:xfrm rot="2673281">
+              <a:off x="11451277" y="6335885"/>
+              <a:ext cx="488653" cy="2545296"/>
+            </a:xfrm>
+            <a:prstGeom prst="rightBrace">
+              <a:avLst>
+                <a:gd name="adj1" fmla="val 46072"/>
+                <a:gd name="adj2" fmla="val 34148"/>
+              </a:avLst>
+            </a:prstGeom>
+            <a:ln w="25400">
+              <a:solidFill>
+                <a:srgbClr val="0070C0"/>
+              </a:solidFill>
+            </a:ln>
+          </p:spPr>
+          <p:style>
+            <a:lnRef idx="1">
+              <a:schemeClr val="accent1"/>
+            </a:lnRef>
+            <a:fillRef idx="0">
+              <a:schemeClr val="accent1"/>
+            </a:fillRef>
+            <a:effectRef idx="0">
+              <a:schemeClr val="accent1"/>
+            </a:effectRef>
+            <a:fontRef idx="minor">
+              <a:schemeClr val="tx1"/>
+            </a:fontRef>
+          </p:style>
+          <p:txBody>
+            <a:bodyPr rtlCol="0" anchor="ctr"/>
+            <a:lstStyle/>
+            <a:p>
+              <a:pPr algn="ctr"/>
+              <a:endParaRPr lang="zh-TW" altLang="en-US"/>
+            </a:p>
+          </p:txBody>
+        </p:sp>
+        <p:sp>
+          <p:nvSpPr>
+            <p:cNvPr id="118" name="右大括弧 117"/>
+            <p:cNvSpPr/>
+            <p:nvPr/>
+          </p:nvSpPr>
+          <p:spPr>
+            <a:xfrm rot="2673281">
+              <a:off x="11451276" y="7321195"/>
+              <a:ext cx="488653" cy="2545296"/>
+            </a:xfrm>
+            <a:prstGeom prst="rightBrace">
+              <a:avLst>
+                <a:gd name="adj1" fmla="val 46072"/>
+                <a:gd name="adj2" fmla="val 53279"/>
+              </a:avLst>
+            </a:prstGeom>
+            <a:ln w="25400">
+              <a:solidFill>
+                <a:srgbClr val="A20042"/>
+              </a:solidFill>
+            </a:ln>
+          </p:spPr>
+          <p:style>
+            <a:lnRef idx="1">
+              <a:schemeClr val="accent1"/>
+            </a:lnRef>
+            <a:fillRef idx="0">
+              <a:schemeClr val="accent1"/>
+            </a:fillRef>
+            <a:effectRef idx="0">
+              <a:schemeClr val="accent1"/>
+            </a:effectRef>
+            <a:fontRef idx="minor">
+              <a:schemeClr val="tx1"/>
+            </a:fontRef>
+          </p:style>
+          <p:txBody>
+            <a:bodyPr rtlCol="0" anchor="ctr"/>
+            <a:lstStyle/>
+            <a:p>
+              <a:pPr algn="ctr"/>
+              <a:endParaRPr lang="zh-TW" altLang="en-US"/>
+            </a:p>
+          </p:txBody>
+        </p:sp>
+        <p:cxnSp>
+          <p:nvCxnSpPr>
+            <p:cNvPr id="119" name="直線單箭頭接點 5"/>
+            <p:cNvCxnSpPr>
+              <a:stCxn id="118" idx="1"/>
+              <a:endCxn id="256" idx="1"/>
+            </p:cNvCxnSpPr>
+            <p:nvPr/>
+          </p:nvCxnSpPr>
+          <p:spPr>
+            <a:xfrm>
+              <a:off x="11811150" y="8824732"/>
+              <a:ext cx="1302731" cy="12450"/>
+            </a:xfrm>
+            <a:prstGeom prst="straightConnector1">
+              <a:avLst/>
+            </a:prstGeom>
+            <a:ln w="41275">
+              <a:solidFill>
+                <a:srgbClr val="A20042"/>
+              </a:solidFill>
+              <a:headEnd type="oval" w="lg" len="lg"/>
+              <a:tailEnd type="triangle" w="lg" len="lg"/>
+            </a:ln>
+          </p:spPr>
+          <p:style>
+            <a:lnRef idx="1">
+              <a:schemeClr val="accent1"/>
+            </a:lnRef>
+            <a:fillRef idx="0">
+              <a:schemeClr val="accent1"/>
+            </a:fillRef>
+            <a:effectRef idx="0">
+              <a:schemeClr val="accent1"/>
+            </a:effectRef>
+            <a:fontRef idx="minor">
+              <a:schemeClr val="tx1"/>
+            </a:fontRef>
+          </p:style>
+        </p:cxnSp>
+        <p:cxnSp>
+          <p:nvCxnSpPr>
+            <p:cNvPr id="310" name="直線單箭頭接點 5"/>
+            <p:cNvCxnSpPr>
+              <a:stCxn id="79" idx="1"/>
+              <a:endCxn id="257" idx="1"/>
+            </p:cNvCxnSpPr>
+            <p:nvPr/>
+          </p:nvCxnSpPr>
+          <p:spPr>
+            <a:xfrm>
+              <a:off x="12152783" y="7492438"/>
+              <a:ext cx="961098" cy="522"/>
+            </a:xfrm>
+            <a:prstGeom prst="straightConnector1">
+              <a:avLst/>
+            </a:prstGeom>
+            <a:ln w="38100">
+              <a:solidFill>
+                <a:srgbClr val="0070C0"/>
+              </a:solidFill>
+              <a:headEnd type="oval" w="lg" len="lg"/>
+              <a:tailEnd type="triangle" w="lg" len="lg"/>
+            </a:ln>
+          </p:spPr>
+          <p:style>
+            <a:lnRef idx="1">
+              <a:schemeClr val="accent1"/>
+            </a:lnRef>
+            <a:fillRef idx="0">
+              <a:schemeClr val="accent1"/>
+            </a:fillRef>
+            <a:effectRef idx="0">
+              <a:schemeClr val="accent1"/>
+            </a:effectRef>
+            <a:fontRef idx="minor">
+              <a:schemeClr val="tx1"/>
+            </a:fontRef>
+          </p:style>
+        </p:cxnSp>
+        <p:sp>
+          <p:nvSpPr>
+            <p:cNvPr id="126" name="圓角矩形 125"/>
+            <p:cNvSpPr/>
+            <p:nvPr/>
+          </p:nvSpPr>
+          <p:spPr>
+            <a:xfrm>
+              <a:off x="9549088" y="8686815"/>
+              <a:ext cx="993075" cy="498581"/>
+            </a:xfrm>
+            <a:prstGeom prst="roundRect">
+              <a:avLst>
+                <a:gd name="adj" fmla="val 12899"/>
+              </a:avLst>
+            </a:prstGeom>
+            <a:noFill/>
+            <a:ln w="31750">
+              <a:noFill/>
+            </a:ln>
+          </p:spPr>
+          <p:style>
+            <a:lnRef idx="2">
+              <a:schemeClr val="accent1">
+                <a:shade val="50000"/>
+              </a:schemeClr>
+            </a:lnRef>
+            <a:fillRef idx="1">
+              <a:schemeClr val="accent1"/>
+            </a:fillRef>
+            <a:effectRef idx="0">
+              <a:schemeClr val="accent1"/>
+            </a:effectRef>
+            <a:fontRef idx="minor">
+              <a:schemeClr val="lt1"/>
+            </a:fontRef>
+          </p:style>
+          <p:txBody>
+            <a:bodyPr rtlCol="0" anchor="ctr"/>
+            <a:lstStyle/>
+            <a:p>
+              <a:pPr algn="ctr"/>
+              <a:r>
+                <a:rPr lang="en-US" altLang="zh-TW" sz="3600" dirty="0" smtClean="0">
+                  <a:solidFill>
+                    <a:srgbClr val="282828"/>
+                  </a:solidFill>
+                  <a:latin typeface="SauceCodePro Nerd Font" panose="020B0509030403020204" pitchFamily="49" charset="0"/>
+                </a:rPr>
+                <a:t>...</a:t>
+              </a:r>
+              <a:endParaRPr lang="zh-TW" altLang="en-US" sz="3600" dirty="0">
+                <a:solidFill>
+                  <a:srgbClr val="282828"/>
+                </a:solidFill>
+                <a:latin typeface="SauceCodePro Nerd Font" panose="020B0509030403020204" pitchFamily="49" charset="0"/>
+              </a:endParaRPr>
+            </a:p>
+          </p:txBody>
+        </p:sp>
+      </p:grpSp>
+    </p:spTree>
+    <p:extLst>
+      <p:ext uri="{BB962C8B-B14F-4D97-AF65-F5344CB8AC3E}">
+        <p14:creationId xmlns:p14="http://schemas.microsoft.com/office/powerpoint/2010/main" val="2728525496"/>
+      </p:ext>
+    </p:extLst>
+  </p:cSld>
+  <p:clrMapOvr>
+    <a:masterClrMapping/>
+  </p:clrMapOvr>
   <mc:AlternateContent xmlns:mc="http://schemas.openxmlformats.org/markup-compatibility/2006" xmlns:p14="http://schemas.microsoft.com/office/powerpoint/2010/main">
     <mc:Choice Requires="p14">
       <p:transition spd="slow" p14:dur="2000"/>
@@ -10103,7 +13622,7 @@
 </p:sld>
 </file>
 
-<file path=ppt/slides/slide6.xml><?xml version="1.0" encoding="utf-8"?>
+<file path=ppt/slides/slide7.xml><?xml version="1.0" encoding="utf-8"?>
 <p:sld xmlns:a="http://schemas.openxmlformats.org/drawingml/2006/main" xmlns:r="http://schemas.openxmlformats.org/officeDocument/2006/relationships" xmlns:p="http://schemas.openxmlformats.org/presentationml/2006/main" show="0">
   <p:cSld>
     <p:spTree>
@@ -10450,7 +13969,7 @@
 </p:sld>
 </file>
 
-<file path=ppt/slides/slide7.xml><?xml version="1.0" encoding="utf-8"?>
+<file path=ppt/slides/slide8.xml><?xml version="1.0" encoding="utf-8"?>
 <p:sld xmlns:a="http://schemas.openxmlformats.org/drawingml/2006/main" xmlns:r="http://schemas.openxmlformats.org/officeDocument/2006/relationships" xmlns:p="http://schemas.openxmlformats.org/presentationml/2006/main" show="0">
   <p:cSld>
     <p:spTree>
